--- a/Estudio sobre los hongos_ Modelo predictivo para determinar su consumo.pptx
+++ b/Estudio sobre los hongos_ Modelo predictivo para determinar su consumo.pptx
@@ -2,23 +2,29 @@
 <file path=ppt/presentation.xml><?xml version="1.0" encoding="utf-8"?>
 <p:presentation xmlns:a="http://schemas.openxmlformats.org/drawingml/2006/main" xmlns:r="http://schemas.openxmlformats.org/officeDocument/2006/relationships" xmlns:mc="http://schemas.openxmlformats.org/markup-compatibility/2006" xmlns:mv="urn:schemas-microsoft-com:mac:vml" xmlns:p="http://schemas.openxmlformats.org/presentationml/2006/main" xmlns:c="http://schemas.openxmlformats.org/drawingml/2006/chart" xmlns:dgm="http://schemas.openxmlformats.org/drawingml/2006/diagram" xmlns:o="urn:schemas-microsoft-com:office:office" xmlns:v="urn:schemas-microsoft-com:vml" xmlns:pvml="urn:schemas-microsoft-com:office:powerpoint" xmlns:com="http://schemas.openxmlformats.org/drawingml/2006/compatibility" xmlns:p14="http://schemas.microsoft.com/office/powerpoint/2010/main" xmlns:p15="http://schemas.microsoft.com/office/powerpoint/2012/main" xmlns:ahyp="http://schemas.microsoft.com/office/drawing/2018/hyperlinkcolor" autoCompressPictures="0" strictFirstAndLastChars="0" saveSubsetFonts="1">
   <p:sldMasterIdLst>
-    <p:sldMasterId id="2147483659" r:id="rId4"/>
+    <p:sldMasterId id="2147483659" r:id="rId5"/>
   </p:sldMasterIdLst>
   <p:notesMasterIdLst>
-    <p:notesMasterId r:id="rId5"/>
+    <p:notesMasterId r:id="rId6"/>
   </p:notesMasterIdLst>
   <p:sldIdLst>
-    <p:sldId id="256" r:id="rId6"/>
-    <p:sldId id="257" r:id="rId7"/>
-    <p:sldId id="258" r:id="rId8"/>
-    <p:sldId id="259" r:id="rId9"/>
-    <p:sldId id="260" r:id="rId10"/>
-    <p:sldId id="261" r:id="rId11"/>
-    <p:sldId id="262" r:id="rId12"/>
-    <p:sldId id="263" r:id="rId13"/>
-    <p:sldId id="264" r:id="rId14"/>
-    <p:sldId id="265" r:id="rId15"/>
-    <p:sldId id="266" r:id="rId16"/>
+    <p:sldId id="256" r:id="rId7"/>
+    <p:sldId id="257" r:id="rId8"/>
+    <p:sldId id="258" r:id="rId9"/>
+    <p:sldId id="259" r:id="rId10"/>
+    <p:sldId id="260" r:id="rId11"/>
+    <p:sldId id="261" r:id="rId12"/>
+    <p:sldId id="262" r:id="rId13"/>
+    <p:sldId id="263" r:id="rId14"/>
+    <p:sldId id="264" r:id="rId15"/>
+    <p:sldId id="265" r:id="rId16"/>
+    <p:sldId id="266" r:id="rId17"/>
+    <p:sldId id="267" r:id="rId18"/>
+    <p:sldId id="268" r:id="rId19"/>
+    <p:sldId id="269" r:id="rId20"/>
+    <p:sldId id="270" r:id="rId21"/>
+    <p:sldId id="271" r:id="rId22"/>
+    <p:sldId id="272" r:id="rId23"/>
   </p:sldIdLst>
   <p:sldSz cy="5143500" cx="9144000"/>
   <p:notesSz cx="6858000" cy="9144000"/>
@@ -800,7 +806,7 @@
   <p:cSld>
     <p:spTree>
       <p:nvGrpSpPr>
-        <p:cNvPr id="114" name="Shape 114"/>
+        <p:cNvPr id="115" name="Shape 115"/>
         <p:cNvGrpSpPr/>
         <p:nvPr/>
       </p:nvGrpSpPr>
@@ -814,7 +820,7 @@
       </p:grpSpPr>
       <p:sp>
         <p:nvSpPr>
-          <p:cNvPr id="115" name="Google Shape;115;g2845e35dbd3_0_235:notes"/>
+          <p:cNvPr id="116" name="Google Shape;116;g2845e35dbd3_0_235:notes"/>
           <p:cNvSpPr/>
           <p:nvPr>
             <p:ph idx="2" type="sldImg"/>
@@ -849,7 +855,7 @@
       </p:sp>
       <p:sp>
         <p:nvSpPr>
-          <p:cNvPr id="116" name="Google Shape;116;g2845e35dbd3_0_235:notes"/>
+          <p:cNvPr id="117" name="Google Shape;117;g2845e35dbd3_0_235:notes"/>
           <p:cNvSpPr txBox="1"/>
           <p:nvPr>
             <p:ph idx="1" type="body"/>
@@ -899,7 +905,7 @@
   <p:cSld>
     <p:spTree>
       <p:nvGrpSpPr>
-        <p:cNvPr id="120" name="Shape 120"/>
+        <p:cNvPr id="121" name="Shape 121"/>
         <p:cNvGrpSpPr/>
         <p:nvPr/>
       </p:nvGrpSpPr>
@@ -913,7 +919,7 @@
       </p:grpSpPr>
       <p:sp>
         <p:nvSpPr>
-          <p:cNvPr id="121" name="Google Shape;121;g2845e35dbd3_0_242:notes"/>
+          <p:cNvPr id="122" name="Google Shape;122;g2845e35dbd3_0_242:notes"/>
           <p:cNvSpPr/>
           <p:nvPr>
             <p:ph idx="2" type="sldImg"/>
@@ -948,7 +954,7 @@
       </p:sp>
       <p:sp>
         <p:nvSpPr>
-          <p:cNvPr id="122" name="Google Shape;122;g2845e35dbd3_0_242:notes"/>
+          <p:cNvPr id="123" name="Google Shape;123;g2845e35dbd3_0_242:notes"/>
           <p:cNvSpPr txBox="1"/>
           <p:nvPr>
             <p:ph idx="1" type="body"/>
@@ -993,12 +999,12 @@
 </p:notes>
 </file>
 
-<file path=ppt/notesSlides/notesSlide2.xml><?xml version="1.0" encoding="utf-8"?>
+<file path=ppt/notesSlides/notesSlide12.xml><?xml version="1.0" encoding="utf-8"?>
 <p:notes xmlns:a="http://schemas.openxmlformats.org/drawingml/2006/main" xmlns:r="http://schemas.openxmlformats.org/officeDocument/2006/relationships" xmlns:mc="http://schemas.openxmlformats.org/markup-compatibility/2006" xmlns:mv="urn:schemas-microsoft-com:mac:vml" xmlns:p="http://schemas.openxmlformats.org/presentationml/2006/main" xmlns:c="http://schemas.openxmlformats.org/drawingml/2006/chart" xmlns:dgm="http://schemas.openxmlformats.org/drawingml/2006/diagram" xmlns:o="urn:schemas-microsoft-com:office:office" xmlns:v="urn:schemas-microsoft-com:vml" xmlns:pvml="urn:schemas-microsoft-com:office:powerpoint" xmlns:com="http://schemas.openxmlformats.org/drawingml/2006/compatibility" xmlns:p14="http://schemas.microsoft.com/office/powerpoint/2010/main" xmlns:p15="http://schemas.microsoft.com/office/powerpoint/2012/main" xmlns:ahyp="http://schemas.microsoft.com/office/drawing/2018/hyperlinkcolor" showMasterPhAnim="0" showMasterSp="0">
   <p:cSld>
     <p:spTree>
       <p:nvGrpSpPr>
-        <p:cNvPr id="58" name="Shape 58"/>
+        <p:cNvPr id="130" name="Shape 130"/>
         <p:cNvGrpSpPr/>
         <p:nvPr/>
       </p:nvGrpSpPr>
@@ -1012,7 +1018,7 @@
       </p:grpSpPr>
       <p:sp>
         <p:nvSpPr>
-          <p:cNvPr id="59" name="Google Shape;59;g2845e35dbd3_0_104:notes"/>
+          <p:cNvPr id="131" name="Google Shape;131;g2845e35dbd3_0_255:notes"/>
           <p:cNvSpPr/>
           <p:nvPr>
             <p:ph idx="2" type="sldImg"/>
@@ -1047,7 +1053,7 @@
       </p:sp>
       <p:sp>
         <p:nvSpPr>
-          <p:cNvPr id="60" name="Google Shape;60;g2845e35dbd3_0_104:notes"/>
+          <p:cNvPr id="132" name="Google Shape;132;g2845e35dbd3_0_255:notes"/>
           <p:cNvSpPr txBox="1"/>
           <p:nvPr>
             <p:ph idx="1" type="body"/>
@@ -1092,12 +1098,12 @@
 </p:notes>
 </file>
 
-<file path=ppt/notesSlides/notesSlide3.xml><?xml version="1.0" encoding="utf-8"?>
+<file path=ppt/notesSlides/notesSlide13.xml><?xml version="1.0" encoding="utf-8"?>
 <p:notes xmlns:a="http://schemas.openxmlformats.org/drawingml/2006/main" xmlns:r="http://schemas.openxmlformats.org/officeDocument/2006/relationships" xmlns:mc="http://schemas.openxmlformats.org/markup-compatibility/2006" xmlns:mv="urn:schemas-microsoft-com:mac:vml" xmlns:p="http://schemas.openxmlformats.org/presentationml/2006/main" xmlns:c="http://schemas.openxmlformats.org/drawingml/2006/chart" xmlns:dgm="http://schemas.openxmlformats.org/drawingml/2006/diagram" xmlns:o="urn:schemas-microsoft-com:office:office" xmlns:v="urn:schemas-microsoft-com:vml" xmlns:pvml="urn:schemas-microsoft-com:office:powerpoint" xmlns:com="http://schemas.openxmlformats.org/drawingml/2006/compatibility" xmlns:p14="http://schemas.microsoft.com/office/powerpoint/2010/main" xmlns:p15="http://schemas.microsoft.com/office/powerpoint/2012/main" xmlns:ahyp="http://schemas.microsoft.com/office/drawing/2018/hyperlinkcolor" showMasterPhAnim="0" showMasterSp="0">
   <p:cSld>
     <p:spTree>
       <p:nvGrpSpPr>
-        <p:cNvPr id="64" name="Shape 64"/>
+        <p:cNvPr id="136" name="Shape 136"/>
         <p:cNvGrpSpPr/>
         <p:nvPr/>
       </p:nvGrpSpPr>
@@ -1111,7 +1117,7 @@
       </p:grpSpPr>
       <p:sp>
         <p:nvSpPr>
-          <p:cNvPr id="65" name="Google Shape;65;g2845e35dbd3_0_159:notes"/>
+          <p:cNvPr id="137" name="Google Shape;137;g2845e35dbd3_0_264:notes"/>
           <p:cNvSpPr/>
           <p:nvPr>
             <p:ph idx="2" type="sldImg"/>
@@ -1146,7 +1152,7 @@
       </p:sp>
       <p:sp>
         <p:nvSpPr>
-          <p:cNvPr id="66" name="Google Shape;66;g2845e35dbd3_0_159:notes"/>
+          <p:cNvPr id="138" name="Google Shape;138;g2845e35dbd3_0_264:notes"/>
           <p:cNvSpPr txBox="1"/>
           <p:nvPr>
             <p:ph idx="1" type="body"/>
@@ -1191,12 +1197,12 @@
 </p:notes>
 </file>
 
-<file path=ppt/notesSlides/notesSlide4.xml><?xml version="1.0" encoding="utf-8"?>
+<file path=ppt/notesSlides/notesSlide14.xml><?xml version="1.0" encoding="utf-8"?>
 <p:notes xmlns:a="http://schemas.openxmlformats.org/drawingml/2006/main" xmlns:r="http://schemas.openxmlformats.org/officeDocument/2006/relationships" xmlns:mc="http://schemas.openxmlformats.org/markup-compatibility/2006" xmlns:mv="urn:schemas-microsoft-com:mac:vml" xmlns:p="http://schemas.openxmlformats.org/presentationml/2006/main" xmlns:c="http://schemas.openxmlformats.org/drawingml/2006/chart" xmlns:dgm="http://schemas.openxmlformats.org/drawingml/2006/diagram" xmlns:o="urn:schemas-microsoft-com:office:office" xmlns:v="urn:schemas-microsoft-com:vml" xmlns:pvml="urn:schemas-microsoft-com:office:powerpoint" xmlns:com="http://schemas.openxmlformats.org/drawingml/2006/compatibility" xmlns:p14="http://schemas.microsoft.com/office/powerpoint/2010/main" xmlns:p15="http://schemas.microsoft.com/office/powerpoint/2012/main" xmlns:ahyp="http://schemas.microsoft.com/office/drawing/2018/hyperlinkcolor" showMasterPhAnim="0" showMasterSp="0">
   <p:cSld>
     <p:spTree>
       <p:nvGrpSpPr>
-        <p:cNvPr id="74" name="Shape 74"/>
+        <p:cNvPr id="145" name="Shape 145"/>
         <p:cNvGrpSpPr/>
         <p:nvPr/>
       </p:nvGrpSpPr>
@@ -1210,7 +1216,7 @@
       </p:grpSpPr>
       <p:sp>
         <p:nvSpPr>
-          <p:cNvPr id="75" name="Google Shape;75;g2845e35dbd3_0_174:notes"/>
+          <p:cNvPr id="146" name="Google Shape;146;g2845e35dbd3_0_273:notes"/>
           <p:cNvSpPr/>
           <p:nvPr>
             <p:ph idx="2" type="sldImg"/>
@@ -1245,7 +1251,7 @@
       </p:sp>
       <p:sp>
         <p:nvSpPr>
-          <p:cNvPr id="76" name="Google Shape;76;g2845e35dbd3_0_174:notes"/>
+          <p:cNvPr id="147" name="Google Shape;147;g2845e35dbd3_0_273:notes"/>
           <p:cNvSpPr txBox="1"/>
           <p:nvPr>
             <p:ph idx="1" type="body"/>
@@ -1290,12 +1296,12 @@
 </p:notes>
 </file>
 
-<file path=ppt/notesSlides/notesSlide5.xml><?xml version="1.0" encoding="utf-8"?>
+<file path=ppt/notesSlides/notesSlide15.xml><?xml version="1.0" encoding="utf-8"?>
 <p:notes xmlns:a="http://schemas.openxmlformats.org/drawingml/2006/main" xmlns:r="http://schemas.openxmlformats.org/officeDocument/2006/relationships" xmlns:mc="http://schemas.openxmlformats.org/markup-compatibility/2006" xmlns:mv="urn:schemas-microsoft-com:mac:vml" xmlns:p="http://schemas.openxmlformats.org/presentationml/2006/main" xmlns:c="http://schemas.openxmlformats.org/drawingml/2006/chart" xmlns:dgm="http://schemas.openxmlformats.org/drawingml/2006/diagram" xmlns:o="urn:schemas-microsoft-com:office:office" xmlns:v="urn:schemas-microsoft-com:vml" xmlns:pvml="urn:schemas-microsoft-com:office:powerpoint" xmlns:com="http://schemas.openxmlformats.org/drawingml/2006/compatibility" xmlns:p14="http://schemas.microsoft.com/office/powerpoint/2010/main" xmlns:p15="http://schemas.microsoft.com/office/powerpoint/2012/main" xmlns:ahyp="http://schemas.microsoft.com/office/drawing/2018/hyperlinkcolor" showMasterPhAnim="0" showMasterSp="0">
   <p:cSld>
     <p:spTree>
       <p:nvGrpSpPr>
-        <p:cNvPr id="80" name="Shape 80"/>
+        <p:cNvPr id="152" name="Shape 152"/>
         <p:cNvGrpSpPr/>
         <p:nvPr/>
       </p:nvGrpSpPr>
@@ -1309,7 +1315,7 @@
       </p:grpSpPr>
       <p:sp>
         <p:nvSpPr>
-          <p:cNvPr id="81" name="Google Shape;81;g2845e35dbd3_0_164:notes"/>
+          <p:cNvPr id="153" name="Google Shape;153;g2845e35dbd3_0_298:notes"/>
           <p:cNvSpPr/>
           <p:nvPr>
             <p:ph idx="2" type="sldImg"/>
@@ -1344,7 +1350,7 @@
       </p:sp>
       <p:sp>
         <p:nvSpPr>
-          <p:cNvPr id="82" name="Google Shape;82;g2845e35dbd3_0_164:notes"/>
+          <p:cNvPr id="154" name="Google Shape;154;g2845e35dbd3_0_298:notes"/>
           <p:cNvSpPr txBox="1"/>
           <p:nvPr>
             <p:ph idx="1" type="body"/>
@@ -1389,12 +1395,12 @@
 </p:notes>
 </file>
 
-<file path=ppt/notesSlides/notesSlide6.xml><?xml version="1.0" encoding="utf-8"?>
+<file path=ppt/notesSlides/notesSlide16.xml><?xml version="1.0" encoding="utf-8"?>
 <p:notes xmlns:a="http://schemas.openxmlformats.org/drawingml/2006/main" xmlns:r="http://schemas.openxmlformats.org/officeDocument/2006/relationships" xmlns:mc="http://schemas.openxmlformats.org/markup-compatibility/2006" xmlns:mv="urn:schemas-microsoft-com:mac:vml" xmlns:p="http://schemas.openxmlformats.org/presentationml/2006/main" xmlns:c="http://schemas.openxmlformats.org/drawingml/2006/chart" xmlns:dgm="http://schemas.openxmlformats.org/drawingml/2006/diagram" xmlns:o="urn:schemas-microsoft-com:office:office" xmlns:v="urn:schemas-microsoft-com:vml" xmlns:pvml="urn:schemas-microsoft-com:office:powerpoint" xmlns:com="http://schemas.openxmlformats.org/drawingml/2006/compatibility" xmlns:p14="http://schemas.microsoft.com/office/powerpoint/2010/main" xmlns:p15="http://schemas.microsoft.com/office/powerpoint/2012/main" xmlns:ahyp="http://schemas.microsoft.com/office/drawing/2018/hyperlinkcolor" showMasterPhAnim="0" showMasterSp="0">
   <p:cSld>
     <p:spTree>
       <p:nvGrpSpPr>
-        <p:cNvPr id="86" name="Shape 86"/>
+        <p:cNvPr id="159" name="Shape 159"/>
         <p:cNvGrpSpPr/>
         <p:nvPr/>
       </p:nvGrpSpPr>
@@ -1408,7 +1414,7 @@
       </p:grpSpPr>
       <p:sp>
         <p:nvSpPr>
-          <p:cNvPr id="87" name="Google Shape;87;g2845e35dbd3_0_213:notes"/>
+          <p:cNvPr id="160" name="Google Shape;160;g2845e35dbd3_0_282:notes"/>
           <p:cNvSpPr/>
           <p:nvPr>
             <p:ph idx="2" type="sldImg"/>
@@ -1443,7 +1449,7 @@
       </p:sp>
       <p:sp>
         <p:nvSpPr>
-          <p:cNvPr id="88" name="Google Shape;88;g2845e35dbd3_0_213:notes"/>
+          <p:cNvPr id="161" name="Google Shape;161;g2845e35dbd3_0_282:notes"/>
           <p:cNvSpPr txBox="1"/>
           <p:nvPr>
             <p:ph idx="1" type="body"/>
@@ -1488,12 +1494,12 @@
 </p:notes>
 </file>
 
-<file path=ppt/notesSlides/notesSlide7.xml><?xml version="1.0" encoding="utf-8"?>
+<file path=ppt/notesSlides/notesSlide17.xml><?xml version="1.0" encoding="utf-8"?>
 <p:notes xmlns:a="http://schemas.openxmlformats.org/drawingml/2006/main" xmlns:r="http://schemas.openxmlformats.org/officeDocument/2006/relationships" xmlns:mc="http://schemas.openxmlformats.org/markup-compatibility/2006" xmlns:mv="urn:schemas-microsoft-com:mac:vml" xmlns:p="http://schemas.openxmlformats.org/presentationml/2006/main" xmlns:c="http://schemas.openxmlformats.org/drawingml/2006/chart" xmlns:dgm="http://schemas.openxmlformats.org/drawingml/2006/diagram" xmlns:o="urn:schemas-microsoft-com:office:office" xmlns:v="urn:schemas-microsoft-com:vml" xmlns:pvml="urn:schemas-microsoft-com:office:powerpoint" xmlns:com="http://schemas.openxmlformats.org/drawingml/2006/compatibility" xmlns:p14="http://schemas.microsoft.com/office/powerpoint/2010/main" xmlns:p15="http://schemas.microsoft.com/office/powerpoint/2012/main" xmlns:ahyp="http://schemas.microsoft.com/office/drawing/2018/hyperlinkcolor" showMasterPhAnim="0" showMasterSp="0">
   <p:cSld>
     <p:spTree>
       <p:nvGrpSpPr>
-        <p:cNvPr id="92" name="Shape 92"/>
+        <p:cNvPr id="166" name="Shape 166"/>
         <p:cNvGrpSpPr/>
         <p:nvPr/>
       </p:nvGrpSpPr>
@@ -1507,7 +1513,7 @@
       </p:grpSpPr>
       <p:sp>
         <p:nvSpPr>
-          <p:cNvPr id="93" name="Google Shape;93;g2845e35dbd3_0_195:notes"/>
+          <p:cNvPr id="167" name="Google Shape;167;g2845e35dbd3_0_309:notes"/>
           <p:cNvSpPr/>
           <p:nvPr>
             <p:ph idx="2" type="sldImg"/>
@@ -1542,7 +1548,7 @@
       </p:sp>
       <p:sp>
         <p:nvSpPr>
-          <p:cNvPr id="94" name="Google Shape;94;g2845e35dbd3_0_195:notes"/>
+          <p:cNvPr id="168" name="Google Shape;168;g2845e35dbd3_0_309:notes"/>
           <p:cNvSpPr txBox="1"/>
           <p:nvPr>
             <p:ph idx="1" type="body"/>
@@ -1587,12 +1593,12 @@
 </p:notes>
 </file>
 
-<file path=ppt/notesSlides/notesSlide8.xml><?xml version="1.0" encoding="utf-8"?>
+<file path=ppt/notesSlides/notesSlide2.xml><?xml version="1.0" encoding="utf-8"?>
 <p:notes xmlns:a="http://schemas.openxmlformats.org/drawingml/2006/main" xmlns:r="http://schemas.openxmlformats.org/officeDocument/2006/relationships" xmlns:mc="http://schemas.openxmlformats.org/markup-compatibility/2006" xmlns:mv="urn:schemas-microsoft-com:mac:vml" xmlns:p="http://schemas.openxmlformats.org/presentationml/2006/main" xmlns:c="http://schemas.openxmlformats.org/drawingml/2006/chart" xmlns:dgm="http://schemas.openxmlformats.org/drawingml/2006/diagram" xmlns:o="urn:schemas-microsoft-com:office:office" xmlns:v="urn:schemas-microsoft-com:vml" xmlns:pvml="urn:schemas-microsoft-com:office:powerpoint" xmlns:com="http://schemas.openxmlformats.org/drawingml/2006/compatibility" xmlns:p14="http://schemas.microsoft.com/office/powerpoint/2010/main" xmlns:p15="http://schemas.microsoft.com/office/powerpoint/2012/main" xmlns:ahyp="http://schemas.microsoft.com/office/drawing/2018/hyperlinkcolor" showMasterPhAnim="0" showMasterSp="0">
   <p:cSld>
     <p:spTree>
       <p:nvGrpSpPr>
-        <p:cNvPr id="100" name="Shape 100"/>
+        <p:cNvPr id="59" name="Shape 59"/>
         <p:cNvGrpSpPr/>
         <p:nvPr/>
       </p:nvGrpSpPr>
@@ -1606,7 +1612,7 @@
       </p:grpSpPr>
       <p:sp>
         <p:nvSpPr>
-          <p:cNvPr id="101" name="Google Shape;101;g2845e35dbd3_0_219:notes"/>
+          <p:cNvPr id="60" name="Google Shape;60;g2845e35dbd3_0_104:notes"/>
           <p:cNvSpPr/>
           <p:nvPr>
             <p:ph idx="2" type="sldImg"/>
@@ -1641,7 +1647,7 @@
       </p:sp>
       <p:sp>
         <p:nvSpPr>
-          <p:cNvPr id="102" name="Google Shape;102;g2845e35dbd3_0_219:notes"/>
+          <p:cNvPr id="61" name="Google Shape;61;g2845e35dbd3_0_104:notes"/>
           <p:cNvSpPr txBox="1"/>
           <p:nvPr>
             <p:ph idx="1" type="body"/>
@@ -1686,12 +1692,12 @@
 </p:notes>
 </file>
 
-<file path=ppt/notesSlides/notesSlide9.xml><?xml version="1.0" encoding="utf-8"?>
+<file path=ppt/notesSlides/notesSlide3.xml><?xml version="1.0" encoding="utf-8"?>
 <p:notes xmlns:a="http://schemas.openxmlformats.org/drawingml/2006/main" xmlns:r="http://schemas.openxmlformats.org/officeDocument/2006/relationships" xmlns:mc="http://schemas.openxmlformats.org/markup-compatibility/2006" xmlns:mv="urn:schemas-microsoft-com:mac:vml" xmlns:p="http://schemas.openxmlformats.org/presentationml/2006/main" xmlns:c="http://schemas.openxmlformats.org/drawingml/2006/chart" xmlns:dgm="http://schemas.openxmlformats.org/drawingml/2006/diagram" xmlns:o="urn:schemas-microsoft-com:office:office" xmlns:v="urn:schemas-microsoft-com:vml" xmlns:pvml="urn:schemas-microsoft-com:office:powerpoint" xmlns:com="http://schemas.openxmlformats.org/drawingml/2006/compatibility" xmlns:p14="http://schemas.microsoft.com/office/powerpoint/2010/main" xmlns:p15="http://schemas.microsoft.com/office/powerpoint/2012/main" xmlns:ahyp="http://schemas.microsoft.com/office/drawing/2018/hyperlinkcolor" showMasterPhAnim="0" showMasterSp="0">
   <p:cSld>
     <p:spTree>
       <p:nvGrpSpPr>
-        <p:cNvPr id="107" name="Shape 107"/>
+        <p:cNvPr id="65" name="Shape 65"/>
         <p:cNvGrpSpPr/>
         <p:nvPr/>
       </p:nvGrpSpPr>
@@ -1705,7 +1711,7 @@
       </p:grpSpPr>
       <p:sp>
         <p:nvSpPr>
-          <p:cNvPr id="108" name="Google Shape;108;g2845e35dbd3_0_227:notes"/>
+          <p:cNvPr id="66" name="Google Shape;66;g2845e35dbd3_0_159:notes"/>
           <p:cNvSpPr/>
           <p:nvPr>
             <p:ph idx="2" type="sldImg"/>
@@ -1740,7 +1746,601 @@
       </p:sp>
       <p:sp>
         <p:nvSpPr>
+          <p:cNvPr id="67" name="Google Shape;67;g2845e35dbd3_0_159:notes"/>
+          <p:cNvSpPr txBox="1"/>
+          <p:nvPr>
+            <p:ph idx="1" type="body"/>
+          </p:nvPr>
+        </p:nvSpPr>
+        <p:spPr>
+          <a:xfrm>
+            <a:off x="685800" y="4343400"/>
+            <a:ext cx="5486400" cy="4114800"/>
+          </a:xfrm>
+          <a:prstGeom prst="rect">
+            <a:avLst/>
+          </a:prstGeom>
+        </p:spPr>
+        <p:txBody>
+          <a:bodyPr anchorCtr="0" anchor="t" bIns="91425" lIns="91425" spcFirstLastPara="1" rIns="91425" wrap="square" tIns="91425">
+            <a:noAutofit/>
+          </a:bodyPr>
+          <a:lstStyle/>
+          <a:p>
+            <a:pPr indent="0" lvl="0" marL="0" rtl="0" algn="l">
+              <a:spcBef>
+                <a:spcPts val="0"/>
+              </a:spcBef>
+              <a:spcAft>
+                <a:spcPts val="0"/>
+              </a:spcAft>
+              <a:buNone/>
+            </a:pPr>
+            <a:r>
+              <a:t/>
+            </a:r>
+            <a:endParaRPr/>
+          </a:p>
+        </p:txBody>
+      </p:sp>
+    </p:spTree>
+  </p:cSld>
+  <p:clrMapOvr>
+    <a:masterClrMapping/>
+  </p:clrMapOvr>
+</p:notes>
+</file>
+
+<file path=ppt/notesSlides/notesSlide4.xml><?xml version="1.0" encoding="utf-8"?>
+<p:notes xmlns:a="http://schemas.openxmlformats.org/drawingml/2006/main" xmlns:r="http://schemas.openxmlformats.org/officeDocument/2006/relationships" xmlns:mc="http://schemas.openxmlformats.org/markup-compatibility/2006" xmlns:mv="urn:schemas-microsoft-com:mac:vml" xmlns:p="http://schemas.openxmlformats.org/presentationml/2006/main" xmlns:c="http://schemas.openxmlformats.org/drawingml/2006/chart" xmlns:dgm="http://schemas.openxmlformats.org/drawingml/2006/diagram" xmlns:o="urn:schemas-microsoft-com:office:office" xmlns:v="urn:schemas-microsoft-com:vml" xmlns:pvml="urn:schemas-microsoft-com:office:powerpoint" xmlns:com="http://schemas.openxmlformats.org/drawingml/2006/compatibility" xmlns:p14="http://schemas.microsoft.com/office/powerpoint/2010/main" xmlns:p15="http://schemas.microsoft.com/office/powerpoint/2012/main" xmlns:ahyp="http://schemas.microsoft.com/office/drawing/2018/hyperlinkcolor" showMasterPhAnim="0" showMasterSp="0">
+  <p:cSld>
+    <p:spTree>
+      <p:nvGrpSpPr>
+        <p:cNvPr id="75" name="Shape 75"/>
+        <p:cNvGrpSpPr/>
+        <p:nvPr/>
+      </p:nvGrpSpPr>
+      <p:grpSpPr>
+        <a:xfrm>
+          <a:off x="0" y="0"/>
+          <a:ext cx="0" cy="0"/>
+          <a:chOff x="0" y="0"/>
+          <a:chExt cx="0" cy="0"/>
+        </a:xfrm>
+      </p:grpSpPr>
+      <p:sp>
+        <p:nvSpPr>
+          <p:cNvPr id="76" name="Google Shape;76;g2845e35dbd3_0_174:notes"/>
+          <p:cNvSpPr/>
+          <p:nvPr>
+            <p:ph idx="2" type="sldImg"/>
+          </p:nvPr>
+        </p:nvSpPr>
+        <p:spPr>
+          <a:xfrm>
+            <a:off x="381300" y="685800"/>
+            <a:ext cx="6096000" cy="3429000"/>
+          </a:xfrm>
+          <a:custGeom>
+            <a:rect b="b" l="l" r="r" t="t"/>
+            <a:pathLst>
+              <a:path extrusionOk="0" h="120000" w="120000">
+                <a:moveTo>
+                  <a:pt x="0" y="0"/>
+                </a:moveTo>
+                <a:lnTo>
+                  <a:pt x="120000" y="0"/>
+                </a:lnTo>
+                <a:lnTo>
+                  <a:pt x="120000" y="120000"/>
+                </a:lnTo>
+                <a:lnTo>
+                  <a:pt x="0" y="120000"/>
+                </a:lnTo>
+                <a:close/>
+              </a:path>
+            </a:pathLst>
+          </a:custGeom>
+        </p:spPr>
+      </p:sp>
+      <p:sp>
+        <p:nvSpPr>
+          <p:cNvPr id="77" name="Google Shape;77;g2845e35dbd3_0_174:notes"/>
+          <p:cNvSpPr txBox="1"/>
+          <p:nvPr>
+            <p:ph idx="1" type="body"/>
+          </p:nvPr>
+        </p:nvSpPr>
+        <p:spPr>
+          <a:xfrm>
+            <a:off x="685800" y="4343400"/>
+            <a:ext cx="5486400" cy="4114800"/>
+          </a:xfrm>
+          <a:prstGeom prst="rect">
+            <a:avLst/>
+          </a:prstGeom>
+        </p:spPr>
+        <p:txBody>
+          <a:bodyPr anchorCtr="0" anchor="t" bIns="91425" lIns="91425" spcFirstLastPara="1" rIns="91425" wrap="square" tIns="91425">
+            <a:noAutofit/>
+          </a:bodyPr>
+          <a:lstStyle/>
+          <a:p>
+            <a:pPr indent="0" lvl="0" marL="0" rtl="0" algn="l">
+              <a:spcBef>
+                <a:spcPts val="0"/>
+              </a:spcBef>
+              <a:spcAft>
+                <a:spcPts val="0"/>
+              </a:spcAft>
+              <a:buNone/>
+            </a:pPr>
+            <a:r>
+              <a:t/>
+            </a:r>
+            <a:endParaRPr/>
+          </a:p>
+        </p:txBody>
+      </p:sp>
+    </p:spTree>
+  </p:cSld>
+  <p:clrMapOvr>
+    <a:masterClrMapping/>
+  </p:clrMapOvr>
+</p:notes>
+</file>
+
+<file path=ppt/notesSlides/notesSlide5.xml><?xml version="1.0" encoding="utf-8"?>
+<p:notes xmlns:a="http://schemas.openxmlformats.org/drawingml/2006/main" xmlns:r="http://schemas.openxmlformats.org/officeDocument/2006/relationships" xmlns:mc="http://schemas.openxmlformats.org/markup-compatibility/2006" xmlns:mv="urn:schemas-microsoft-com:mac:vml" xmlns:p="http://schemas.openxmlformats.org/presentationml/2006/main" xmlns:c="http://schemas.openxmlformats.org/drawingml/2006/chart" xmlns:dgm="http://schemas.openxmlformats.org/drawingml/2006/diagram" xmlns:o="urn:schemas-microsoft-com:office:office" xmlns:v="urn:schemas-microsoft-com:vml" xmlns:pvml="urn:schemas-microsoft-com:office:powerpoint" xmlns:com="http://schemas.openxmlformats.org/drawingml/2006/compatibility" xmlns:p14="http://schemas.microsoft.com/office/powerpoint/2010/main" xmlns:p15="http://schemas.microsoft.com/office/powerpoint/2012/main" xmlns:ahyp="http://schemas.microsoft.com/office/drawing/2018/hyperlinkcolor" showMasterPhAnim="0" showMasterSp="0">
+  <p:cSld>
+    <p:spTree>
+      <p:nvGrpSpPr>
+        <p:cNvPr id="81" name="Shape 81"/>
+        <p:cNvGrpSpPr/>
+        <p:nvPr/>
+      </p:nvGrpSpPr>
+      <p:grpSpPr>
+        <a:xfrm>
+          <a:off x="0" y="0"/>
+          <a:ext cx="0" cy="0"/>
+          <a:chOff x="0" y="0"/>
+          <a:chExt cx="0" cy="0"/>
+        </a:xfrm>
+      </p:grpSpPr>
+      <p:sp>
+        <p:nvSpPr>
+          <p:cNvPr id="82" name="Google Shape;82;g2845e35dbd3_0_164:notes"/>
+          <p:cNvSpPr/>
+          <p:nvPr>
+            <p:ph idx="2" type="sldImg"/>
+          </p:nvPr>
+        </p:nvSpPr>
+        <p:spPr>
+          <a:xfrm>
+            <a:off x="381300" y="685800"/>
+            <a:ext cx="6096000" cy="3429000"/>
+          </a:xfrm>
+          <a:custGeom>
+            <a:rect b="b" l="l" r="r" t="t"/>
+            <a:pathLst>
+              <a:path extrusionOk="0" h="120000" w="120000">
+                <a:moveTo>
+                  <a:pt x="0" y="0"/>
+                </a:moveTo>
+                <a:lnTo>
+                  <a:pt x="120000" y="0"/>
+                </a:lnTo>
+                <a:lnTo>
+                  <a:pt x="120000" y="120000"/>
+                </a:lnTo>
+                <a:lnTo>
+                  <a:pt x="0" y="120000"/>
+                </a:lnTo>
+                <a:close/>
+              </a:path>
+            </a:pathLst>
+          </a:custGeom>
+        </p:spPr>
+      </p:sp>
+      <p:sp>
+        <p:nvSpPr>
+          <p:cNvPr id="83" name="Google Shape;83;g2845e35dbd3_0_164:notes"/>
+          <p:cNvSpPr txBox="1"/>
+          <p:nvPr>
+            <p:ph idx="1" type="body"/>
+          </p:nvPr>
+        </p:nvSpPr>
+        <p:spPr>
+          <a:xfrm>
+            <a:off x="685800" y="4343400"/>
+            <a:ext cx="5486400" cy="4114800"/>
+          </a:xfrm>
+          <a:prstGeom prst="rect">
+            <a:avLst/>
+          </a:prstGeom>
+        </p:spPr>
+        <p:txBody>
+          <a:bodyPr anchorCtr="0" anchor="t" bIns="91425" lIns="91425" spcFirstLastPara="1" rIns="91425" wrap="square" tIns="91425">
+            <a:noAutofit/>
+          </a:bodyPr>
+          <a:lstStyle/>
+          <a:p>
+            <a:pPr indent="0" lvl="0" marL="0" rtl="0" algn="l">
+              <a:spcBef>
+                <a:spcPts val="0"/>
+              </a:spcBef>
+              <a:spcAft>
+                <a:spcPts val="0"/>
+              </a:spcAft>
+              <a:buNone/>
+            </a:pPr>
+            <a:r>
+              <a:t/>
+            </a:r>
+            <a:endParaRPr/>
+          </a:p>
+        </p:txBody>
+      </p:sp>
+    </p:spTree>
+  </p:cSld>
+  <p:clrMapOvr>
+    <a:masterClrMapping/>
+  </p:clrMapOvr>
+</p:notes>
+</file>
+
+<file path=ppt/notesSlides/notesSlide6.xml><?xml version="1.0" encoding="utf-8"?>
+<p:notes xmlns:a="http://schemas.openxmlformats.org/drawingml/2006/main" xmlns:r="http://schemas.openxmlformats.org/officeDocument/2006/relationships" xmlns:mc="http://schemas.openxmlformats.org/markup-compatibility/2006" xmlns:mv="urn:schemas-microsoft-com:mac:vml" xmlns:p="http://schemas.openxmlformats.org/presentationml/2006/main" xmlns:c="http://schemas.openxmlformats.org/drawingml/2006/chart" xmlns:dgm="http://schemas.openxmlformats.org/drawingml/2006/diagram" xmlns:o="urn:schemas-microsoft-com:office:office" xmlns:v="urn:schemas-microsoft-com:vml" xmlns:pvml="urn:schemas-microsoft-com:office:powerpoint" xmlns:com="http://schemas.openxmlformats.org/drawingml/2006/compatibility" xmlns:p14="http://schemas.microsoft.com/office/powerpoint/2010/main" xmlns:p15="http://schemas.microsoft.com/office/powerpoint/2012/main" xmlns:ahyp="http://schemas.microsoft.com/office/drawing/2018/hyperlinkcolor" showMasterPhAnim="0" showMasterSp="0">
+  <p:cSld>
+    <p:spTree>
+      <p:nvGrpSpPr>
+        <p:cNvPr id="87" name="Shape 87"/>
+        <p:cNvGrpSpPr/>
+        <p:nvPr/>
+      </p:nvGrpSpPr>
+      <p:grpSpPr>
+        <a:xfrm>
+          <a:off x="0" y="0"/>
+          <a:ext cx="0" cy="0"/>
+          <a:chOff x="0" y="0"/>
+          <a:chExt cx="0" cy="0"/>
+        </a:xfrm>
+      </p:grpSpPr>
+      <p:sp>
+        <p:nvSpPr>
+          <p:cNvPr id="88" name="Google Shape;88;g2845e35dbd3_0_213:notes"/>
+          <p:cNvSpPr/>
+          <p:nvPr>
+            <p:ph idx="2" type="sldImg"/>
+          </p:nvPr>
+        </p:nvSpPr>
+        <p:spPr>
+          <a:xfrm>
+            <a:off x="381300" y="685800"/>
+            <a:ext cx="6096000" cy="3429000"/>
+          </a:xfrm>
+          <a:custGeom>
+            <a:rect b="b" l="l" r="r" t="t"/>
+            <a:pathLst>
+              <a:path extrusionOk="0" h="120000" w="120000">
+                <a:moveTo>
+                  <a:pt x="0" y="0"/>
+                </a:moveTo>
+                <a:lnTo>
+                  <a:pt x="120000" y="0"/>
+                </a:lnTo>
+                <a:lnTo>
+                  <a:pt x="120000" y="120000"/>
+                </a:lnTo>
+                <a:lnTo>
+                  <a:pt x="0" y="120000"/>
+                </a:lnTo>
+                <a:close/>
+              </a:path>
+            </a:pathLst>
+          </a:custGeom>
+        </p:spPr>
+      </p:sp>
+      <p:sp>
+        <p:nvSpPr>
+          <p:cNvPr id="89" name="Google Shape;89;g2845e35dbd3_0_213:notes"/>
+          <p:cNvSpPr txBox="1"/>
+          <p:nvPr>
+            <p:ph idx="1" type="body"/>
+          </p:nvPr>
+        </p:nvSpPr>
+        <p:spPr>
+          <a:xfrm>
+            <a:off x="685800" y="4343400"/>
+            <a:ext cx="5486400" cy="4114800"/>
+          </a:xfrm>
+          <a:prstGeom prst="rect">
+            <a:avLst/>
+          </a:prstGeom>
+        </p:spPr>
+        <p:txBody>
+          <a:bodyPr anchorCtr="0" anchor="t" bIns="91425" lIns="91425" spcFirstLastPara="1" rIns="91425" wrap="square" tIns="91425">
+            <a:noAutofit/>
+          </a:bodyPr>
+          <a:lstStyle/>
+          <a:p>
+            <a:pPr indent="0" lvl="0" marL="0" rtl="0" algn="l">
+              <a:spcBef>
+                <a:spcPts val="0"/>
+              </a:spcBef>
+              <a:spcAft>
+                <a:spcPts val="0"/>
+              </a:spcAft>
+              <a:buNone/>
+            </a:pPr>
+            <a:r>
+              <a:t/>
+            </a:r>
+            <a:endParaRPr/>
+          </a:p>
+        </p:txBody>
+      </p:sp>
+    </p:spTree>
+  </p:cSld>
+  <p:clrMapOvr>
+    <a:masterClrMapping/>
+  </p:clrMapOvr>
+</p:notes>
+</file>
+
+<file path=ppt/notesSlides/notesSlide7.xml><?xml version="1.0" encoding="utf-8"?>
+<p:notes xmlns:a="http://schemas.openxmlformats.org/drawingml/2006/main" xmlns:r="http://schemas.openxmlformats.org/officeDocument/2006/relationships" xmlns:mc="http://schemas.openxmlformats.org/markup-compatibility/2006" xmlns:mv="urn:schemas-microsoft-com:mac:vml" xmlns:p="http://schemas.openxmlformats.org/presentationml/2006/main" xmlns:c="http://schemas.openxmlformats.org/drawingml/2006/chart" xmlns:dgm="http://schemas.openxmlformats.org/drawingml/2006/diagram" xmlns:o="urn:schemas-microsoft-com:office:office" xmlns:v="urn:schemas-microsoft-com:vml" xmlns:pvml="urn:schemas-microsoft-com:office:powerpoint" xmlns:com="http://schemas.openxmlformats.org/drawingml/2006/compatibility" xmlns:p14="http://schemas.microsoft.com/office/powerpoint/2010/main" xmlns:p15="http://schemas.microsoft.com/office/powerpoint/2012/main" xmlns:ahyp="http://schemas.microsoft.com/office/drawing/2018/hyperlinkcolor" showMasterPhAnim="0" showMasterSp="0">
+  <p:cSld>
+    <p:spTree>
+      <p:nvGrpSpPr>
+        <p:cNvPr id="93" name="Shape 93"/>
+        <p:cNvGrpSpPr/>
+        <p:nvPr/>
+      </p:nvGrpSpPr>
+      <p:grpSpPr>
+        <a:xfrm>
+          <a:off x="0" y="0"/>
+          <a:ext cx="0" cy="0"/>
+          <a:chOff x="0" y="0"/>
+          <a:chExt cx="0" cy="0"/>
+        </a:xfrm>
+      </p:grpSpPr>
+      <p:sp>
+        <p:nvSpPr>
+          <p:cNvPr id="94" name="Google Shape;94;g2845e35dbd3_0_195:notes"/>
+          <p:cNvSpPr/>
+          <p:nvPr>
+            <p:ph idx="2" type="sldImg"/>
+          </p:nvPr>
+        </p:nvSpPr>
+        <p:spPr>
+          <a:xfrm>
+            <a:off x="381300" y="685800"/>
+            <a:ext cx="6096000" cy="3429000"/>
+          </a:xfrm>
+          <a:custGeom>
+            <a:rect b="b" l="l" r="r" t="t"/>
+            <a:pathLst>
+              <a:path extrusionOk="0" h="120000" w="120000">
+                <a:moveTo>
+                  <a:pt x="0" y="0"/>
+                </a:moveTo>
+                <a:lnTo>
+                  <a:pt x="120000" y="0"/>
+                </a:lnTo>
+                <a:lnTo>
+                  <a:pt x="120000" y="120000"/>
+                </a:lnTo>
+                <a:lnTo>
+                  <a:pt x="0" y="120000"/>
+                </a:lnTo>
+                <a:close/>
+              </a:path>
+            </a:pathLst>
+          </a:custGeom>
+        </p:spPr>
+      </p:sp>
+      <p:sp>
+        <p:nvSpPr>
+          <p:cNvPr id="95" name="Google Shape;95;g2845e35dbd3_0_195:notes"/>
+          <p:cNvSpPr txBox="1"/>
+          <p:nvPr>
+            <p:ph idx="1" type="body"/>
+          </p:nvPr>
+        </p:nvSpPr>
+        <p:spPr>
+          <a:xfrm>
+            <a:off x="685800" y="4343400"/>
+            <a:ext cx="5486400" cy="4114800"/>
+          </a:xfrm>
+          <a:prstGeom prst="rect">
+            <a:avLst/>
+          </a:prstGeom>
+        </p:spPr>
+        <p:txBody>
+          <a:bodyPr anchorCtr="0" anchor="t" bIns="91425" lIns="91425" spcFirstLastPara="1" rIns="91425" wrap="square" tIns="91425">
+            <a:noAutofit/>
+          </a:bodyPr>
+          <a:lstStyle/>
+          <a:p>
+            <a:pPr indent="0" lvl="0" marL="0" rtl="0" algn="l">
+              <a:spcBef>
+                <a:spcPts val="0"/>
+              </a:spcBef>
+              <a:spcAft>
+                <a:spcPts val="0"/>
+              </a:spcAft>
+              <a:buNone/>
+            </a:pPr>
+            <a:r>
+              <a:t/>
+            </a:r>
+            <a:endParaRPr/>
+          </a:p>
+        </p:txBody>
+      </p:sp>
+    </p:spTree>
+  </p:cSld>
+  <p:clrMapOvr>
+    <a:masterClrMapping/>
+  </p:clrMapOvr>
+</p:notes>
+</file>
+
+<file path=ppt/notesSlides/notesSlide8.xml><?xml version="1.0" encoding="utf-8"?>
+<p:notes xmlns:a="http://schemas.openxmlformats.org/drawingml/2006/main" xmlns:r="http://schemas.openxmlformats.org/officeDocument/2006/relationships" xmlns:mc="http://schemas.openxmlformats.org/markup-compatibility/2006" xmlns:mv="urn:schemas-microsoft-com:mac:vml" xmlns:p="http://schemas.openxmlformats.org/presentationml/2006/main" xmlns:c="http://schemas.openxmlformats.org/drawingml/2006/chart" xmlns:dgm="http://schemas.openxmlformats.org/drawingml/2006/diagram" xmlns:o="urn:schemas-microsoft-com:office:office" xmlns:v="urn:schemas-microsoft-com:vml" xmlns:pvml="urn:schemas-microsoft-com:office:powerpoint" xmlns:com="http://schemas.openxmlformats.org/drawingml/2006/compatibility" xmlns:p14="http://schemas.microsoft.com/office/powerpoint/2010/main" xmlns:p15="http://schemas.microsoft.com/office/powerpoint/2012/main" xmlns:ahyp="http://schemas.microsoft.com/office/drawing/2018/hyperlinkcolor" showMasterPhAnim="0" showMasterSp="0">
+  <p:cSld>
+    <p:spTree>
+      <p:nvGrpSpPr>
+        <p:cNvPr id="101" name="Shape 101"/>
+        <p:cNvGrpSpPr/>
+        <p:nvPr/>
+      </p:nvGrpSpPr>
+      <p:grpSpPr>
+        <a:xfrm>
+          <a:off x="0" y="0"/>
+          <a:ext cx="0" cy="0"/>
+          <a:chOff x="0" y="0"/>
+          <a:chExt cx="0" cy="0"/>
+        </a:xfrm>
+      </p:grpSpPr>
+      <p:sp>
+        <p:nvSpPr>
+          <p:cNvPr id="102" name="Google Shape;102;g2845e35dbd3_0_219:notes"/>
+          <p:cNvSpPr/>
+          <p:nvPr>
+            <p:ph idx="2" type="sldImg"/>
+          </p:nvPr>
+        </p:nvSpPr>
+        <p:spPr>
+          <a:xfrm>
+            <a:off x="381300" y="685800"/>
+            <a:ext cx="6096000" cy="3429000"/>
+          </a:xfrm>
+          <a:custGeom>
+            <a:rect b="b" l="l" r="r" t="t"/>
+            <a:pathLst>
+              <a:path extrusionOk="0" h="120000" w="120000">
+                <a:moveTo>
+                  <a:pt x="0" y="0"/>
+                </a:moveTo>
+                <a:lnTo>
+                  <a:pt x="120000" y="0"/>
+                </a:lnTo>
+                <a:lnTo>
+                  <a:pt x="120000" y="120000"/>
+                </a:lnTo>
+                <a:lnTo>
+                  <a:pt x="0" y="120000"/>
+                </a:lnTo>
+                <a:close/>
+              </a:path>
+            </a:pathLst>
+          </a:custGeom>
+        </p:spPr>
+      </p:sp>
+      <p:sp>
+        <p:nvSpPr>
+          <p:cNvPr id="103" name="Google Shape;103;g2845e35dbd3_0_219:notes"/>
+          <p:cNvSpPr txBox="1"/>
+          <p:nvPr>
+            <p:ph idx="1" type="body"/>
+          </p:nvPr>
+        </p:nvSpPr>
+        <p:spPr>
+          <a:xfrm>
+            <a:off x="685800" y="4343400"/>
+            <a:ext cx="5486400" cy="4114800"/>
+          </a:xfrm>
+          <a:prstGeom prst="rect">
+            <a:avLst/>
+          </a:prstGeom>
+        </p:spPr>
+        <p:txBody>
+          <a:bodyPr anchorCtr="0" anchor="t" bIns="91425" lIns="91425" spcFirstLastPara="1" rIns="91425" wrap="square" tIns="91425">
+            <a:noAutofit/>
+          </a:bodyPr>
+          <a:lstStyle/>
+          <a:p>
+            <a:pPr indent="0" lvl="0" marL="0" rtl="0" algn="l">
+              <a:spcBef>
+                <a:spcPts val="0"/>
+              </a:spcBef>
+              <a:spcAft>
+                <a:spcPts val="0"/>
+              </a:spcAft>
+              <a:buNone/>
+            </a:pPr>
+            <a:r>
+              <a:t/>
+            </a:r>
+            <a:endParaRPr/>
+          </a:p>
+        </p:txBody>
+      </p:sp>
+    </p:spTree>
+  </p:cSld>
+  <p:clrMapOvr>
+    <a:masterClrMapping/>
+  </p:clrMapOvr>
+</p:notes>
+</file>
+
+<file path=ppt/notesSlides/notesSlide9.xml><?xml version="1.0" encoding="utf-8"?>
+<p:notes xmlns:a="http://schemas.openxmlformats.org/drawingml/2006/main" xmlns:r="http://schemas.openxmlformats.org/officeDocument/2006/relationships" xmlns:mc="http://schemas.openxmlformats.org/markup-compatibility/2006" xmlns:mv="urn:schemas-microsoft-com:mac:vml" xmlns:p="http://schemas.openxmlformats.org/presentationml/2006/main" xmlns:c="http://schemas.openxmlformats.org/drawingml/2006/chart" xmlns:dgm="http://schemas.openxmlformats.org/drawingml/2006/diagram" xmlns:o="urn:schemas-microsoft-com:office:office" xmlns:v="urn:schemas-microsoft-com:vml" xmlns:pvml="urn:schemas-microsoft-com:office:powerpoint" xmlns:com="http://schemas.openxmlformats.org/drawingml/2006/compatibility" xmlns:p14="http://schemas.microsoft.com/office/powerpoint/2010/main" xmlns:p15="http://schemas.microsoft.com/office/powerpoint/2012/main" xmlns:ahyp="http://schemas.microsoft.com/office/drawing/2018/hyperlinkcolor" showMasterPhAnim="0" showMasterSp="0">
+  <p:cSld>
+    <p:spTree>
+      <p:nvGrpSpPr>
+        <p:cNvPr id="108" name="Shape 108"/>
+        <p:cNvGrpSpPr/>
+        <p:nvPr/>
+      </p:nvGrpSpPr>
+      <p:grpSpPr>
+        <a:xfrm>
+          <a:off x="0" y="0"/>
+          <a:ext cx="0" cy="0"/>
+          <a:chOff x="0" y="0"/>
+          <a:chExt cx="0" cy="0"/>
+        </a:xfrm>
+      </p:grpSpPr>
+      <p:sp>
+        <p:nvSpPr>
           <p:cNvPr id="109" name="Google Shape;109;g2845e35dbd3_0_227:notes"/>
+          <p:cNvSpPr/>
+          <p:nvPr>
+            <p:ph idx="2" type="sldImg"/>
+          </p:nvPr>
+        </p:nvSpPr>
+        <p:spPr>
+          <a:xfrm>
+            <a:off x="381300" y="685800"/>
+            <a:ext cx="6096000" cy="3429000"/>
+          </a:xfrm>
+          <a:custGeom>
+            <a:rect b="b" l="l" r="r" t="t"/>
+            <a:pathLst>
+              <a:path extrusionOk="0" h="120000" w="120000">
+                <a:moveTo>
+                  <a:pt x="0" y="0"/>
+                </a:moveTo>
+                <a:lnTo>
+                  <a:pt x="120000" y="0"/>
+                </a:lnTo>
+                <a:lnTo>
+                  <a:pt x="120000" y="120000"/>
+                </a:lnTo>
+                <a:lnTo>
+                  <a:pt x="0" y="120000"/>
+                </a:lnTo>
+                <a:close/>
+              </a:path>
+            </a:pathLst>
+          </a:custGeom>
+        </p:spPr>
+      </p:sp>
+      <p:sp>
+        <p:nvSpPr>
+          <p:cNvPr id="110" name="Google Shape;110;g2845e35dbd3_0_227:notes"/>
           <p:cNvSpPr txBox="1"/>
           <p:nvPr>
             <p:ph idx="1" type="body"/>
@@ -6579,8 +7179,8 @@
         </p:blipFill>
         <p:spPr>
           <a:xfrm>
-            <a:off x="701350" y="1832175"/>
-            <a:ext cx="7169125" cy="2100100"/>
+            <a:off x="768025" y="2139776"/>
+            <a:ext cx="7169125" cy="2241725"/>
           </a:xfrm>
           <a:prstGeom prst="rect">
             <a:avLst/>
@@ -6601,7 +7201,7 @@
         </p:nvSpPr>
         <p:spPr>
           <a:xfrm>
-            <a:off x="2257425" y="1432413"/>
+            <a:off x="2335275" y="1546713"/>
             <a:ext cx="4378200" cy="662700"/>
           </a:xfrm>
           <a:prstGeom prst="rect">
@@ -6610,7 +7210,7 @@
         </p:spPr>
         <p:txBody>
           <a:bodyPr anchorCtr="0" anchor="t" bIns="91425" lIns="91425" spcFirstLastPara="1" rIns="91425" wrap="square" tIns="91425">
-            <a:normAutofit lnSpcReduction="10000"/>
+            <a:normAutofit fontScale="85000" lnSpcReduction="20000"/>
           </a:bodyPr>
           <a:lstStyle/>
           <a:p>
@@ -6624,14 +7224,14 @@
               <a:spcAft>
                 <a:spcPts val="0"/>
               </a:spcAft>
-              <a:buSzPts val="935"/>
-              <a:buNone/>
-            </a:pPr>
-            <a:r>
-              <a:rPr lang="es" sz="2080"/>
+              <a:buSzPct val="51944"/>
+              <a:buNone/>
+            </a:pPr>
+            <a:r>
+              <a:rPr lang="es" sz="1800"/>
               <a:t>Proyecto Final: Data Science</a:t>
             </a:r>
-            <a:endParaRPr sz="2080"/>
+            <a:endParaRPr sz="1800"/>
           </a:p>
           <a:p>
             <a:pPr indent="0" lvl="0" marL="0" rtl="0" algn="ctr">
@@ -6644,7 +7244,26 @@
               <a:spcAft>
                 <a:spcPts val="0"/>
               </a:spcAft>
-              <a:buSzPts val="935"/>
+              <a:buSzPct val="51944"/>
+              <a:buNone/>
+            </a:pPr>
+            <a:r>
+              <a:t/>
+            </a:r>
+            <a:endParaRPr sz="1800"/>
+          </a:p>
+          <a:p>
+            <a:pPr indent="0" lvl="0" marL="0" rtl="0" algn="ctr">
+              <a:lnSpc>
+                <a:spcPct val="80000"/>
+              </a:lnSpc>
+              <a:spcBef>
+                <a:spcPts val="0"/>
+              </a:spcBef>
+              <a:spcAft>
+                <a:spcPts val="0"/>
+              </a:spcAft>
+              <a:buSzPct val="44951"/>
               <a:buNone/>
             </a:pPr>
             <a:r>
@@ -6673,8 +7292,8 @@
         </p:nvSpPr>
         <p:spPr>
           <a:xfrm>
-            <a:off x="2107800" y="4084475"/>
-            <a:ext cx="4928400" cy="449400"/>
+            <a:off x="2060175" y="4427375"/>
+            <a:ext cx="4928400" cy="325500"/>
           </a:xfrm>
           <a:prstGeom prst="rect">
             <a:avLst/>
@@ -6682,7 +7301,7 @@
         </p:spPr>
         <p:txBody>
           <a:bodyPr anchorCtr="0" anchor="t" bIns="91425" lIns="91425" spcFirstLastPara="1" rIns="91425" wrap="square" tIns="91425">
-            <a:normAutofit/>
+            <a:normAutofit lnSpcReduction="20000"/>
           </a:bodyPr>
           <a:lstStyle/>
           <a:p>
@@ -6700,7 +7319,7 @@
               <a:buNone/>
             </a:pPr>
             <a:r>
-              <a:rPr b="1" lang="es" sz="1879">
+              <a:rPr b="1" lang="es" sz="1400">
                 <a:solidFill>
                   <a:schemeClr val="dk1"/>
                 </a:solidFill>
@@ -6710,7 +7329,65 @@
               </a:rPr>
               <a:t>Alumna: Kerlismar Sarays Guarguana</a:t>
             </a:r>
-            <a:endParaRPr b="1" sz="1580">
+            <a:endParaRPr b="1" sz="1400">
+              <a:solidFill>
+                <a:schemeClr val="dk1"/>
+              </a:solidFill>
+              <a:highlight>
+                <a:srgbClr val="000000"/>
+              </a:highlight>
+            </a:endParaRPr>
+          </a:p>
+        </p:txBody>
+      </p:sp>
+      <p:sp>
+        <p:nvSpPr>
+          <p:cNvPr id="58" name="Google Shape;58;p13"/>
+          <p:cNvSpPr txBox="1"/>
+          <p:nvPr>
+            <p:ph idx="1" type="subTitle"/>
+          </p:nvPr>
+        </p:nvSpPr>
+        <p:spPr>
+          <a:xfrm>
+            <a:off x="7812400" y="4817900"/>
+            <a:ext cx="1257300" cy="278100"/>
+          </a:xfrm>
+          <a:prstGeom prst="rect">
+            <a:avLst/>
+          </a:prstGeom>
+        </p:spPr>
+        <p:txBody>
+          <a:bodyPr anchorCtr="0" anchor="t" bIns="91425" lIns="91425" spcFirstLastPara="1" rIns="91425" wrap="square" tIns="91425">
+            <a:normAutofit fontScale="92500" lnSpcReduction="20000"/>
+          </a:bodyPr>
+          <a:lstStyle/>
+          <a:p>
+            <a:pPr indent="0" lvl="0" marL="0" rtl="0" algn="ctr">
+              <a:lnSpc>
+                <a:spcPct val="80000"/>
+              </a:lnSpc>
+              <a:spcBef>
+                <a:spcPts val="0"/>
+              </a:spcBef>
+              <a:spcAft>
+                <a:spcPts val="0"/>
+              </a:spcAft>
+              <a:buSzPct val="86574"/>
+              <a:buNone/>
+            </a:pPr>
+            <a:r>
+              <a:rPr b="1" lang="es" sz="1080">
+                <a:solidFill>
+                  <a:schemeClr val="dk1"/>
+                </a:solidFill>
+                <a:highlight>
+                  <a:srgbClr val="000000"/>
+                </a:highlight>
+              </a:rPr>
+              <a:t>Septiembre 2023</a:t>
+            </a:r>
+            <a:endParaRPr b="1" sz="780">
               <a:solidFill>
                 <a:schemeClr val="dk1"/>
               </a:solidFill>
@@ -6741,7 +7418,7 @@
     </p:bg>
     <p:spTree>
       <p:nvGrpSpPr>
-        <p:cNvPr id="117" name="Shape 117"/>
+        <p:cNvPr id="118" name="Shape 118"/>
         <p:cNvGrpSpPr/>
         <p:nvPr/>
       </p:nvGrpSpPr>
@@ -6755,7 +7432,7 @@
       </p:grpSpPr>
       <p:sp>
         <p:nvSpPr>
-          <p:cNvPr id="118" name="Google Shape;118;p22"/>
+          <p:cNvPr id="119" name="Google Shape;119;p22"/>
           <p:cNvSpPr txBox="1"/>
           <p:nvPr>
             <p:ph idx="1" type="body"/>
@@ -6838,7 +7515,7 @@
       </p:sp>
       <p:pic>
         <p:nvPicPr>
-          <p:cNvPr id="119" name="Google Shape;119;p22"/>
+          <p:cNvPr id="120" name="Google Shape;120;p22"/>
           <p:cNvPicPr preferRelativeResize="0"/>
           <p:nvPr/>
         </p:nvPicPr>
@@ -6884,7 +7561,7 @@
     </p:bg>
     <p:spTree>
       <p:nvGrpSpPr>
-        <p:cNvPr id="123" name="Shape 123"/>
+        <p:cNvPr id="124" name="Shape 124"/>
         <p:cNvGrpSpPr/>
         <p:nvPr/>
       </p:nvGrpSpPr>
@@ -6898,7 +7575,7 @@
       </p:grpSpPr>
       <p:pic>
         <p:nvPicPr>
-          <p:cNvPr id="124" name="Google Shape;124;p23"/>
+          <p:cNvPr id="125" name="Google Shape;125;p23"/>
           <p:cNvPicPr preferRelativeResize="0"/>
           <p:nvPr/>
         </p:nvPicPr>
@@ -6912,8 +7589,8 @@
         </p:blipFill>
         <p:spPr>
           <a:xfrm>
-            <a:off x="5843550" y="1395425"/>
-            <a:ext cx="3352799" cy="3139425"/>
+            <a:off x="5824500" y="2189825"/>
+            <a:ext cx="3262350" cy="3287050"/>
           </a:xfrm>
           <a:prstGeom prst="rect">
             <a:avLst/>
@@ -6926,7 +7603,7 @@
       </p:pic>
       <p:sp>
         <p:nvSpPr>
-          <p:cNvPr id="125" name="Google Shape;125;p23"/>
+          <p:cNvPr id="126" name="Google Shape;126;p23"/>
           <p:cNvSpPr txBox="1"/>
           <p:nvPr>
             <p:ph idx="1" type="body"/>
@@ -6934,8 +7611,8 @@
         </p:nvSpPr>
         <p:spPr>
           <a:xfrm>
-            <a:off x="328650" y="524325"/>
-            <a:ext cx="8486700" cy="784500"/>
+            <a:off x="328650" y="733875"/>
+            <a:ext cx="8486700" cy="1332000"/>
           </a:xfrm>
           <a:prstGeom prst="rect">
             <a:avLst/>
@@ -6943,7 +7620,7 @@
         </p:spPr>
         <p:txBody>
           <a:bodyPr anchorCtr="0" anchor="t" bIns="91425" lIns="91425" spcFirstLastPara="1" rIns="91425" wrap="square" tIns="91425">
-            <a:normAutofit fontScale="77500" lnSpcReduction="20000"/>
+            <a:normAutofit fontScale="25000" lnSpcReduction="20000"/>
           </a:bodyPr>
           <a:lstStyle/>
           <a:p>
@@ -6957,12 +7634,103 @@
               <a:buNone/>
             </a:pPr>
             <a:r>
-              <a:rPr lang="es" sz="2500">
+              <a:rPr lang="es" sz="5700">
                 <a:solidFill>
                   <a:schemeClr val="lt1"/>
                 </a:solidFill>
               </a:rPr>
-              <a:t>Aparte de los diagramas de barra, realiozamo</a:t>
+              <a:t>Aparte de los diagramas de barra, se realizó una serie de pie charts donde se </a:t>
+            </a:r>
+            <a:r>
+              <a:rPr lang="es" sz="5700">
+                <a:solidFill>
+                  <a:schemeClr val="lt1"/>
+                </a:solidFill>
+              </a:rPr>
+              <a:t>analiza</a:t>
+            </a:r>
+            <a:r>
+              <a:rPr lang="es" sz="5700">
+                <a:solidFill>
+                  <a:schemeClr val="lt1"/>
+                </a:solidFill>
+              </a:rPr>
+              <a:t> la distribución en % de otra </a:t>
+            </a:r>
+            <a:r>
+              <a:rPr lang="es" sz="5700">
+                <a:solidFill>
+                  <a:schemeClr val="lt1"/>
+                </a:solidFill>
+              </a:rPr>
+              <a:t>características</a:t>
+            </a:r>
+            <a:r>
+              <a:rPr lang="es" sz="5700">
+                <a:solidFill>
+                  <a:schemeClr val="lt1"/>
+                </a:solidFill>
+              </a:rPr>
+              <a:t> como: cantidad de anillos, la forma del sombrero y la distribución por olor.</a:t>
+            </a:r>
+            <a:endParaRPr sz="5700">
+              <a:solidFill>
+                <a:schemeClr val="lt1"/>
+              </a:solidFill>
+            </a:endParaRPr>
+          </a:p>
+          <a:p>
+            <a:pPr indent="0" lvl="0" marL="0" rtl="0" algn="just">
+              <a:spcBef>
+                <a:spcPts val="1200"/>
+              </a:spcBef>
+              <a:spcAft>
+                <a:spcPts val="0"/>
+              </a:spcAft>
+              <a:buNone/>
+            </a:pPr>
+            <a:r>
+              <a:rPr lang="es" sz="5700">
+                <a:solidFill>
+                  <a:schemeClr val="lt1"/>
+                </a:solidFill>
+              </a:rPr>
+              <a:t>Dentro de lo que podemos observar rápidamente, podemos concluir que la gran </a:t>
+            </a:r>
+            <a:r>
+              <a:rPr lang="es" sz="5700">
+                <a:solidFill>
+                  <a:schemeClr val="lt1"/>
+                </a:solidFill>
+              </a:rPr>
+              <a:t>mayoría</a:t>
+            </a:r>
+            <a:r>
+              <a:rPr lang="es" sz="5700">
+                <a:solidFill>
+                  <a:schemeClr val="lt1"/>
+                </a:solidFill>
+              </a:rPr>
+              <a:t> tienen un solo anillo, las formas más comunes son convexa y plana finalizando con que un porcentaje alto no poseen olor alguno seguido por otros con olor fétido.</a:t>
+            </a:r>
+            <a:endParaRPr sz="5700">
+              <a:solidFill>
+                <a:schemeClr val="lt1"/>
+              </a:solidFill>
+            </a:endParaRPr>
+          </a:p>
+          <a:p>
+            <a:pPr indent="0" lvl="0" marL="0" rtl="0" algn="just">
+              <a:spcBef>
+                <a:spcPts val="1200"/>
+              </a:spcBef>
+              <a:spcAft>
+                <a:spcPts val="0"/>
+              </a:spcAft>
+              <a:buNone/>
+            </a:pPr>
+            <a:r>
+              <a:t/>
             </a:r>
             <a:endParaRPr sz="2500">
               <a:solidFill>
@@ -6993,14 +7761,14 @@
       </p:sp>
       <p:sp>
         <p:nvSpPr>
-          <p:cNvPr id="126" name="Google Shape;126;p23"/>
+          <p:cNvPr id="127" name="Google Shape;127;p23"/>
           <p:cNvSpPr txBox="1"/>
           <p:nvPr/>
         </p:nvSpPr>
         <p:spPr>
           <a:xfrm>
-            <a:off x="355375" y="190800"/>
-            <a:ext cx="3990000" cy="400200"/>
+            <a:off x="328650" y="276525"/>
+            <a:ext cx="1549800" cy="400200"/>
           </a:xfrm>
           <a:prstGeom prst="rect">
             <a:avLst/>
@@ -7039,7 +7807,7 @@
                   <a:schemeClr val="accent1"/>
                 </a:solidFill>
               </a:rPr>
-              <a:t>.- Pie charts</a:t>
+              <a:t>.- Pie Charts</a:t>
             </a:r>
             <a:endParaRPr b="1">
               <a:solidFill>
@@ -7051,7 +7819,7 @@
       </p:sp>
       <p:pic>
         <p:nvPicPr>
-          <p:cNvPr id="127" name="Google Shape;127;p23"/>
+          <p:cNvPr id="128" name="Google Shape;128;p23"/>
           <p:cNvPicPr preferRelativeResize="0"/>
           <p:nvPr/>
         </p:nvPicPr>
@@ -7065,7 +7833,7 @@
         </p:blipFill>
         <p:spPr>
           <a:xfrm>
-            <a:off x="2643500" y="1395425"/>
+            <a:off x="2566950" y="2206013"/>
             <a:ext cx="3352800" cy="3254674"/>
           </a:xfrm>
           <a:prstGeom prst="rect">
@@ -7079,7 +7847,7 @@
       </p:pic>
       <p:pic>
         <p:nvPicPr>
-          <p:cNvPr id="128" name="Google Shape;128;p23"/>
+          <p:cNvPr id="129" name="Google Shape;129;p23"/>
           <p:cNvPicPr preferRelativeResize="0"/>
           <p:nvPr/>
         </p:nvPicPr>
@@ -7093,7 +7861,7 @@
         </p:blipFill>
         <p:spPr>
           <a:xfrm>
-            <a:off x="-69850" y="1395425"/>
+            <a:off x="-203200" y="2189825"/>
             <a:ext cx="2879099" cy="3287050"/>
           </a:xfrm>
           <a:prstGeom prst="rect">
@@ -7144,7 +7912,7 @@
                                           </p:stCondLst>
                                         </p:cTn>
                                         <p:tgtEl>
-                                          <p:spTgt spid="124"/>
+                                          <p:spTgt spid="125"/>
                                         </p:tgtEl>
                                         <p:attrNameLst>
                                           <p:attrName>style.visibility</p:attrName>
@@ -7188,7 +7956,7 @@
 </p:sld>
 </file>
 
-<file path=ppt/slides/slide2.xml><?xml version="1.0" encoding="utf-8"?>
+<file path=ppt/slides/slide12.xml><?xml version="1.0" encoding="utf-8"?>
 <p:sld xmlns:a="http://schemas.openxmlformats.org/drawingml/2006/main" xmlns:r="http://schemas.openxmlformats.org/officeDocument/2006/relationships" xmlns:mc="http://schemas.openxmlformats.org/markup-compatibility/2006" xmlns:mv="urn:schemas-microsoft-com:mac:vml" xmlns:p="http://schemas.openxmlformats.org/presentationml/2006/main" xmlns:c="http://schemas.openxmlformats.org/drawingml/2006/chart" xmlns:dgm="http://schemas.openxmlformats.org/drawingml/2006/diagram" xmlns:o="urn:schemas-microsoft-com:office:office" xmlns:v="urn:schemas-microsoft-com:vml" xmlns:pvml="urn:schemas-microsoft-com:office:powerpoint" xmlns:com="http://schemas.openxmlformats.org/drawingml/2006/compatibility" xmlns:p14="http://schemas.microsoft.com/office/powerpoint/2010/main" xmlns:p15="http://schemas.microsoft.com/office/powerpoint/2012/main" xmlns:ahyp="http://schemas.microsoft.com/office/drawing/2018/hyperlinkcolor">
   <p:cSld>
     <p:bg>
@@ -7200,7 +7968,7 @@
     </p:bg>
     <p:spTree>
       <p:nvGrpSpPr>
-        <p:cNvPr id="61" name="Shape 61"/>
+        <p:cNvPr id="133" name="Shape 133"/>
         <p:cNvGrpSpPr/>
         <p:nvPr/>
       </p:nvGrpSpPr>
@@ -7214,7 +7982,3014 @@
       </p:grpSpPr>
       <p:sp>
         <p:nvSpPr>
-          <p:cNvPr id="62" name="Google Shape;62;p14"/>
+          <p:cNvPr id="134" name="Google Shape;134;p24"/>
+          <p:cNvSpPr txBox="1"/>
+          <p:nvPr>
+            <p:ph idx="1" type="body"/>
+          </p:nvPr>
+        </p:nvSpPr>
+        <p:spPr>
+          <a:xfrm>
+            <a:off x="328650" y="733875"/>
+            <a:ext cx="8486700" cy="4190700"/>
+          </a:xfrm>
+          <a:prstGeom prst="rect">
+            <a:avLst/>
+          </a:prstGeom>
+        </p:spPr>
+        <p:txBody>
+          <a:bodyPr anchorCtr="0" anchor="t" bIns="91425" lIns="91425" spcFirstLastPara="1" rIns="91425" wrap="square" tIns="91425">
+            <a:normAutofit fontScale="25000" lnSpcReduction="20000"/>
+          </a:bodyPr>
+          <a:lstStyle/>
+          <a:p>
+            <a:pPr indent="0" lvl="0" marL="0" rtl="0" algn="just">
+              <a:spcBef>
+                <a:spcPts val="0"/>
+              </a:spcBef>
+              <a:spcAft>
+                <a:spcPts val="0"/>
+              </a:spcAft>
+              <a:buNone/>
+            </a:pPr>
+            <a:r>
+              <a:rPr lang="es" sz="5700">
+                <a:solidFill>
+                  <a:schemeClr val="lt1"/>
+                </a:solidFill>
+              </a:rPr>
+              <a:t>Para poder entrenar nuestro modelo, al tener variables de tipo categóricas, es necesario aplicar un método que las transforme en números, en este caso aplicaremos el método get_dummies() lo cual las transformará en 0 y 1.</a:t>
+            </a:r>
+            <a:endParaRPr sz="5700">
+              <a:solidFill>
+                <a:schemeClr val="lt1"/>
+              </a:solidFill>
+            </a:endParaRPr>
+          </a:p>
+          <a:p>
+            <a:pPr indent="0" lvl="0" marL="0" rtl="0" algn="just">
+              <a:spcBef>
+                <a:spcPts val="1200"/>
+              </a:spcBef>
+              <a:spcAft>
+                <a:spcPts val="0"/>
+              </a:spcAft>
+              <a:buNone/>
+            </a:pPr>
+            <a:r>
+              <a:rPr lang="es" sz="5700">
+                <a:solidFill>
+                  <a:schemeClr val="lt1"/>
+                </a:solidFill>
+              </a:rPr>
+              <a:t>Luego de transformar nuestros datos categóricos a númericos, separamos la columna target que nos servirá como base para parte de nuestro entrenamiento, en este caso la columna  ‘class’ la cual identifica si es o no comestible un hongo. Luego procedemos a dividir nuestro dataset en 2 (training y test data) los cuales usaremos para aplicar en los distintos modelos a implementar con distintos porcentajes de prueba.</a:t>
+            </a:r>
+            <a:endParaRPr sz="5700">
+              <a:solidFill>
+                <a:schemeClr val="lt1"/>
+              </a:solidFill>
+            </a:endParaRPr>
+          </a:p>
+          <a:p>
+            <a:pPr indent="0" lvl="0" marL="0" rtl="0" algn="just">
+              <a:spcBef>
+                <a:spcPts val="1200"/>
+              </a:spcBef>
+              <a:spcAft>
+                <a:spcPts val="0"/>
+              </a:spcAft>
+              <a:buNone/>
+            </a:pPr>
+            <a:r>
+              <a:rPr b="1" lang="es" sz="5700">
+                <a:solidFill>
+                  <a:schemeClr val="lt1"/>
+                </a:solidFill>
+              </a:rPr>
+              <a:t>modelos a implementar:</a:t>
+            </a:r>
+            <a:endParaRPr b="1" sz="5700">
+              <a:solidFill>
+                <a:schemeClr val="lt1"/>
+              </a:solidFill>
+            </a:endParaRPr>
+          </a:p>
+          <a:p>
+            <a:pPr indent="457200" lvl="0" marL="0" rtl="0" algn="just">
+              <a:spcBef>
+                <a:spcPts val="1200"/>
+              </a:spcBef>
+              <a:spcAft>
+                <a:spcPts val="0"/>
+              </a:spcAft>
+              <a:buNone/>
+            </a:pPr>
+            <a:r>
+              <a:rPr lang="es" sz="5700">
+                <a:solidFill>
+                  <a:schemeClr val="lt1"/>
+                </a:solidFill>
+              </a:rPr>
+              <a:t>Linear Regression:</a:t>
+            </a:r>
+            <a:endParaRPr sz="5700">
+              <a:solidFill>
+                <a:schemeClr val="lt1"/>
+              </a:solidFill>
+            </a:endParaRPr>
+          </a:p>
+          <a:p>
+            <a:pPr indent="457200" lvl="0" marL="0" rtl="0" algn="just">
+              <a:spcBef>
+                <a:spcPts val="1200"/>
+              </a:spcBef>
+              <a:spcAft>
+                <a:spcPts val="0"/>
+              </a:spcAft>
+              <a:buNone/>
+            </a:pPr>
+            <a:r>
+              <a:rPr lang="es" sz="5700">
+                <a:solidFill>
+                  <a:schemeClr val="lt1"/>
+                </a:solidFill>
+              </a:rPr>
+              <a:t>Random Forest:</a:t>
+            </a:r>
+            <a:endParaRPr sz="5700">
+              <a:solidFill>
+                <a:schemeClr val="lt1"/>
+              </a:solidFill>
+            </a:endParaRPr>
+          </a:p>
+          <a:p>
+            <a:pPr indent="457200" lvl="0" marL="0" rtl="0" algn="just">
+              <a:spcBef>
+                <a:spcPts val="1200"/>
+              </a:spcBef>
+              <a:spcAft>
+                <a:spcPts val="0"/>
+              </a:spcAft>
+              <a:buNone/>
+            </a:pPr>
+            <a:r>
+              <a:rPr lang="es" sz="5700">
+                <a:solidFill>
+                  <a:schemeClr val="lt1"/>
+                </a:solidFill>
+              </a:rPr>
+              <a:t>Decision Tree:</a:t>
+            </a:r>
+            <a:endParaRPr sz="5700">
+              <a:solidFill>
+                <a:schemeClr val="lt1"/>
+              </a:solidFill>
+            </a:endParaRPr>
+          </a:p>
+          <a:p>
+            <a:pPr indent="457200" lvl="0" marL="0" rtl="0" algn="just">
+              <a:spcBef>
+                <a:spcPts val="1200"/>
+              </a:spcBef>
+              <a:spcAft>
+                <a:spcPts val="0"/>
+              </a:spcAft>
+              <a:buNone/>
+            </a:pPr>
+            <a:r>
+              <a:rPr lang="es" sz="5700">
+                <a:solidFill>
+                  <a:schemeClr val="lt1"/>
+                </a:solidFill>
+              </a:rPr>
+              <a:t>Logistic Classifier:</a:t>
+            </a:r>
+            <a:endParaRPr sz="5700">
+              <a:solidFill>
+                <a:schemeClr val="lt1"/>
+              </a:solidFill>
+            </a:endParaRPr>
+          </a:p>
+          <a:p>
+            <a:pPr indent="0" lvl="0" marL="0" rtl="0" algn="just">
+              <a:spcBef>
+                <a:spcPts val="1200"/>
+              </a:spcBef>
+              <a:spcAft>
+                <a:spcPts val="0"/>
+              </a:spcAft>
+              <a:buNone/>
+            </a:pPr>
+            <a:r>
+              <a:t/>
+            </a:r>
+            <a:endParaRPr sz="5700">
+              <a:solidFill>
+                <a:schemeClr val="lt1"/>
+              </a:solidFill>
+            </a:endParaRPr>
+          </a:p>
+          <a:p>
+            <a:pPr indent="0" lvl="0" marL="0" rtl="0" algn="just">
+              <a:spcBef>
+                <a:spcPts val="1200"/>
+              </a:spcBef>
+              <a:spcAft>
+                <a:spcPts val="0"/>
+              </a:spcAft>
+              <a:buNone/>
+            </a:pPr>
+            <a:r>
+              <a:t/>
+            </a:r>
+            <a:endParaRPr sz="5700">
+              <a:solidFill>
+                <a:schemeClr val="lt1"/>
+              </a:solidFill>
+            </a:endParaRPr>
+          </a:p>
+          <a:p>
+            <a:pPr indent="0" lvl="0" marL="0" rtl="0" algn="just">
+              <a:spcBef>
+                <a:spcPts val="1200"/>
+              </a:spcBef>
+              <a:spcAft>
+                <a:spcPts val="0"/>
+              </a:spcAft>
+              <a:buNone/>
+            </a:pPr>
+            <a:r>
+              <a:t/>
+            </a:r>
+            <a:endParaRPr sz="5700">
+              <a:solidFill>
+                <a:schemeClr val="lt1"/>
+              </a:solidFill>
+            </a:endParaRPr>
+          </a:p>
+          <a:p>
+            <a:pPr indent="0" lvl="0" marL="0" rtl="0" algn="just">
+              <a:spcBef>
+                <a:spcPts val="1200"/>
+              </a:spcBef>
+              <a:spcAft>
+                <a:spcPts val="1200"/>
+              </a:spcAft>
+              <a:buNone/>
+            </a:pPr>
+            <a:r>
+              <a:t/>
+            </a:r>
+            <a:endParaRPr sz="1400">
+              <a:solidFill>
+                <a:schemeClr val="lt1"/>
+              </a:solidFill>
+            </a:endParaRPr>
+          </a:p>
+        </p:txBody>
+      </p:sp>
+      <p:sp>
+        <p:nvSpPr>
+          <p:cNvPr id="135" name="Google Shape;135;p24"/>
+          <p:cNvSpPr txBox="1"/>
+          <p:nvPr/>
+        </p:nvSpPr>
+        <p:spPr>
+          <a:xfrm>
+            <a:off x="328650" y="276525"/>
+            <a:ext cx="3292800" cy="400200"/>
+          </a:xfrm>
+          <a:prstGeom prst="rect">
+            <a:avLst/>
+          </a:prstGeom>
+          <a:noFill/>
+          <a:ln>
+            <a:noFill/>
+          </a:ln>
+        </p:spPr>
+        <p:txBody>
+          <a:bodyPr anchorCtr="0" anchor="t" bIns="91425" lIns="91425" spcFirstLastPara="1" rIns="91425" wrap="square" tIns="91425">
+            <a:spAutoFit/>
+          </a:bodyPr>
+          <a:lstStyle/>
+          <a:p>
+            <a:pPr indent="0" lvl="0" marL="0" rtl="0" algn="l">
+              <a:spcBef>
+                <a:spcPts val="0"/>
+              </a:spcBef>
+              <a:spcAft>
+                <a:spcPts val="0"/>
+              </a:spcAft>
+              <a:buNone/>
+            </a:pPr>
+            <a:r>
+              <a:rPr b="1" lang="es">
+                <a:solidFill>
+                  <a:schemeClr val="accent1"/>
+                </a:solidFill>
+              </a:rPr>
+              <a:t>5</a:t>
+            </a:r>
+            <a:r>
+              <a:rPr b="1" lang="es">
+                <a:solidFill>
+                  <a:schemeClr val="accent1"/>
+                </a:solidFill>
+              </a:rPr>
+              <a:t>.- Entrenamiento de Modelo</a:t>
+            </a:r>
+            <a:endParaRPr b="1">
+              <a:solidFill>
+                <a:schemeClr val="accent1"/>
+              </a:solidFill>
+            </a:endParaRPr>
+          </a:p>
+        </p:txBody>
+      </p:sp>
+    </p:spTree>
+  </p:cSld>
+  <p:clrMapOvr>
+    <a:masterClrMapping/>
+  </p:clrMapOvr>
+</p:sld>
+</file>
+
+<file path=ppt/slides/slide13.xml><?xml version="1.0" encoding="utf-8"?>
+<p:sld xmlns:a="http://schemas.openxmlformats.org/drawingml/2006/main" xmlns:r="http://schemas.openxmlformats.org/officeDocument/2006/relationships" xmlns:mc="http://schemas.openxmlformats.org/markup-compatibility/2006" xmlns:mv="urn:schemas-microsoft-com:mac:vml" xmlns:p="http://schemas.openxmlformats.org/presentationml/2006/main" xmlns:c="http://schemas.openxmlformats.org/drawingml/2006/chart" xmlns:dgm="http://schemas.openxmlformats.org/drawingml/2006/diagram" xmlns:o="urn:schemas-microsoft-com:office:office" xmlns:v="urn:schemas-microsoft-com:vml" xmlns:pvml="urn:schemas-microsoft-com:office:powerpoint" xmlns:com="http://schemas.openxmlformats.org/drawingml/2006/compatibility" xmlns:p14="http://schemas.microsoft.com/office/powerpoint/2010/main" xmlns:p15="http://schemas.microsoft.com/office/powerpoint/2012/main" xmlns:ahyp="http://schemas.microsoft.com/office/drawing/2018/hyperlinkcolor">
+  <p:cSld>
+    <p:bg>
+      <p:bgPr>
+        <a:solidFill>
+          <a:schemeClr val="dk1"/>
+        </a:solidFill>
+      </p:bgPr>
+    </p:bg>
+    <p:spTree>
+      <p:nvGrpSpPr>
+        <p:cNvPr id="139" name="Shape 139"/>
+        <p:cNvGrpSpPr/>
+        <p:nvPr/>
+      </p:nvGrpSpPr>
+      <p:grpSpPr>
+        <a:xfrm>
+          <a:off x="0" y="0"/>
+          <a:ext cx="0" cy="0"/>
+          <a:chOff x="0" y="0"/>
+          <a:chExt cx="0" cy="0"/>
+        </a:xfrm>
+      </p:grpSpPr>
+      <p:sp>
+        <p:nvSpPr>
+          <p:cNvPr id="140" name="Google Shape;140;p25"/>
+          <p:cNvSpPr txBox="1"/>
+          <p:nvPr>
+            <p:ph idx="1" type="body"/>
+          </p:nvPr>
+        </p:nvSpPr>
+        <p:spPr>
+          <a:xfrm>
+            <a:off x="328650" y="733875"/>
+            <a:ext cx="8486700" cy="4190700"/>
+          </a:xfrm>
+          <a:prstGeom prst="rect">
+            <a:avLst/>
+          </a:prstGeom>
+        </p:spPr>
+        <p:txBody>
+          <a:bodyPr anchorCtr="0" anchor="t" bIns="91425" lIns="91425" spcFirstLastPara="1" rIns="91425" wrap="square" tIns="91425">
+            <a:normAutofit fontScale="47500" lnSpcReduction="10000"/>
+          </a:bodyPr>
+          <a:lstStyle/>
+          <a:p>
+            <a:pPr indent="0" lvl="0" marL="0" rtl="0" algn="just">
+              <a:spcBef>
+                <a:spcPts val="0"/>
+              </a:spcBef>
+              <a:spcAft>
+                <a:spcPts val="0"/>
+              </a:spcAft>
+              <a:buNone/>
+            </a:pPr>
+            <a:r>
+              <a:rPr lang="es" sz="2963">
+                <a:solidFill>
+                  <a:schemeClr val="lt1"/>
+                </a:solidFill>
+              </a:rPr>
+              <a:t>Linear </a:t>
+            </a:r>
+            <a:r>
+              <a:rPr lang="es" sz="2963">
+                <a:solidFill>
+                  <a:schemeClr val="lt1"/>
+                </a:solidFill>
+              </a:rPr>
+              <a:t>regression</a:t>
+            </a:r>
+            <a:r>
+              <a:rPr lang="es" sz="2963">
+                <a:solidFill>
+                  <a:schemeClr val="lt1"/>
+                </a:solidFill>
+              </a:rPr>
+              <a:t>:</a:t>
+            </a:r>
+            <a:endParaRPr sz="2963">
+              <a:solidFill>
+                <a:schemeClr val="lt1"/>
+              </a:solidFill>
+            </a:endParaRPr>
+          </a:p>
+          <a:p>
+            <a:pPr indent="0" lvl="0" marL="0" rtl="0" algn="just">
+              <a:spcBef>
+                <a:spcPts val="1200"/>
+              </a:spcBef>
+              <a:spcAft>
+                <a:spcPts val="0"/>
+              </a:spcAft>
+              <a:buNone/>
+            </a:pPr>
+            <a:r>
+              <a:t/>
+            </a:r>
+            <a:endParaRPr sz="5700">
+              <a:solidFill>
+                <a:schemeClr val="lt1"/>
+              </a:solidFill>
+            </a:endParaRPr>
+          </a:p>
+          <a:p>
+            <a:pPr indent="0" lvl="0" marL="0" rtl="0" algn="just">
+              <a:spcBef>
+                <a:spcPts val="1200"/>
+              </a:spcBef>
+              <a:spcAft>
+                <a:spcPts val="0"/>
+              </a:spcAft>
+              <a:buNone/>
+            </a:pPr>
+            <a:r>
+              <a:t/>
+            </a:r>
+            <a:endParaRPr sz="5700">
+              <a:solidFill>
+                <a:schemeClr val="lt1"/>
+              </a:solidFill>
+            </a:endParaRPr>
+          </a:p>
+          <a:p>
+            <a:pPr indent="0" lvl="0" marL="0" rtl="0" algn="just">
+              <a:spcBef>
+                <a:spcPts val="1200"/>
+              </a:spcBef>
+              <a:spcAft>
+                <a:spcPts val="0"/>
+              </a:spcAft>
+              <a:buNone/>
+            </a:pPr>
+            <a:r>
+              <a:t/>
+            </a:r>
+            <a:endParaRPr sz="5700">
+              <a:solidFill>
+                <a:schemeClr val="lt1"/>
+              </a:solidFill>
+            </a:endParaRPr>
+          </a:p>
+          <a:p>
+            <a:pPr indent="0" lvl="0" marL="0" rtl="0" algn="just">
+              <a:spcBef>
+                <a:spcPts val="1200"/>
+              </a:spcBef>
+              <a:spcAft>
+                <a:spcPts val="0"/>
+              </a:spcAft>
+              <a:buNone/>
+            </a:pPr>
+            <a:r>
+              <a:t/>
+            </a:r>
+            <a:endParaRPr sz="5700">
+              <a:solidFill>
+                <a:schemeClr val="lt1"/>
+              </a:solidFill>
+            </a:endParaRPr>
+          </a:p>
+          <a:p>
+            <a:pPr indent="0" lvl="0" marL="0" rtl="0" algn="just">
+              <a:spcBef>
+                <a:spcPts val="1200"/>
+              </a:spcBef>
+              <a:spcAft>
+                <a:spcPts val="0"/>
+              </a:spcAft>
+              <a:buNone/>
+            </a:pPr>
+            <a:r>
+              <a:t/>
+            </a:r>
+            <a:endParaRPr sz="5700">
+              <a:solidFill>
+                <a:schemeClr val="lt1"/>
+              </a:solidFill>
+            </a:endParaRPr>
+          </a:p>
+          <a:p>
+            <a:pPr indent="0" lvl="0" marL="0" rtl="0" algn="just">
+              <a:spcBef>
+                <a:spcPts val="1200"/>
+              </a:spcBef>
+              <a:spcAft>
+                <a:spcPts val="0"/>
+              </a:spcAft>
+              <a:buNone/>
+            </a:pPr>
+            <a:r>
+              <a:t/>
+            </a:r>
+            <a:endParaRPr sz="5700">
+              <a:solidFill>
+                <a:schemeClr val="lt1"/>
+              </a:solidFill>
+            </a:endParaRPr>
+          </a:p>
+          <a:p>
+            <a:pPr indent="0" lvl="0" marL="0" rtl="0" algn="just">
+              <a:spcBef>
+                <a:spcPts val="1200"/>
+              </a:spcBef>
+              <a:spcAft>
+                <a:spcPts val="1200"/>
+              </a:spcAft>
+              <a:buNone/>
+            </a:pPr>
+            <a:r>
+              <a:t/>
+            </a:r>
+            <a:endParaRPr sz="1400">
+              <a:solidFill>
+                <a:schemeClr val="lt1"/>
+              </a:solidFill>
+            </a:endParaRPr>
+          </a:p>
+        </p:txBody>
+      </p:sp>
+      <p:sp>
+        <p:nvSpPr>
+          <p:cNvPr id="141" name="Google Shape;141;p25"/>
+          <p:cNvSpPr txBox="1"/>
+          <p:nvPr/>
+        </p:nvSpPr>
+        <p:spPr>
+          <a:xfrm>
+            <a:off x="328650" y="276525"/>
+            <a:ext cx="6550200" cy="400200"/>
+          </a:xfrm>
+          <a:prstGeom prst="rect">
+            <a:avLst/>
+          </a:prstGeom>
+          <a:noFill/>
+          <a:ln>
+            <a:noFill/>
+          </a:ln>
+        </p:spPr>
+        <p:txBody>
+          <a:bodyPr anchorCtr="0" anchor="t" bIns="91425" lIns="91425" spcFirstLastPara="1" rIns="91425" wrap="square" tIns="91425">
+            <a:spAutoFit/>
+          </a:bodyPr>
+          <a:lstStyle/>
+          <a:p>
+            <a:pPr indent="0" lvl="0" marL="0" rtl="0" algn="l">
+              <a:spcBef>
+                <a:spcPts val="0"/>
+              </a:spcBef>
+              <a:spcAft>
+                <a:spcPts val="0"/>
+              </a:spcAft>
+              <a:buNone/>
+            </a:pPr>
+            <a:r>
+              <a:rPr b="1" lang="es">
+                <a:solidFill>
+                  <a:schemeClr val="accent1"/>
+                </a:solidFill>
+              </a:rPr>
+              <a:t>6</a:t>
+            </a:r>
+            <a:r>
+              <a:rPr b="1" lang="es">
+                <a:solidFill>
+                  <a:schemeClr val="accent1"/>
+                </a:solidFill>
+              </a:rPr>
+              <a:t>.- Métricas de Desempeño y gráficos de Modelos aplicados</a:t>
+            </a:r>
+            <a:endParaRPr b="1">
+              <a:solidFill>
+                <a:schemeClr val="accent1"/>
+              </a:solidFill>
+            </a:endParaRPr>
+          </a:p>
+        </p:txBody>
+      </p:sp>
+      <p:graphicFrame>
+        <p:nvGraphicFramePr>
+          <p:cNvPr id="142" name="Google Shape;142;p25"/>
+          <p:cNvGraphicFramePr/>
+          <p:nvPr/>
+        </p:nvGraphicFramePr>
+        <p:xfrm>
+          <a:off x="1444950" y="1095825"/>
+          <a:ext cx="3000000" cy="3000000"/>
+        </p:xfrm>
+        <a:graphic>
+          <a:graphicData uri="http://schemas.openxmlformats.org/drawingml/2006/table">
+            <a:tbl>
+              <a:tblPr>
+                <a:noFill/>
+                <a:tableStyleId>{83C7B077-17C3-4F71-BFF7-95323B211C2F}</a:tableStyleId>
+              </a:tblPr>
+              <a:tblGrid>
+                <a:gridCol w="2257725"/>
+                <a:gridCol w="3785925"/>
+              </a:tblGrid>
+              <a:tr h="266650">
+                <a:tc>
+                  <a:txBody>
+                    <a:bodyPr/>
+                    <a:lstStyle/>
+                    <a:p>
+                      <a:pPr indent="0" lvl="0" marL="0" rtl="0" algn="just">
+                        <a:lnSpc>
+                          <a:spcPct val="115000"/>
+                        </a:lnSpc>
+                        <a:spcBef>
+                          <a:spcPts val="0"/>
+                        </a:spcBef>
+                        <a:spcAft>
+                          <a:spcPts val="1200"/>
+                        </a:spcAft>
+                        <a:buNone/>
+                      </a:pPr>
+                      <a:r>
+                        <a:rPr lang="es" sz="1050">
+                          <a:solidFill>
+                            <a:schemeClr val="lt1"/>
+                          </a:solidFill>
+                          <a:highlight>
+                            <a:srgbClr val="FFFFFF"/>
+                          </a:highlight>
+                          <a:latin typeface="Courier New"/>
+                          <a:ea typeface="Courier New"/>
+                          <a:cs typeface="Courier New"/>
+                          <a:sym typeface="Courier New"/>
+                        </a:rPr>
+                        <a:t>r2 score</a:t>
+                      </a:r>
+                      <a:endParaRPr/>
+                    </a:p>
+                  </a:txBody>
+                  <a:tcPr marT="91425" marB="91425" marR="91425" marL="91425"/>
+                </a:tc>
+                <a:tc>
+                  <a:txBody>
+                    <a:bodyPr/>
+                    <a:lstStyle/>
+                    <a:p>
+                      <a:pPr indent="0" lvl="0" marL="0" rtl="0" algn="just">
+                        <a:lnSpc>
+                          <a:spcPct val="115000"/>
+                        </a:lnSpc>
+                        <a:spcBef>
+                          <a:spcPts val="0"/>
+                        </a:spcBef>
+                        <a:spcAft>
+                          <a:spcPts val="1200"/>
+                        </a:spcAft>
+                        <a:buNone/>
+                      </a:pPr>
+                      <a:r>
+                        <a:rPr lang="es" sz="1050">
+                          <a:solidFill>
+                            <a:schemeClr val="lt1"/>
+                          </a:solidFill>
+                          <a:highlight>
+                            <a:srgbClr val="FFFFFF"/>
+                          </a:highlight>
+                          <a:latin typeface="Courier New"/>
+                          <a:ea typeface="Courier New"/>
+                          <a:cs typeface="Courier New"/>
+                          <a:sym typeface="Courier New"/>
+                        </a:rPr>
+                        <a:t>0.9968724372399694 </a:t>
+                      </a:r>
+                      <a:endParaRPr/>
+                    </a:p>
+                  </a:txBody>
+                  <a:tcPr marT="91425" marB="91425" marR="91425" marL="91425"/>
+                </a:tc>
+              </a:tr>
+              <a:tr h="268325">
+                <a:tc>
+                  <a:txBody>
+                    <a:bodyPr/>
+                    <a:lstStyle/>
+                    <a:p>
+                      <a:pPr indent="0" lvl="0" marL="0" rtl="0" algn="just">
+                        <a:lnSpc>
+                          <a:spcPct val="115000"/>
+                        </a:lnSpc>
+                        <a:spcBef>
+                          <a:spcPts val="0"/>
+                        </a:spcBef>
+                        <a:spcAft>
+                          <a:spcPts val="1200"/>
+                        </a:spcAft>
+                        <a:buNone/>
+                      </a:pPr>
+                      <a:r>
+                        <a:rPr lang="es" sz="1050">
+                          <a:solidFill>
+                            <a:schemeClr val="lt1"/>
+                          </a:solidFill>
+                          <a:highlight>
+                            <a:srgbClr val="FFFFFF"/>
+                          </a:highlight>
+                          <a:latin typeface="Courier New"/>
+                          <a:ea typeface="Courier New"/>
+                          <a:cs typeface="Courier New"/>
+                          <a:sym typeface="Courier New"/>
+                        </a:rPr>
+                        <a:t>Mean squeared score</a:t>
+                      </a:r>
+                      <a:endParaRPr/>
+                    </a:p>
+                  </a:txBody>
+                  <a:tcPr marT="91425" marB="91425" marR="91425" marL="91425"/>
+                </a:tc>
+                <a:tc>
+                  <a:txBody>
+                    <a:bodyPr/>
+                    <a:lstStyle/>
+                    <a:p>
+                      <a:pPr indent="0" lvl="0" marL="0" rtl="0" algn="just">
+                        <a:lnSpc>
+                          <a:spcPct val="115000"/>
+                        </a:lnSpc>
+                        <a:spcBef>
+                          <a:spcPts val="0"/>
+                        </a:spcBef>
+                        <a:spcAft>
+                          <a:spcPts val="1200"/>
+                        </a:spcAft>
+                        <a:buNone/>
+                      </a:pPr>
+                      <a:r>
+                        <a:rPr lang="es" sz="1050">
+                          <a:solidFill>
+                            <a:schemeClr val="lt1"/>
+                          </a:solidFill>
+                          <a:highlight>
+                            <a:srgbClr val="FFFFFF"/>
+                          </a:highlight>
+                          <a:latin typeface="Courier New"/>
+                          <a:ea typeface="Courier New"/>
+                          <a:cs typeface="Courier New"/>
+                          <a:sym typeface="Courier New"/>
+                        </a:rPr>
+                        <a:t>0.0007807888996142607</a:t>
+                      </a:r>
+                      <a:endParaRPr/>
+                    </a:p>
+                  </a:txBody>
+                  <a:tcPr marT="91425" marB="91425" marR="91425" marL="91425"/>
+                </a:tc>
+              </a:tr>
+              <a:tr h="268325">
+                <a:tc>
+                  <a:txBody>
+                    <a:bodyPr/>
+                    <a:lstStyle/>
+                    <a:p>
+                      <a:pPr indent="0" lvl="0" marL="0" rtl="0" algn="just">
+                        <a:lnSpc>
+                          <a:spcPct val="115000"/>
+                        </a:lnSpc>
+                        <a:spcBef>
+                          <a:spcPts val="0"/>
+                        </a:spcBef>
+                        <a:spcAft>
+                          <a:spcPts val="1200"/>
+                        </a:spcAft>
+                        <a:buNone/>
+                      </a:pPr>
+                      <a:r>
+                        <a:rPr lang="es" sz="1050">
+                          <a:solidFill>
+                            <a:schemeClr val="lt1"/>
+                          </a:solidFill>
+                          <a:highlight>
+                            <a:srgbClr val="FFFFFF"/>
+                          </a:highlight>
+                          <a:latin typeface="Courier New"/>
+                          <a:ea typeface="Courier New"/>
+                          <a:cs typeface="Courier New"/>
+                          <a:sym typeface="Courier New"/>
+                        </a:rPr>
+                        <a:t>Mean absolute score</a:t>
+                      </a:r>
+                      <a:endParaRPr/>
+                    </a:p>
+                  </a:txBody>
+                  <a:tcPr marT="91425" marB="91425" marR="91425" marL="91425"/>
+                </a:tc>
+                <a:tc>
+                  <a:txBody>
+                    <a:bodyPr/>
+                    <a:lstStyle/>
+                    <a:p>
+                      <a:pPr indent="0" lvl="0" marL="0" rtl="0" algn="just">
+                        <a:lnSpc>
+                          <a:spcPct val="115000"/>
+                        </a:lnSpc>
+                        <a:spcBef>
+                          <a:spcPts val="0"/>
+                        </a:spcBef>
+                        <a:spcAft>
+                          <a:spcPts val="1200"/>
+                        </a:spcAft>
+                        <a:buNone/>
+                      </a:pPr>
+                      <a:r>
+                        <a:rPr lang="es" sz="1050">
+                          <a:solidFill>
+                            <a:schemeClr val="lt1"/>
+                          </a:solidFill>
+                          <a:highlight>
+                            <a:srgbClr val="FFFFFF"/>
+                          </a:highlight>
+                          <a:latin typeface="Courier New"/>
+                          <a:ea typeface="Courier New"/>
+                          <a:cs typeface="Courier New"/>
+                          <a:sym typeface="Courier New"/>
+                        </a:rPr>
+                        <a:t>0.014463003305288461</a:t>
+                      </a:r>
+                      <a:endParaRPr/>
+                    </a:p>
+                  </a:txBody>
+                  <a:tcPr marT="91425" marB="91425" marR="91425" marL="91425"/>
+                </a:tc>
+              </a:tr>
+              <a:tr h="268325">
+                <a:tc>
+                  <a:txBody>
+                    <a:bodyPr/>
+                    <a:lstStyle/>
+                    <a:p>
+                      <a:pPr indent="0" lvl="0" marL="0" rtl="0" algn="just">
+                        <a:lnSpc>
+                          <a:spcPct val="115000"/>
+                        </a:lnSpc>
+                        <a:spcBef>
+                          <a:spcPts val="0"/>
+                        </a:spcBef>
+                        <a:spcAft>
+                          <a:spcPts val="1200"/>
+                        </a:spcAft>
+                        <a:buNone/>
+                      </a:pPr>
+                      <a:r>
+                        <a:rPr lang="es" sz="1050">
+                          <a:solidFill>
+                            <a:schemeClr val="lt1"/>
+                          </a:solidFill>
+                          <a:highlight>
+                            <a:srgbClr val="FFFFFF"/>
+                          </a:highlight>
+                          <a:latin typeface="Courier New"/>
+                          <a:ea typeface="Courier New"/>
+                          <a:cs typeface="Courier New"/>
+                          <a:sym typeface="Courier New"/>
+                        </a:rPr>
+                        <a:t>intercept</a:t>
+                      </a:r>
+                      <a:endParaRPr/>
+                    </a:p>
+                  </a:txBody>
+                  <a:tcPr marT="91425" marB="91425" marR="91425" marL="91425"/>
+                </a:tc>
+                <a:tc>
+                  <a:txBody>
+                    <a:bodyPr/>
+                    <a:lstStyle/>
+                    <a:p>
+                      <a:pPr indent="0" lvl="0" marL="0" rtl="0" algn="just">
+                        <a:lnSpc>
+                          <a:spcPct val="115000"/>
+                        </a:lnSpc>
+                        <a:spcBef>
+                          <a:spcPts val="0"/>
+                        </a:spcBef>
+                        <a:spcAft>
+                          <a:spcPts val="1200"/>
+                        </a:spcAft>
+                        <a:buNone/>
+                      </a:pPr>
+                      <a:r>
+                        <a:rPr lang="es" sz="1050">
+                          <a:solidFill>
+                            <a:schemeClr val="lt1"/>
+                          </a:solidFill>
+                          <a:highlight>
+                            <a:srgbClr val="FFFFFF"/>
+                          </a:highlight>
+                          <a:latin typeface="Courier New"/>
+                          <a:ea typeface="Courier New"/>
+                          <a:cs typeface="Courier New"/>
+                          <a:sym typeface="Courier New"/>
+                        </a:rPr>
+                        <a:t>140550936339.36368</a:t>
+                      </a:r>
+                      <a:endParaRPr/>
+                    </a:p>
+                  </a:txBody>
+                  <a:tcPr marT="91425" marB="91425" marR="91425" marL="91425"/>
+                </a:tc>
+              </a:tr>
+            </a:tbl>
+          </a:graphicData>
+        </a:graphic>
+      </p:graphicFrame>
+      <p:pic>
+        <p:nvPicPr>
+          <p:cNvPr id="143" name="Google Shape;143;p25"/>
+          <p:cNvPicPr preferRelativeResize="0"/>
+          <p:nvPr/>
+        </p:nvPicPr>
+        <p:blipFill>
+          <a:blip r:embed="rId3">
+            <a:alphaModFix/>
+          </a:blip>
+          <a:stretch>
+            <a:fillRect/>
+          </a:stretch>
+        </p:blipFill>
+        <p:spPr>
+          <a:xfrm>
+            <a:off x="379100" y="2791075"/>
+            <a:ext cx="4192900" cy="2520325"/>
+          </a:xfrm>
+          <a:prstGeom prst="rect">
+            <a:avLst/>
+          </a:prstGeom>
+          <a:noFill/>
+          <a:ln>
+            <a:noFill/>
+          </a:ln>
+        </p:spPr>
+      </p:pic>
+      <p:pic>
+        <p:nvPicPr>
+          <p:cNvPr id="144" name="Google Shape;144;p25"/>
+          <p:cNvPicPr preferRelativeResize="0"/>
+          <p:nvPr/>
+        </p:nvPicPr>
+        <p:blipFill>
+          <a:blip r:embed="rId4">
+            <a:alphaModFix/>
+          </a:blip>
+          <a:stretch>
+            <a:fillRect/>
+          </a:stretch>
+        </p:blipFill>
+        <p:spPr>
+          <a:xfrm>
+            <a:off x="4659625" y="2758263"/>
+            <a:ext cx="4095750" cy="2585950"/>
+          </a:xfrm>
+          <a:prstGeom prst="rect">
+            <a:avLst/>
+          </a:prstGeom>
+          <a:noFill/>
+          <a:ln>
+            <a:noFill/>
+          </a:ln>
+        </p:spPr>
+      </p:pic>
+    </p:spTree>
+  </p:cSld>
+  <p:clrMapOvr>
+    <a:masterClrMapping/>
+  </p:clrMapOvr>
+</p:sld>
+</file>
+
+<file path=ppt/slides/slide14.xml><?xml version="1.0" encoding="utf-8"?>
+<p:sld xmlns:a="http://schemas.openxmlformats.org/drawingml/2006/main" xmlns:r="http://schemas.openxmlformats.org/officeDocument/2006/relationships" xmlns:mc="http://schemas.openxmlformats.org/markup-compatibility/2006" xmlns:mv="urn:schemas-microsoft-com:mac:vml" xmlns:p="http://schemas.openxmlformats.org/presentationml/2006/main" xmlns:c="http://schemas.openxmlformats.org/drawingml/2006/chart" xmlns:dgm="http://schemas.openxmlformats.org/drawingml/2006/diagram" xmlns:o="urn:schemas-microsoft-com:office:office" xmlns:v="urn:schemas-microsoft-com:vml" xmlns:pvml="urn:schemas-microsoft-com:office:powerpoint" xmlns:com="http://schemas.openxmlformats.org/drawingml/2006/compatibility" xmlns:p14="http://schemas.microsoft.com/office/powerpoint/2010/main" xmlns:p15="http://schemas.microsoft.com/office/powerpoint/2012/main" xmlns:ahyp="http://schemas.microsoft.com/office/drawing/2018/hyperlinkcolor">
+  <p:cSld>
+    <p:bg>
+      <p:bgPr>
+        <a:solidFill>
+          <a:schemeClr val="dk1"/>
+        </a:solidFill>
+      </p:bgPr>
+    </p:bg>
+    <p:spTree>
+      <p:nvGrpSpPr>
+        <p:cNvPr id="148" name="Shape 148"/>
+        <p:cNvGrpSpPr/>
+        <p:nvPr/>
+      </p:nvGrpSpPr>
+      <p:grpSpPr>
+        <a:xfrm>
+          <a:off x="0" y="0"/>
+          <a:ext cx="0" cy="0"/>
+          <a:chOff x="0" y="0"/>
+          <a:chExt cx="0" cy="0"/>
+        </a:xfrm>
+      </p:grpSpPr>
+      <p:sp>
+        <p:nvSpPr>
+          <p:cNvPr id="149" name="Google Shape;149;p26"/>
+          <p:cNvSpPr txBox="1"/>
+          <p:nvPr>
+            <p:ph idx="1" type="body"/>
+          </p:nvPr>
+        </p:nvSpPr>
+        <p:spPr>
+          <a:xfrm>
+            <a:off x="268675" y="286200"/>
+            <a:ext cx="8486700" cy="4190700"/>
+          </a:xfrm>
+          <a:prstGeom prst="rect">
+            <a:avLst/>
+          </a:prstGeom>
+        </p:spPr>
+        <p:txBody>
+          <a:bodyPr anchorCtr="0" anchor="t" bIns="91425" lIns="91425" spcFirstLastPara="1" rIns="91425" wrap="square" tIns="91425">
+            <a:normAutofit fontScale="47500" lnSpcReduction="10000"/>
+          </a:bodyPr>
+          <a:lstStyle/>
+          <a:p>
+            <a:pPr indent="0" lvl="0" marL="0" rtl="0" algn="just">
+              <a:spcBef>
+                <a:spcPts val="0"/>
+              </a:spcBef>
+              <a:spcAft>
+                <a:spcPts val="0"/>
+              </a:spcAft>
+              <a:buNone/>
+            </a:pPr>
+            <a:r>
+              <a:rPr lang="es" sz="2963">
+                <a:solidFill>
+                  <a:schemeClr val="lt1"/>
+                </a:solidFill>
+              </a:rPr>
+              <a:t>Random Forest</a:t>
+            </a:r>
+            <a:r>
+              <a:rPr lang="es" sz="2963">
+                <a:solidFill>
+                  <a:schemeClr val="lt1"/>
+                </a:solidFill>
+              </a:rPr>
+              <a:t>:</a:t>
+            </a:r>
+            <a:endParaRPr sz="2963">
+              <a:solidFill>
+                <a:schemeClr val="lt1"/>
+              </a:solidFill>
+            </a:endParaRPr>
+          </a:p>
+          <a:p>
+            <a:pPr indent="0" lvl="0" marL="0" rtl="0" algn="just">
+              <a:spcBef>
+                <a:spcPts val="1200"/>
+              </a:spcBef>
+              <a:spcAft>
+                <a:spcPts val="0"/>
+              </a:spcAft>
+              <a:buNone/>
+            </a:pPr>
+            <a:r>
+              <a:t/>
+            </a:r>
+            <a:endParaRPr sz="5700">
+              <a:solidFill>
+                <a:schemeClr val="lt1"/>
+              </a:solidFill>
+            </a:endParaRPr>
+          </a:p>
+          <a:p>
+            <a:pPr indent="0" lvl="0" marL="0" rtl="0" algn="just">
+              <a:spcBef>
+                <a:spcPts val="1200"/>
+              </a:spcBef>
+              <a:spcAft>
+                <a:spcPts val="0"/>
+              </a:spcAft>
+              <a:buNone/>
+            </a:pPr>
+            <a:r>
+              <a:t/>
+            </a:r>
+            <a:endParaRPr sz="5700">
+              <a:solidFill>
+                <a:schemeClr val="lt1"/>
+              </a:solidFill>
+            </a:endParaRPr>
+          </a:p>
+          <a:p>
+            <a:pPr indent="0" lvl="0" marL="0" rtl="0" algn="just">
+              <a:spcBef>
+                <a:spcPts val="1200"/>
+              </a:spcBef>
+              <a:spcAft>
+                <a:spcPts val="0"/>
+              </a:spcAft>
+              <a:buNone/>
+            </a:pPr>
+            <a:r>
+              <a:t/>
+            </a:r>
+            <a:endParaRPr sz="5700">
+              <a:solidFill>
+                <a:schemeClr val="lt1"/>
+              </a:solidFill>
+            </a:endParaRPr>
+          </a:p>
+          <a:p>
+            <a:pPr indent="0" lvl="0" marL="0" rtl="0" algn="just">
+              <a:spcBef>
+                <a:spcPts val="1200"/>
+              </a:spcBef>
+              <a:spcAft>
+                <a:spcPts val="0"/>
+              </a:spcAft>
+              <a:buNone/>
+            </a:pPr>
+            <a:r>
+              <a:t/>
+            </a:r>
+            <a:endParaRPr sz="5700">
+              <a:solidFill>
+                <a:schemeClr val="lt1"/>
+              </a:solidFill>
+            </a:endParaRPr>
+          </a:p>
+          <a:p>
+            <a:pPr indent="0" lvl="0" marL="0" rtl="0" algn="just">
+              <a:spcBef>
+                <a:spcPts val="1200"/>
+              </a:spcBef>
+              <a:spcAft>
+                <a:spcPts val="0"/>
+              </a:spcAft>
+              <a:buNone/>
+            </a:pPr>
+            <a:r>
+              <a:t/>
+            </a:r>
+            <a:endParaRPr sz="5700">
+              <a:solidFill>
+                <a:schemeClr val="lt1"/>
+              </a:solidFill>
+            </a:endParaRPr>
+          </a:p>
+          <a:p>
+            <a:pPr indent="0" lvl="0" marL="0" rtl="0" algn="just">
+              <a:spcBef>
+                <a:spcPts val="1200"/>
+              </a:spcBef>
+              <a:spcAft>
+                <a:spcPts val="0"/>
+              </a:spcAft>
+              <a:buNone/>
+            </a:pPr>
+            <a:r>
+              <a:t/>
+            </a:r>
+            <a:endParaRPr sz="5700">
+              <a:solidFill>
+                <a:schemeClr val="lt1"/>
+              </a:solidFill>
+            </a:endParaRPr>
+          </a:p>
+          <a:p>
+            <a:pPr indent="0" lvl="0" marL="0" rtl="0" algn="just">
+              <a:spcBef>
+                <a:spcPts val="1200"/>
+              </a:spcBef>
+              <a:spcAft>
+                <a:spcPts val="1200"/>
+              </a:spcAft>
+              <a:buNone/>
+            </a:pPr>
+            <a:r>
+              <a:t/>
+            </a:r>
+            <a:endParaRPr sz="1400">
+              <a:solidFill>
+                <a:schemeClr val="lt1"/>
+              </a:solidFill>
+            </a:endParaRPr>
+          </a:p>
+        </p:txBody>
+      </p:sp>
+      <p:graphicFrame>
+        <p:nvGraphicFramePr>
+          <p:cNvPr id="150" name="Google Shape;150;p26"/>
+          <p:cNvGraphicFramePr/>
+          <p:nvPr/>
+        </p:nvGraphicFramePr>
+        <p:xfrm>
+          <a:off x="1406850" y="733875"/>
+          <a:ext cx="3000000" cy="3000000"/>
+        </p:xfrm>
+        <a:graphic>
+          <a:graphicData uri="http://schemas.openxmlformats.org/drawingml/2006/table">
+            <a:tbl>
+              <a:tblPr>
+                <a:noFill/>
+                <a:tableStyleId>{83C7B077-17C3-4F71-BFF7-95323B211C2F}</a:tableStyleId>
+              </a:tblPr>
+              <a:tblGrid>
+                <a:gridCol w="2257725"/>
+                <a:gridCol w="3785925"/>
+              </a:tblGrid>
+              <a:tr h="323575">
+                <a:tc>
+                  <a:txBody>
+                    <a:bodyPr/>
+                    <a:lstStyle/>
+                    <a:p>
+                      <a:pPr indent="0" lvl="0" marL="0" rtl="0" algn="just">
+                        <a:lnSpc>
+                          <a:spcPct val="115000"/>
+                        </a:lnSpc>
+                        <a:spcBef>
+                          <a:spcPts val="0"/>
+                        </a:spcBef>
+                        <a:spcAft>
+                          <a:spcPts val="1200"/>
+                        </a:spcAft>
+                        <a:buNone/>
+                      </a:pPr>
+                      <a:r>
+                        <a:rPr lang="es" sz="1050">
+                          <a:solidFill>
+                            <a:schemeClr val="lt1"/>
+                          </a:solidFill>
+                          <a:highlight>
+                            <a:srgbClr val="FFFFFF"/>
+                          </a:highlight>
+                          <a:latin typeface="Courier New"/>
+                          <a:ea typeface="Courier New"/>
+                          <a:cs typeface="Courier New"/>
+                          <a:sym typeface="Courier New"/>
+                        </a:rPr>
+                        <a:t>accuracy</a:t>
+                      </a:r>
+                      <a:endParaRPr/>
+                    </a:p>
+                  </a:txBody>
+                  <a:tcPr marT="91425" marB="91425" marR="91425" marL="91425"/>
+                </a:tc>
+                <a:tc>
+                  <a:txBody>
+                    <a:bodyPr/>
+                    <a:lstStyle/>
+                    <a:p>
+                      <a:pPr indent="0" lvl="0" marL="0" rtl="0" algn="just">
+                        <a:lnSpc>
+                          <a:spcPct val="115000"/>
+                        </a:lnSpc>
+                        <a:spcBef>
+                          <a:spcPts val="0"/>
+                        </a:spcBef>
+                        <a:spcAft>
+                          <a:spcPts val="1200"/>
+                        </a:spcAft>
+                        <a:buNone/>
+                      </a:pPr>
+                      <a:r>
+                        <a:rPr lang="es" sz="1050">
+                          <a:solidFill>
+                            <a:schemeClr val="lt1"/>
+                          </a:solidFill>
+                          <a:highlight>
+                            <a:srgbClr val="FFFFFF"/>
+                          </a:highlight>
+                          <a:latin typeface="Courier New"/>
+                          <a:ea typeface="Courier New"/>
+                          <a:cs typeface="Courier New"/>
+                          <a:sym typeface="Courier New"/>
+                        </a:rPr>
+                        <a:t>1.0</a:t>
+                      </a:r>
+                      <a:endParaRPr/>
+                    </a:p>
+                  </a:txBody>
+                  <a:tcPr marT="91425" marB="91425" marR="91425" marL="91425"/>
+                </a:tc>
+              </a:tr>
+              <a:tr h="323575">
+                <a:tc>
+                  <a:txBody>
+                    <a:bodyPr/>
+                    <a:lstStyle/>
+                    <a:p>
+                      <a:pPr indent="0" lvl="0" marL="0" rtl="0" algn="just">
+                        <a:lnSpc>
+                          <a:spcPct val="115000"/>
+                        </a:lnSpc>
+                        <a:spcBef>
+                          <a:spcPts val="0"/>
+                        </a:spcBef>
+                        <a:spcAft>
+                          <a:spcPts val="1200"/>
+                        </a:spcAft>
+                        <a:buNone/>
+                      </a:pPr>
+                      <a:r>
+                        <a:rPr lang="es" sz="1050">
+                          <a:solidFill>
+                            <a:schemeClr val="lt1"/>
+                          </a:solidFill>
+                          <a:highlight>
+                            <a:srgbClr val="FFFFFF"/>
+                          </a:highlight>
+                          <a:latin typeface="Courier New"/>
+                          <a:ea typeface="Courier New"/>
+                          <a:cs typeface="Courier New"/>
+                          <a:sym typeface="Courier New"/>
+                        </a:rPr>
+                        <a:t>Precision</a:t>
+                      </a:r>
+                      <a:endParaRPr/>
+                    </a:p>
+                  </a:txBody>
+                  <a:tcPr marT="91425" marB="91425" marR="91425" marL="91425"/>
+                </a:tc>
+                <a:tc>
+                  <a:txBody>
+                    <a:bodyPr/>
+                    <a:lstStyle/>
+                    <a:p>
+                      <a:pPr indent="0" lvl="0" marL="0" rtl="0" algn="just">
+                        <a:lnSpc>
+                          <a:spcPct val="115000"/>
+                        </a:lnSpc>
+                        <a:spcBef>
+                          <a:spcPts val="0"/>
+                        </a:spcBef>
+                        <a:spcAft>
+                          <a:spcPts val="1200"/>
+                        </a:spcAft>
+                        <a:buNone/>
+                      </a:pPr>
+                      <a:r>
+                        <a:rPr lang="es" sz="1050">
+                          <a:solidFill>
+                            <a:schemeClr val="lt1"/>
+                          </a:solidFill>
+                          <a:highlight>
+                            <a:srgbClr val="FFFFFF"/>
+                          </a:highlight>
+                          <a:latin typeface="Courier New"/>
+                          <a:ea typeface="Courier New"/>
+                          <a:cs typeface="Courier New"/>
+                          <a:sym typeface="Courier New"/>
+                        </a:rPr>
+                        <a:t>1.0</a:t>
+                      </a:r>
+                      <a:endParaRPr/>
+                    </a:p>
+                  </a:txBody>
+                  <a:tcPr marT="91425" marB="91425" marR="91425" marL="91425"/>
+                </a:tc>
+              </a:tr>
+              <a:tr h="323575">
+                <a:tc>
+                  <a:txBody>
+                    <a:bodyPr/>
+                    <a:lstStyle/>
+                    <a:p>
+                      <a:pPr indent="0" lvl="0" marL="0" rtl="0" algn="just">
+                        <a:lnSpc>
+                          <a:spcPct val="115000"/>
+                        </a:lnSpc>
+                        <a:spcBef>
+                          <a:spcPts val="0"/>
+                        </a:spcBef>
+                        <a:spcAft>
+                          <a:spcPts val="1200"/>
+                        </a:spcAft>
+                        <a:buNone/>
+                      </a:pPr>
+                      <a:r>
+                        <a:rPr lang="es" sz="1050">
+                          <a:solidFill>
+                            <a:schemeClr val="lt1"/>
+                          </a:solidFill>
+                          <a:highlight>
+                            <a:srgbClr val="FFFFFF"/>
+                          </a:highlight>
+                          <a:latin typeface="Courier New"/>
+                          <a:ea typeface="Courier New"/>
+                          <a:cs typeface="Courier New"/>
+                          <a:sym typeface="Courier New"/>
+                        </a:rPr>
+                        <a:t>Recall</a:t>
+                      </a:r>
+                      <a:endParaRPr/>
+                    </a:p>
+                  </a:txBody>
+                  <a:tcPr marT="91425" marB="91425" marR="91425" marL="91425"/>
+                </a:tc>
+                <a:tc>
+                  <a:txBody>
+                    <a:bodyPr/>
+                    <a:lstStyle/>
+                    <a:p>
+                      <a:pPr indent="0" lvl="0" marL="0" rtl="0" algn="just">
+                        <a:lnSpc>
+                          <a:spcPct val="115000"/>
+                        </a:lnSpc>
+                        <a:spcBef>
+                          <a:spcPts val="0"/>
+                        </a:spcBef>
+                        <a:spcAft>
+                          <a:spcPts val="1200"/>
+                        </a:spcAft>
+                        <a:buNone/>
+                      </a:pPr>
+                      <a:r>
+                        <a:rPr lang="es" sz="1050">
+                          <a:solidFill>
+                            <a:schemeClr val="lt1"/>
+                          </a:solidFill>
+                          <a:highlight>
+                            <a:srgbClr val="FFFFFF"/>
+                          </a:highlight>
+                          <a:latin typeface="Courier New"/>
+                          <a:ea typeface="Courier New"/>
+                          <a:cs typeface="Courier New"/>
+                          <a:sym typeface="Courier New"/>
+                        </a:rPr>
+                        <a:t>1.0</a:t>
+                      </a:r>
+                      <a:endParaRPr/>
+                    </a:p>
+                  </a:txBody>
+                  <a:tcPr marT="91425" marB="91425" marR="91425" marL="91425"/>
+                </a:tc>
+              </a:tr>
+              <a:tr h="323575">
+                <a:tc>
+                  <a:txBody>
+                    <a:bodyPr/>
+                    <a:lstStyle/>
+                    <a:p>
+                      <a:pPr indent="0" lvl="0" marL="0" rtl="0" algn="just">
+                        <a:lnSpc>
+                          <a:spcPct val="115000"/>
+                        </a:lnSpc>
+                        <a:spcBef>
+                          <a:spcPts val="0"/>
+                        </a:spcBef>
+                        <a:spcAft>
+                          <a:spcPts val="1200"/>
+                        </a:spcAft>
+                        <a:buNone/>
+                      </a:pPr>
+                      <a:r>
+                        <a:rPr lang="es" sz="1050">
+                          <a:solidFill>
+                            <a:schemeClr val="lt1"/>
+                          </a:solidFill>
+                          <a:highlight>
+                            <a:srgbClr val="FFFFFF"/>
+                          </a:highlight>
+                          <a:latin typeface="Courier New"/>
+                          <a:ea typeface="Courier New"/>
+                          <a:cs typeface="Courier New"/>
+                          <a:sym typeface="Courier New"/>
+                        </a:rPr>
+                        <a:t>f1_score</a:t>
+                      </a:r>
+                      <a:endParaRPr/>
+                    </a:p>
+                  </a:txBody>
+                  <a:tcPr marT="91425" marB="91425" marR="91425" marL="91425"/>
+                </a:tc>
+                <a:tc>
+                  <a:txBody>
+                    <a:bodyPr/>
+                    <a:lstStyle/>
+                    <a:p>
+                      <a:pPr indent="0" lvl="0" marL="0" rtl="0" algn="just">
+                        <a:lnSpc>
+                          <a:spcPct val="115000"/>
+                        </a:lnSpc>
+                        <a:spcBef>
+                          <a:spcPts val="0"/>
+                        </a:spcBef>
+                        <a:spcAft>
+                          <a:spcPts val="1200"/>
+                        </a:spcAft>
+                        <a:buNone/>
+                      </a:pPr>
+                      <a:r>
+                        <a:rPr lang="es" sz="1050">
+                          <a:solidFill>
+                            <a:schemeClr val="lt1"/>
+                          </a:solidFill>
+                          <a:highlight>
+                            <a:srgbClr val="FFFFFF"/>
+                          </a:highlight>
+                          <a:latin typeface="Courier New"/>
+                          <a:ea typeface="Courier New"/>
+                          <a:cs typeface="Courier New"/>
+                          <a:sym typeface="Courier New"/>
+                        </a:rPr>
+                        <a:t>1.0</a:t>
+                      </a:r>
+                      <a:endParaRPr/>
+                    </a:p>
+                  </a:txBody>
+                  <a:tcPr marT="91425" marB="91425" marR="91425" marL="91425"/>
+                </a:tc>
+              </a:tr>
+            </a:tbl>
+          </a:graphicData>
+        </a:graphic>
+      </p:graphicFrame>
+      <p:pic>
+        <p:nvPicPr>
+          <p:cNvPr id="151" name="Google Shape;151;p26"/>
+          <p:cNvPicPr preferRelativeResize="0"/>
+          <p:nvPr/>
+        </p:nvPicPr>
+        <p:blipFill>
+          <a:blip r:embed="rId3">
+            <a:alphaModFix/>
+          </a:blip>
+          <a:stretch>
+            <a:fillRect/>
+          </a:stretch>
+        </p:blipFill>
+        <p:spPr>
+          <a:xfrm>
+            <a:off x="840100" y="2322200"/>
+            <a:ext cx="5762624" cy="3358499"/>
+          </a:xfrm>
+          <a:prstGeom prst="rect">
+            <a:avLst/>
+          </a:prstGeom>
+          <a:noFill/>
+          <a:ln>
+            <a:noFill/>
+          </a:ln>
+        </p:spPr>
+      </p:pic>
+    </p:spTree>
+  </p:cSld>
+  <p:clrMapOvr>
+    <a:masterClrMapping/>
+  </p:clrMapOvr>
+</p:sld>
+</file>
+
+<file path=ppt/slides/slide15.xml><?xml version="1.0" encoding="utf-8"?>
+<p:sld xmlns:a="http://schemas.openxmlformats.org/drawingml/2006/main" xmlns:r="http://schemas.openxmlformats.org/officeDocument/2006/relationships" xmlns:mc="http://schemas.openxmlformats.org/markup-compatibility/2006" xmlns:mv="urn:schemas-microsoft-com:mac:vml" xmlns:p="http://schemas.openxmlformats.org/presentationml/2006/main" xmlns:c="http://schemas.openxmlformats.org/drawingml/2006/chart" xmlns:dgm="http://schemas.openxmlformats.org/drawingml/2006/diagram" xmlns:o="urn:schemas-microsoft-com:office:office" xmlns:v="urn:schemas-microsoft-com:vml" xmlns:pvml="urn:schemas-microsoft-com:office:powerpoint" xmlns:com="http://schemas.openxmlformats.org/drawingml/2006/compatibility" xmlns:p14="http://schemas.microsoft.com/office/powerpoint/2010/main" xmlns:p15="http://schemas.microsoft.com/office/powerpoint/2012/main" xmlns:ahyp="http://schemas.microsoft.com/office/drawing/2018/hyperlinkcolor">
+  <p:cSld>
+    <p:bg>
+      <p:bgPr>
+        <a:solidFill>
+          <a:schemeClr val="dk1"/>
+        </a:solidFill>
+      </p:bgPr>
+    </p:bg>
+    <p:spTree>
+      <p:nvGrpSpPr>
+        <p:cNvPr id="155" name="Shape 155"/>
+        <p:cNvGrpSpPr/>
+        <p:nvPr/>
+      </p:nvGrpSpPr>
+      <p:grpSpPr>
+        <a:xfrm>
+          <a:off x="0" y="0"/>
+          <a:ext cx="0" cy="0"/>
+          <a:chOff x="0" y="0"/>
+          <a:chExt cx="0" cy="0"/>
+        </a:xfrm>
+      </p:grpSpPr>
+      <p:sp>
+        <p:nvSpPr>
+          <p:cNvPr id="156" name="Google Shape;156;p27"/>
+          <p:cNvSpPr txBox="1"/>
+          <p:nvPr>
+            <p:ph idx="1" type="body"/>
+          </p:nvPr>
+        </p:nvSpPr>
+        <p:spPr>
+          <a:xfrm>
+            <a:off x="268675" y="286200"/>
+            <a:ext cx="8486700" cy="4190700"/>
+          </a:xfrm>
+          <a:prstGeom prst="rect">
+            <a:avLst/>
+          </a:prstGeom>
+        </p:spPr>
+        <p:txBody>
+          <a:bodyPr anchorCtr="0" anchor="t" bIns="91425" lIns="91425" spcFirstLastPara="1" rIns="91425" wrap="square" tIns="91425">
+            <a:normAutofit fontScale="47500" lnSpcReduction="10000"/>
+          </a:bodyPr>
+          <a:lstStyle/>
+          <a:p>
+            <a:pPr indent="0" lvl="0" marL="0" rtl="0" algn="just">
+              <a:spcBef>
+                <a:spcPts val="0"/>
+              </a:spcBef>
+              <a:spcAft>
+                <a:spcPts val="0"/>
+              </a:spcAft>
+              <a:buNone/>
+            </a:pPr>
+            <a:r>
+              <a:rPr lang="es" sz="2963">
+                <a:solidFill>
+                  <a:schemeClr val="lt1"/>
+                </a:solidFill>
+              </a:rPr>
+              <a:t>Decision Tree:</a:t>
+            </a:r>
+            <a:endParaRPr sz="2963">
+              <a:solidFill>
+                <a:schemeClr val="lt1"/>
+              </a:solidFill>
+            </a:endParaRPr>
+          </a:p>
+          <a:p>
+            <a:pPr indent="0" lvl="0" marL="0" rtl="0" algn="just">
+              <a:spcBef>
+                <a:spcPts val="1200"/>
+              </a:spcBef>
+              <a:spcAft>
+                <a:spcPts val="0"/>
+              </a:spcAft>
+              <a:buNone/>
+            </a:pPr>
+            <a:r>
+              <a:t/>
+            </a:r>
+            <a:endParaRPr sz="5700">
+              <a:solidFill>
+                <a:schemeClr val="lt1"/>
+              </a:solidFill>
+            </a:endParaRPr>
+          </a:p>
+          <a:p>
+            <a:pPr indent="0" lvl="0" marL="0" rtl="0" algn="just">
+              <a:spcBef>
+                <a:spcPts val="1200"/>
+              </a:spcBef>
+              <a:spcAft>
+                <a:spcPts val="0"/>
+              </a:spcAft>
+              <a:buNone/>
+            </a:pPr>
+            <a:r>
+              <a:t/>
+            </a:r>
+            <a:endParaRPr sz="5700">
+              <a:solidFill>
+                <a:schemeClr val="lt1"/>
+              </a:solidFill>
+            </a:endParaRPr>
+          </a:p>
+          <a:p>
+            <a:pPr indent="0" lvl="0" marL="0" rtl="0" algn="just">
+              <a:spcBef>
+                <a:spcPts val="1200"/>
+              </a:spcBef>
+              <a:spcAft>
+                <a:spcPts val="0"/>
+              </a:spcAft>
+              <a:buNone/>
+            </a:pPr>
+            <a:r>
+              <a:t/>
+            </a:r>
+            <a:endParaRPr sz="5700">
+              <a:solidFill>
+                <a:schemeClr val="lt1"/>
+              </a:solidFill>
+            </a:endParaRPr>
+          </a:p>
+          <a:p>
+            <a:pPr indent="0" lvl="0" marL="0" rtl="0" algn="just">
+              <a:spcBef>
+                <a:spcPts val="1200"/>
+              </a:spcBef>
+              <a:spcAft>
+                <a:spcPts val="0"/>
+              </a:spcAft>
+              <a:buNone/>
+            </a:pPr>
+            <a:r>
+              <a:t/>
+            </a:r>
+            <a:endParaRPr sz="5700">
+              <a:solidFill>
+                <a:schemeClr val="lt1"/>
+              </a:solidFill>
+            </a:endParaRPr>
+          </a:p>
+          <a:p>
+            <a:pPr indent="0" lvl="0" marL="0" rtl="0" algn="just">
+              <a:spcBef>
+                <a:spcPts val="1200"/>
+              </a:spcBef>
+              <a:spcAft>
+                <a:spcPts val="0"/>
+              </a:spcAft>
+              <a:buNone/>
+            </a:pPr>
+            <a:r>
+              <a:t/>
+            </a:r>
+            <a:endParaRPr sz="5700">
+              <a:solidFill>
+                <a:schemeClr val="lt1"/>
+              </a:solidFill>
+            </a:endParaRPr>
+          </a:p>
+          <a:p>
+            <a:pPr indent="0" lvl="0" marL="0" rtl="0" algn="just">
+              <a:spcBef>
+                <a:spcPts val="1200"/>
+              </a:spcBef>
+              <a:spcAft>
+                <a:spcPts val="0"/>
+              </a:spcAft>
+              <a:buNone/>
+            </a:pPr>
+            <a:r>
+              <a:t/>
+            </a:r>
+            <a:endParaRPr sz="5700">
+              <a:solidFill>
+                <a:schemeClr val="lt1"/>
+              </a:solidFill>
+            </a:endParaRPr>
+          </a:p>
+          <a:p>
+            <a:pPr indent="0" lvl="0" marL="0" rtl="0" algn="just">
+              <a:spcBef>
+                <a:spcPts val="1200"/>
+              </a:spcBef>
+              <a:spcAft>
+                <a:spcPts val="1200"/>
+              </a:spcAft>
+              <a:buNone/>
+            </a:pPr>
+            <a:r>
+              <a:t/>
+            </a:r>
+            <a:endParaRPr sz="1400">
+              <a:solidFill>
+                <a:schemeClr val="lt1"/>
+              </a:solidFill>
+            </a:endParaRPr>
+          </a:p>
+        </p:txBody>
+      </p:sp>
+      <p:graphicFrame>
+        <p:nvGraphicFramePr>
+          <p:cNvPr id="157" name="Google Shape;157;p27"/>
+          <p:cNvGraphicFramePr/>
+          <p:nvPr/>
+        </p:nvGraphicFramePr>
+        <p:xfrm>
+          <a:off x="1416375" y="667200"/>
+          <a:ext cx="3000000" cy="3000000"/>
+        </p:xfrm>
+        <a:graphic>
+          <a:graphicData uri="http://schemas.openxmlformats.org/drawingml/2006/table">
+            <a:tbl>
+              <a:tblPr>
+                <a:noFill/>
+                <a:tableStyleId>{83C7B077-17C3-4F71-BFF7-95323B211C2F}</a:tableStyleId>
+              </a:tblPr>
+              <a:tblGrid>
+                <a:gridCol w="2257725"/>
+                <a:gridCol w="3785925"/>
+              </a:tblGrid>
+              <a:tr h="323575">
+                <a:tc>
+                  <a:txBody>
+                    <a:bodyPr/>
+                    <a:lstStyle/>
+                    <a:p>
+                      <a:pPr indent="0" lvl="0" marL="0" rtl="0" algn="just">
+                        <a:lnSpc>
+                          <a:spcPct val="115000"/>
+                        </a:lnSpc>
+                        <a:spcBef>
+                          <a:spcPts val="0"/>
+                        </a:spcBef>
+                        <a:spcAft>
+                          <a:spcPts val="1200"/>
+                        </a:spcAft>
+                        <a:buNone/>
+                      </a:pPr>
+                      <a:r>
+                        <a:rPr lang="es" sz="1050">
+                          <a:solidFill>
+                            <a:schemeClr val="lt1"/>
+                          </a:solidFill>
+                          <a:highlight>
+                            <a:srgbClr val="FFFFFF"/>
+                          </a:highlight>
+                          <a:latin typeface="Courier New"/>
+                          <a:ea typeface="Courier New"/>
+                          <a:cs typeface="Courier New"/>
+                          <a:sym typeface="Courier New"/>
+                        </a:rPr>
+                        <a:t>tdm.score</a:t>
+                      </a:r>
+                      <a:endParaRPr/>
+                    </a:p>
+                  </a:txBody>
+                  <a:tcPr marT="91425" marB="91425" marR="91425" marL="91425"/>
+                </a:tc>
+                <a:tc>
+                  <a:txBody>
+                    <a:bodyPr/>
+                    <a:lstStyle/>
+                    <a:p>
+                      <a:pPr indent="0" lvl="0" marL="0" rtl="0" algn="just">
+                        <a:lnSpc>
+                          <a:spcPct val="115000"/>
+                        </a:lnSpc>
+                        <a:spcBef>
+                          <a:spcPts val="0"/>
+                        </a:spcBef>
+                        <a:spcAft>
+                          <a:spcPts val="1200"/>
+                        </a:spcAft>
+                        <a:buNone/>
+                      </a:pPr>
+                      <a:r>
+                        <a:rPr lang="es" sz="1050">
+                          <a:solidFill>
+                            <a:schemeClr val="lt1"/>
+                          </a:solidFill>
+                          <a:highlight>
+                            <a:srgbClr val="FFFFFF"/>
+                          </a:highlight>
+                          <a:latin typeface="Courier New"/>
+                          <a:ea typeface="Courier New"/>
+                          <a:cs typeface="Courier New"/>
+                          <a:sym typeface="Courier New"/>
+                        </a:rPr>
+                        <a:t>0.9963076923076923</a:t>
+                      </a:r>
+                      <a:endParaRPr/>
+                    </a:p>
+                  </a:txBody>
+                  <a:tcPr marT="91425" marB="91425" marR="91425" marL="91425"/>
+                </a:tc>
+              </a:tr>
+              <a:tr h="323575">
+                <a:tc>
+                  <a:txBody>
+                    <a:bodyPr/>
+                    <a:lstStyle/>
+                    <a:p>
+                      <a:pPr indent="0" lvl="0" marL="0" rtl="0" algn="just">
+                        <a:lnSpc>
+                          <a:spcPct val="115000"/>
+                        </a:lnSpc>
+                        <a:spcBef>
+                          <a:spcPts val="0"/>
+                        </a:spcBef>
+                        <a:spcAft>
+                          <a:spcPts val="1200"/>
+                        </a:spcAft>
+                        <a:buNone/>
+                      </a:pPr>
+                      <a:r>
+                        <a:rPr lang="es" sz="1050">
+                          <a:solidFill>
+                            <a:schemeClr val="lt1"/>
+                          </a:solidFill>
+                          <a:highlight>
+                            <a:srgbClr val="FFFFFF"/>
+                          </a:highlight>
+                          <a:latin typeface="Courier New"/>
+                          <a:ea typeface="Courier New"/>
+                          <a:cs typeface="Courier New"/>
+                          <a:sym typeface="Courier New"/>
+                        </a:rPr>
+                        <a:t>Precision</a:t>
+                      </a:r>
+                      <a:endParaRPr/>
+                    </a:p>
+                  </a:txBody>
+                  <a:tcPr marT="91425" marB="91425" marR="91425" marL="91425"/>
+                </a:tc>
+                <a:tc>
+                  <a:txBody>
+                    <a:bodyPr/>
+                    <a:lstStyle/>
+                    <a:p>
+                      <a:pPr indent="0" lvl="0" marL="0" rtl="0" algn="just">
+                        <a:lnSpc>
+                          <a:spcPct val="115000"/>
+                        </a:lnSpc>
+                        <a:spcBef>
+                          <a:spcPts val="0"/>
+                        </a:spcBef>
+                        <a:spcAft>
+                          <a:spcPts val="1200"/>
+                        </a:spcAft>
+                        <a:buNone/>
+                      </a:pPr>
+                      <a:r>
+                        <a:rPr lang="es" sz="1050">
+                          <a:solidFill>
+                            <a:schemeClr val="lt1"/>
+                          </a:solidFill>
+                          <a:highlight>
+                            <a:srgbClr val="FFFFFF"/>
+                          </a:highlight>
+                          <a:latin typeface="Courier New"/>
+                          <a:ea typeface="Courier New"/>
+                          <a:cs typeface="Courier New"/>
+                          <a:sym typeface="Courier New"/>
+                        </a:rPr>
+                        <a:t>0.9963076923076923</a:t>
+                      </a:r>
+                      <a:endParaRPr/>
+                    </a:p>
+                  </a:txBody>
+                  <a:tcPr marT="91425" marB="91425" marR="91425" marL="91425"/>
+                </a:tc>
+              </a:tr>
+              <a:tr h="323575">
+                <a:tc>
+                  <a:txBody>
+                    <a:bodyPr/>
+                    <a:lstStyle/>
+                    <a:p>
+                      <a:pPr indent="0" lvl="0" marL="0" rtl="0" algn="just">
+                        <a:lnSpc>
+                          <a:spcPct val="115000"/>
+                        </a:lnSpc>
+                        <a:spcBef>
+                          <a:spcPts val="0"/>
+                        </a:spcBef>
+                        <a:spcAft>
+                          <a:spcPts val="1200"/>
+                        </a:spcAft>
+                        <a:buNone/>
+                      </a:pPr>
+                      <a:r>
+                        <a:rPr lang="es" sz="1050">
+                          <a:solidFill>
+                            <a:schemeClr val="lt1"/>
+                          </a:solidFill>
+                          <a:highlight>
+                            <a:srgbClr val="FFFFFF"/>
+                          </a:highlight>
+                          <a:latin typeface="Courier New"/>
+                          <a:ea typeface="Courier New"/>
+                          <a:cs typeface="Courier New"/>
+                          <a:sym typeface="Courier New"/>
+                        </a:rPr>
+                        <a:t>Recall</a:t>
+                      </a:r>
+                      <a:endParaRPr/>
+                    </a:p>
+                  </a:txBody>
+                  <a:tcPr marT="91425" marB="91425" marR="91425" marL="91425"/>
+                </a:tc>
+                <a:tc>
+                  <a:txBody>
+                    <a:bodyPr/>
+                    <a:lstStyle/>
+                    <a:p>
+                      <a:pPr indent="0" lvl="0" marL="0" rtl="0" algn="just">
+                        <a:lnSpc>
+                          <a:spcPct val="115000"/>
+                        </a:lnSpc>
+                        <a:spcBef>
+                          <a:spcPts val="0"/>
+                        </a:spcBef>
+                        <a:spcAft>
+                          <a:spcPts val="1200"/>
+                        </a:spcAft>
+                        <a:buNone/>
+                      </a:pPr>
+                      <a:r>
+                        <a:rPr lang="es" sz="1050">
+                          <a:solidFill>
+                            <a:schemeClr val="lt1"/>
+                          </a:solidFill>
+                          <a:highlight>
+                            <a:srgbClr val="FFFFFF"/>
+                          </a:highlight>
+                          <a:latin typeface="Courier New"/>
+                          <a:ea typeface="Courier New"/>
+                          <a:cs typeface="Courier New"/>
+                          <a:sym typeface="Courier New"/>
+                        </a:rPr>
+                        <a:t>0.9963076923076923</a:t>
+                      </a:r>
+                      <a:endParaRPr/>
+                    </a:p>
+                  </a:txBody>
+                  <a:tcPr marT="91425" marB="91425" marR="91425" marL="91425"/>
+                </a:tc>
+              </a:tr>
+              <a:tr h="100000">
+                <a:tc>
+                  <a:txBody>
+                    <a:bodyPr/>
+                    <a:lstStyle/>
+                    <a:p>
+                      <a:pPr indent="0" lvl="0" marL="0" rtl="0" algn="just">
+                        <a:lnSpc>
+                          <a:spcPct val="115000"/>
+                        </a:lnSpc>
+                        <a:spcBef>
+                          <a:spcPts val="0"/>
+                        </a:spcBef>
+                        <a:spcAft>
+                          <a:spcPts val="1200"/>
+                        </a:spcAft>
+                        <a:buNone/>
+                      </a:pPr>
+                      <a:r>
+                        <a:rPr lang="es" sz="1050">
+                          <a:solidFill>
+                            <a:schemeClr val="lt1"/>
+                          </a:solidFill>
+                          <a:highlight>
+                            <a:srgbClr val="FFFFFF"/>
+                          </a:highlight>
+                          <a:latin typeface="Courier New"/>
+                          <a:ea typeface="Courier New"/>
+                          <a:cs typeface="Courier New"/>
+                          <a:sym typeface="Courier New"/>
+                        </a:rPr>
+                        <a:t>f1_score</a:t>
+                      </a:r>
+                      <a:endParaRPr/>
+                    </a:p>
+                  </a:txBody>
+                  <a:tcPr marT="91425" marB="91425" marR="91425" marL="91425"/>
+                </a:tc>
+                <a:tc>
+                  <a:txBody>
+                    <a:bodyPr/>
+                    <a:lstStyle/>
+                    <a:p>
+                      <a:pPr indent="0" lvl="0" marL="0" rtl="0" algn="just">
+                        <a:lnSpc>
+                          <a:spcPct val="115000"/>
+                        </a:lnSpc>
+                        <a:spcBef>
+                          <a:spcPts val="0"/>
+                        </a:spcBef>
+                        <a:spcAft>
+                          <a:spcPts val="1200"/>
+                        </a:spcAft>
+                        <a:buNone/>
+                      </a:pPr>
+                      <a:r>
+                        <a:rPr lang="es" sz="1050">
+                          <a:solidFill>
+                            <a:schemeClr val="lt1"/>
+                          </a:solidFill>
+                          <a:highlight>
+                            <a:srgbClr val="FFFFFF"/>
+                          </a:highlight>
+                          <a:latin typeface="Courier New"/>
+                          <a:ea typeface="Courier New"/>
+                          <a:cs typeface="Courier New"/>
+                          <a:sym typeface="Courier New"/>
+                        </a:rPr>
+                        <a:t>0.9963076923076923</a:t>
+                      </a:r>
+                      <a:endParaRPr/>
+                    </a:p>
+                  </a:txBody>
+                  <a:tcPr marT="91425" marB="91425" marR="91425" marL="91425"/>
+                </a:tc>
+              </a:tr>
+            </a:tbl>
+          </a:graphicData>
+        </a:graphic>
+      </p:graphicFrame>
+      <p:pic>
+        <p:nvPicPr>
+          <p:cNvPr id="158" name="Google Shape;158;p27"/>
+          <p:cNvPicPr preferRelativeResize="0"/>
+          <p:nvPr/>
+        </p:nvPicPr>
+        <p:blipFill>
+          <a:blip r:embed="rId3">
+            <a:alphaModFix/>
+          </a:blip>
+          <a:stretch>
+            <a:fillRect/>
+          </a:stretch>
+        </p:blipFill>
+        <p:spPr>
+          <a:xfrm>
+            <a:off x="897250" y="2289800"/>
+            <a:ext cx="6923525" cy="2968000"/>
+          </a:xfrm>
+          <a:prstGeom prst="rect">
+            <a:avLst/>
+          </a:prstGeom>
+          <a:noFill/>
+          <a:ln>
+            <a:noFill/>
+          </a:ln>
+        </p:spPr>
+      </p:pic>
+    </p:spTree>
+  </p:cSld>
+  <p:clrMapOvr>
+    <a:masterClrMapping/>
+  </p:clrMapOvr>
+</p:sld>
+</file>
+
+<file path=ppt/slides/slide16.xml><?xml version="1.0" encoding="utf-8"?>
+<p:sld xmlns:a="http://schemas.openxmlformats.org/drawingml/2006/main" xmlns:r="http://schemas.openxmlformats.org/officeDocument/2006/relationships" xmlns:mc="http://schemas.openxmlformats.org/markup-compatibility/2006" xmlns:mv="urn:schemas-microsoft-com:mac:vml" xmlns:p="http://schemas.openxmlformats.org/presentationml/2006/main" xmlns:c="http://schemas.openxmlformats.org/drawingml/2006/chart" xmlns:dgm="http://schemas.openxmlformats.org/drawingml/2006/diagram" xmlns:o="urn:schemas-microsoft-com:office:office" xmlns:v="urn:schemas-microsoft-com:vml" xmlns:pvml="urn:schemas-microsoft-com:office:powerpoint" xmlns:com="http://schemas.openxmlformats.org/drawingml/2006/compatibility" xmlns:p14="http://schemas.microsoft.com/office/powerpoint/2010/main" xmlns:p15="http://schemas.microsoft.com/office/powerpoint/2012/main" xmlns:ahyp="http://schemas.microsoft.com/office/drawing/2018/hyperlinkcolor">
+  <p:cSld>
+    <p:bg>
+      <p:bgPr>
+        <a:solidFill>
+          <a:schemeClr val="dk1"/>
+        </a:solidFill>
+      </p:bgPr>
+    </p:bg>
+    <p:spTree>
+      <p:nvGrpSpPr>
+        <p:cNvPr id="162" name="Shape 162"/>
+        <p:cNvGrpSpPr/>
+        <p:nvPr/>
+      </p:nvGrpSpPr>
+      <p:grpSpPr>
+        <a:xfrm>
+          <a:off x="0" y="0"/>
+          <a:ext cx="0" cy="0"/>
+          <a:chOff x="0" y="0"/>
+          <a:chExt cx="0" cy="0"/>
+        </a:xfrm>
+      </p:grpSpPr>
+      <p:sp>
+        <p:nvSpPr>
+          <p:cNvPr id="163" name="Google Shape;163;p28"/>
+          <p:cNvSpPr txBox="1"/>
+          <p:nvPr>
+            <p:ph idx="1" type="body"/>
+          </p:nvPr>
+        </p:nvSpPr>
+        <p:spPr>
+          <a:xfrm>
+            <a:off x="268675" y="286200"/>
+            <a:ext cx="8486700" cy="4190700"/>
+          </a:xfrm>
+          <a:prstGeom prst="rect">
+            <a:avLst/>
+          </a:prstGeom>
+        </p:spPr>
+        <p:txBody>
+          <a:bodyPr anchorCtr="0" anchor="t" bIns="91425" lIns="91425" spcFirstLastPara="1" rIns="91425" wrap="square" tIns="91425">
+            <a:normAutofit fontScale="47500" lnSpcReduction="10000"/>
+          </a:bodyPr>
+          <a:lstStyle/>
+          <a:p>
+            <a:pPr indent="0" lvl="0" marL="0" rtl="0" algn="just">
+              <a:spcBef>
+                <a:spcPts val="0"/>
+              </a:spcBef>
+              <a:spcAft>
+                <a:spcPts val="0"/>
+              </a:spcAft>
+              <a:buNone/>
+            </a:pPr>
+            <a:r>
+              <a:rPr lang="es" sz="2963">
+                <a:solidFill>
+                  <a:schemeClr val="lt1"/>
+                </a:solidFill>
+              </a:rPr>
+              <a:t>Logistic Classifier</a:t>
+            </a:r>
+            <a:r>
+              <a:rPr lang="es" sz="2963">
+                <a:solidFill>
+                  <a:schemeClr val="lt1"/>
+                </a:solidFill>
+              </a:rPr>
+              <a:t>:</a:t>
+            </a:r>
+            <a:endParaRPr sz="2963">
+              <a:solidFill>
+                <a:schemeClr val="lt1"/>
+              </a:solidFill>
+            </a:endParaRPr>
+          </a:p>
+          <a:p>
+            <a:pPr indent="0" lvl="0" marL="0" rtl="0" algn="just">
+              <a:spcBef>
+                <a:spcPts val="1200"/>
+              </a:spcBef>
+              <a:spcAft>
+                <a:spcPts val="0"/>
+              </a:spcAft>
+              <a:buNone/>
+            </a:pPr>
+            <a:r>
+              <a:t/>
+            </a:r>
+            <a:endParaRPr sz="5700">
+              <a:solidFill>
+                <a:schemeClr val="lt1"/>
+              </a:solidFill>
+            </a:endParaRPr>
+          </a:p>
+          <a:p>
+            <a:pPr indent="0" lvl="0" marL="0" rtl="0" algn="just">
+              <a:spcBef>
+                <a:spcPts val="1200"/>
+              </a:spcBef>
+              <a:spcAft>
+                <a:spcPts val="0"/>
+              </a:spcAft>
+              <a:buNone/>
+            </a:pPr>
+            <a:r>
+              <a:t/>
+            </a:r>
+            <a:endParaRPr sz="5700">
+              <a:solidFill>
+                <a:schemeClr val="lt1"/>
+              </a:solidFill>
+            </a:endParaRPr>
+          </a:p>
+          <a:p>
+            <a:pPr indent="0" lvl="0" marL="0" rtl="0" algn="just">
+              <a:spcBef>
+                <a:spcPts val="1200"/>
+              </a:spcBef>
+              <a:spcAft>
+                <a:spcPts val="0"/>
+              </a:spcAft>
+              <a:buNone/>
+            </a:pPr>
+            <a:r>
+              <a:t/>
+            </a:r>
+            <a:endParaRPr sz="5700">
+              <a:solidFill>
+                <a:schemeClr val="lt1"/>
+              </a:solidFill>
+            </a:endParaRPr>
+          </a:p>
+          <a:p>
+            <a:pPr indent="0" lvl="0" marL="0" rtl="0" algn="just">
+              <a:spcBef>
+                <a:spcPts val="1200"/>
+              </a:spcBef>
+              <a:spcAft>
+                <a:spcPts val="0"/>
+              </a:spcAft>
+              <a:buNone/>
+            </a:pPr>
+            <a:r>
+              <a:t/>
+            </a:r>
+            <a:endParaRPr sz="5700">
+              <a:solidFill>
+                <a:schemeClr val="lt1"/>
+              </a:solidFill>
+            </a:endParaRPr>
+          </a:p>
+          <a:p>
+            <a:pPr indent="0" lvl="0" marL="0" rtl="0" algn="just">
+              <a:spcBef>
+                <a:spcPts val="1200"/>
+              </a:spcBef>
+              <a:spcAft>
+                <a:spcPts val="0"/>
+              </a:spcAft>
+              <a:buNone/>
+            </a:pPr>
+            <a:r>
+              <a:t/>
+            </a:r>
+            <a:endParaRPr sz="5700">
+              <a:solidFill>
+                <a:schemeClr val="lt1"/>
+              </a:solidFill>
+            </a:endParaRPr>
+          </a:p>
+          <a:p>
+            <a:pPr indent="0" lvl="0" marL="0" rtl="0" algn="just">
+              <a:spcBef>
+                <a:spcPts val="1200"/>
+              </a:spcBef>
+              <a:spcAft>
+                <a:spcPts val="0"/>
+              </a:spcAft>
+              <a:buNone/>
+            </a:pPr>
+            <a:r>
+              <a:t/>
+            </a:r>
+            <a:endParaRPr sz="5700">
+              <a:solidFill>
+                <a:schemeClr val="lt1"/>
+              </a:solidFill>
+            </a:endParaRPr>
+          </a:p>
+          <a:p>
+            <a:pPr indent="0" lvl="0" marL="0" rtl="0" algn="just">
+              <a:spcBef>
+                <a:spcPts val="1200"/>
+              </a:spcBef>
+              <a:spcAft>
+                <a:spcPts val="1200"/>
+              </a:spcAft>
+              <a:buNone/>
+            </a:pPr>
+            <a:r>
+              <a:t/>
+            </a:r>
+            <a:endParaRPr sz="1400">
+              <a:solidFill>
+                <a:schemeClr val="lt1"/>
+              </a:solidFill>
+            </a:endParaRPr>
+          </a:p>
+        </p:txBody>
+      </p:sp>
+      <p:graphicFrame>
+        <p:nvGraphicFramePr>
+          <p:cNvPr id="164" name="Google Shape;164;p28"/>
+          <p:cNvGraphicFramePr/>
+          <p:nvPr/>
+        </p:nvGraphicFramePr>
+        <p:xfrm>
+          <a:off x="1416375" y="667200"/>
+          <a:ext cx="3000000" cy="3000000"/>
+        </p:xfrm>
+        <a:graphic>
+          <a:graphicData uri="http://schemas.openxmlformats.org/drawingml/2006/table">
+            <a:tbl>
+              <a:tblPr>
+                <a:noFill/>
+                <a:tableStyleId>{83C7B077-17C3-4F71-BFF7-95323B211C2F}</a:tableStyleId>
+              </a:tblPr>
+              <a:tblGrid>
+                <a:gridCol w="2257725"/>
+                <a:gridCol w="3785925"/>
+              </a:tblGrid>
+              <a:tr h="323575">
+                <a:tc>
+                  <a:txBody>
+                    <a:bodyPr/>
+                    <a:lstStyle/>
+                    <a:p>
+                      <a:pPr indent="0" lvl="0" marL="0" rtl="0" algn="just">
+                        <a:lnSpc>
+                          <a:spcPct val="115000"/>
+                        </a:lnSpc>
+                        <a:spcBef>
+                          <a:spcPts val="0"/>
+                        </a:spcBef>
+                        <a:spcAft>
+                          <a:spcPts val="1200"/>
+                        </a:spcAft>
+                        <a:buNone/>
+                      </a:pPr>
+                      <a:r>
+                        <a:rPr lang="es" sz="1050">
+                          <a:solidFill>
+                            <a:schemeClr val="lt1"/>
+                          </a:solidFill>
+                          <a:highlight>
+                            <a:srgbClr val="FFFFFF"/>
+                          </a:highlight>
+                          <a:latin typeface="Courier New"/>
+                          <a:ea typeface="Courier New"/>
+                          <a:cs typeface="Courier New"/>
+                          <a:sym typeface="Courier New"/>
+                        </a:rPr>
+                        <a:t>Precision</a:t>
+                      </a:r>
+                      <a:endParaRPr/>
+                    </a:p>
+                  </a:txBody>
+                  <a:tcPr marT="91425" marB="91425" marR="91425" marL="91425"/>
+                </a:tc>
+                <a:tc>
+                  <a:txBody>
+                    <a:bodyPr/>
+                    <a:lstStyle/>
+                    <a:p>
+                      <a:pPr indent="0" lvl="0" marL="0" rtl="0" algn="just">
+                        <a:lnSpc>
+                          <a:spcPct val="115000"/>
+                        </a:lnSpc>
+                        <a:spcBef>
+                          <a:spcPts val="0"/>
+                        </a:spcBef>
+                        <a:spcAft>
+                          <a:spcPts val="1200"/>
+                        </a:spcAft>
+                        <a:buNone/>
+                      </a:pPr>
+                      <a:r>
+                        <a:rPr lang="es" sz="1050">
+                          <a:solidFill>
+                            <a:schemeClr val="lt1"/>
+                          </a:solidFill>
+                          <a:highlight>
+                            <a:srgbClr val="FFFFFF"/>
+                          </a:highlight>
+                          <a:latin typeface="Courier New"/>
+                          <a:ea typeface="Courier New"/>
+                          <a:cs typeface="Courier New"/>
+                          <a:sym typeface="Courier New"/>
+                        </a:rPr>
+                        <a:t>0.9975381585425899</a:t>
+                      </a:r>
+                      <a:endParaRPr/>
+                    </a:p>
+                  </a:txBody>
+                  <a:tcPr marT="91425" marB="91425" marR="91425" marL="91425"/>
+                </a:tc>
+              </a:tr>
+              <a:tr h="323575">
+                <a:tc>
+                  <a:txBody>
+                    <a:bodyPr/>
+                    <a:lstStyle/>
+                    <a:p>
+                      <a:pPr indent="0" lvl="0" marL="0" rtl="0" algn="just">
+                        <a:lnSpc>
+                          <a:spcPct val="115000"/>
+                        </a:lnSpc>
+                        <a:spcBef>
+                          <a:spcPts val="0"/>
+                        </a:spcBef>
+                        <a:spcAft>
+                          <a:spcPts val="1200"/>
+                        </a:spcAft>
+                        <a:buNone/>
+                      </a:pPr>
+                      <a:r>
+                        <a:rPr lang="es" sz="1050">
+                          <a:solidFill>
+                            <a:schemeClr val="lt1"/>
+                          </a:solidFill>
+                          <a:highlight>
+                            <a:srgbClr val="FFFFFF"/>
+                          </a:highlight>
+                          <a:latin typeface="Courier New"/>
+                          <a:ea typeface="Courier New"/>
+                          <a:cs typeface="Courier New"/>
+                          <a:sym typeface="Courier New"/>
+                        </a:rPr>
+                        <a:t>f1_score</a:t>
+                      </a:r>
+                      <a:endParaRPr/>
+                    </a:p>
+                  </a:txBody>
+                  <a:tcPr marT="91425" marB="91425" marR="91425" marL="91425"/>
+                </a:tc>
+                <a:tc>
+                  <a:txBody>
+                    <a:bodyPr/>
+                    <a:lstStyle/>
+                    <a:p>
+                      <a:pPr indent="0" lvl="0" marL="0" rtl="0" algn="just">
+                        <a:lnSpc>
+                          <a:spcPct val="115000"/>
+                        </a:lnSpc>
+                        <a:spcBef>
+                          <a:spcPts val="0"/>
+                        </a:spcBef>
+                        <a:spcAft>
+                          <a:spcPts val="1200"/>
+                        </a:spcAft>
+                        <a:buNone/>
+                      </a:pPr>
+                      <a:r>
+                        <a:rPr lang="es" sz="1050">
+                          <a:solidFill>
+                            <a:schemeClr val="lt1"/>
+                          </a:solidFill>
+                          <a:highlight>
+                            <a:srgbClr val="FFFFFF"/>
+                          </a:highlight>
+                          <a:latin typeface="Courier New"/>
+                          <a:ea typeface="Courier New"/>
+                          <a:cs typeface="Courier New"/>
+                          <a:sym typeface="Courier New"/>
+                        </a:rPr>
+                        <a:t>0.9975381585425899</a:t>
+                      </a:r>
+                      <a:endParaRPr/>
+                    </a:p>
+                  </a:txBody>
+                  <a:tcPr marT="91425" marB="91425" marR="91425" marL="91425"/>
+                </a:tc>
+              </a:tr>
+              <a:tr h="323575">
+                <a:tc>
+                  <a:txBody>
+                    <a:bodyPr/>
+                    <a:lstStyle/>
+                    <a:p>
+                      <a:pPr indent="0" lvl="0" marL="0" rtl="0" algn="just">
+                        <a:lnSpc>
+                          <a:spcPct val="115000"/>
+                        </a:lnSpc>
+                        <a:spcBef>
+                          <a:spcPts val="0"/>
+                        </a:spcBef>
+                        <a:spcAft>
+                          <a:spcPts val="1200"/>
+                        </a:spcAft>
+                        <a:buNone/>
+                      </a:pPr>
+                      <a:r>
+                        <a:rPr lang="es" sz="1050">
+                          <a:solidFill>
+                            <a:schemeClr val="lt1"/>
+                          </a:solidFill>
+                          <a:highlight>
+                            <a:srgbClr val="FFFFFF"/>
+                          </a:highlight>
+                          <a:latin typeface="Courier New"/>
+                          <a:ea typeface="Courier New"/>
+                          <a:cs typeface="Courier New"/>
+                          <a:sym typeface="Courier New"/>
+                        </a:rPr>
+                        <a:t>accuracy</a:t>
+                      </a:r>
+                      <a:endParaRPr/>
+                    </a:p>
+                  </a:txBody>
+                  <a:tcPr marT="91425" marB="91425" marR="91425" marL="91425"/>
+                </a:tc>
+                <a:tc>
+                  <a:txBody>
+                    <a:bodyPr/>
+                    <a:lstStyle/>
+                    <a:p>
+                      <a:pPr indent="0" lvl="0" marL="0" rtl="0" algn="just">
+                        <a:lnSpc>
+                          <a:spcPct val="115000"/>
+                        </a:lnSpc>
+                        <a:spcBef>
+                          <a:spcPts val="0"/>
+                        </a:spcBef>
+                        <a:spcAft>
+                          <a:spcPts val="1200"/>
+                        </a:spcAft>
+                        <a:buNone/>
+                      </a:pPr>
+                      <a:r>
+                        <a:rPr lang="es" sz="1050">
+                          <a:solidFill>
+                            <a:schemeClr val="lt1"/>
+                          </a:solidFill>
+                          <a:highlight>
+                            <a:srgbClr val="FFFFFF"/>
+                          </a:highlight>
+                          <a:latin typeface="Courier New"/>
+                          <a:ea typeface="Courier New"/>
+                          <a:cs typeface="Courier New"/>
+                          <a:sym typeface="Courier New"/>
+                        </a:rPr>
+                        <a:t>0.9975381585425899</a:t>
+                      </a:r>
+                      <a:endParaRPr/>
+                    </a:p>
+                  </a:txBody>
+                  <a:tcPr marT="91425" marB="91425" marR="91425" marL="91425"/>
+                </a:tc>
+              </a:tr>
+            </a:tbl>
+          </a:graphicData>
+        </a:graphic>
+      </p:graphicFrame>
+      <p:pic>
+        <p:nvPicPr>
+          <p:cNvPr id="165" name="Google Shape;165;p28"/>
+          <p:cNvPicPr preferRelativeResize="0"/>
+          <p:nvPr/>
+        </p:nvPicPr>
+        <p:blipFill>
+          <a:blip r:embed="rId3">
+            <a:alphaModFix/>
+          </a:blip>
+          <a:stretch>
+            <a:fillRect/>
+          </a:stretch>
+        </p:blipFill>
+        <p:spPr>
+          <a:xfrm>
+            <a:off x="1030600" y="1965950"/>
+            <a:ext cx="6527499" cy="3253750"/>
+          </a:xfrm>
+          <a:prstGeom prst="rect">
+            <a:avLst/>
+          </a:prstGeom>
+          <a:noFill/>
+          <a:ln>
+            <a:noFill/>
+          </a:ln>
+        </p:spPr>
+      </p:pic>
+    </p:spTree>
+  </p:cSld>
+  <p:clrMapOvr>
+    <a:masterClrMapping/>
+  </p:clrMapOvr>
+</p:sld>
+</file>
+
+<file path=ppt/slides/slide17.xml><?xml version="1.0" encoding="utf-8"?>
+<p:sld xmlns:a="http://schemas.openxmlformats.org/drawingml/2006/main" xmlns:r="http://schemas.openxmlformats.org/officeDocument/2006/relationships" xmlns:mc="http://schemas.openxmlformats.org/markup-compatibility/2006" xmlns:mv="urn:schemas-microsoft-com:mac:vml" xmlns:p="http://schemas.openxmlformats.org/presentationml/2006/main" xmlns:c="http://schemas.openxmlformats.org/drawingml/2006/chart" xmlns:dgm="http://schemas.openxmlformats.org/drawingml/2006/diagram" xmlns:o="urn:schemas-microsoft-com:office:office" xmlns:v="urn:schemas-microsoft-com:vml" xmlns:pvml="urn:schemas-microsoft-com:office:powerpoint" xmlns:com="http://schemas.openxmlformats.org/drawingml/2006/compatibility" xmlns:p14="http://schemas.microsoft.com/office/powerpoint/2010/main" xmlns:p15="http://schemas.microsoft.com/office/powerpoint/2012/main" xmlns:ahyp="http://schemas.microsoft.com/office/drawing/2018/hyperlinkcolor">
+  <p:cSld>
+    <p:bg>
+      <p:bgPr>
+        <a:solidFill>
+          <a:schemeClr val="dk1"/>
+        </a:solidFill>
+      </p:bgPr>
+    </p:bg>
+    <p:spTree>
+      <p:nvGrpSpPr>
+        <p:cNvPr id="169" name="Shape 169"/>
+        <p:cNvGrpSpPr/>
+        <p:nvPr/>
+      </p:nvGrpSpPr>
+      <p:grpSpPr>
+        <a:xfrm>
+          <a:off x="0" y="0"/>
+          <a:ext cx="0" cy="0"/>
+          <a:chOff x="0" y="0"/>
+          <a:chExt cx="0" cy="0"/>
+        </a:xfrm>
+      </p:grpSpPr>
+      <p:sp>
+        <p:nvSpPr>
+          <p:cNvPr id="170" name="Google Shape;170;p29"/>
+          <p:cNvSpPr txBox="1"/>
+          <p:nvPr>
+            <p:ph idx="1" type="body"/>
+          </p:nvPr>
+        </p:nvSpPr>
+        <p:spPr>
+          <a:xfrm>
+            <a:off x="468625" y="784850"/>
+            <a:ext cx="7953300" cy="2105100"/>
+          </a:xfrm>
+          <a:prstGeom prst="rect">
+            <a:avLst/>
+          </a:prstGeom>
+        </p:spPr>
+        <p:txBody>
+          <a:bodyPr anchorCtr="0" anchor="t" bIns="91425" lIns="91425" spcFirstLastPara="1" rIns="91425" wrap="square" tIns="91425">
+            <a:normAutofit fontScale="25000" lnSpcReduction="20000"/>
+          </a:bodyPr>
+          <a:lstStyle/>
+          <a:p>
+            <a:pPr indent="0" lvl="0" marL="0" rtl="0" algn="just">
+              <a:spcBef>
+                <a:spcPts val="0"/>
+              </a:spcBef>
+              <a:spcAft>
+                <a:spcPts val="0"/>
+              </a:spcAft>
+              <a:buNone/>
+            </a:pPr>
+            <a:r>
+              <a:rPr lang="es" sz="5763">
+                <a:solidFill>
+                  <a:schemeClr val="lt1"/>
+                </a:solidFill>
+              </a:rPr>
+              <a:t>En base a los resultados obtenidos por los diversos modelos entrenados, podemos concluir que todos concuerdan en cuanto a las predicciones arrojadas en cuanto a las </a:t>
+            </a:r>
+            <a:r>
+              <a:rPr lang="es" sz="5763">
+                <a:solidFill>
+                  <a:schemeClr val="lt1"/>
+                </a:solidFill>
+              </a:rPr>
+              <a:t>características</a:t>
+            </a:r>
+            <a:r>
+              <a:rPr lang="es" sz="5763">
+                <a:solidFill>
+                  <a:schemeClr val="lt1"/>
+                </a:solidFill>
+              </a:rPr>
+              <a:t> que se deseaban medir (comestibles o venenoso). Parte de esto se debe a que también la predicción se basa en solo 2 resultados.</a:t>
+            </a:r>
+            <a:endParaRPr sz="5763">
+              <a:solidFill>
+                <a:schemeClr val="lt1"/>
+              </a:solidFill>
+            </a:endParaRPr>
+          </a:p>
+          <a:p>
+            <a:pPr indent="0" lvl="0" marL="0" rtl="0" algn="just">
+              <a:spcBef>
+                <a:spcPts val="1200"/>
+              </a:spcBef>
+              <a:spcAft>
+                <a:spcPts val="0"/>
+              </a:spcAft>
+              <a:buNone/>
+            </a:pPr>
+            <a:r>
+              <a:rPr lang="es" sz="5763">
+                <a:solidFill>
+                  <a:schemeClr val="lt1"/>
+                </a:solidFill>
+              </a:rPr>
+              <a:t>Por otro lado es importante resaltar que la exploración previa de los datos, nos ayuda a crear mediante pequeños datos una idea o mapa más generalizado de </a:t>
+            </a:r>
+            <a:r>
+              <a:rPr lang="es" sz="5763">
+                <a:solidFill>
+                  <a:schemeClr val="lt1"/>
+                </a:solidFill>
+              </a:rPr>
+              <a:t>cómo</a:t>
+            </a:r>
+            <a:r>
+              <a:rPr lang="es" sz="5763">
+                <a:solidFill>
+                  <a:schemeClr val="lt1"/>
+                </a:solidFill>
+              </a:rPr>
+              <a:t> se comportan los datos y anidar pequeñas respuestas que sumadas se convierten en nueva información.</a:t>
+            </a:r>
+            <a:endParaRPr sz="5763">
+              <a:solidFill>
+                <a:schemeClr val="lt1"/>
+              </a:solidFill>
+            </a:endParaRPr>
+          </a:p>
+          <a:p>
+            <a:pPr indent="0" lvl="0" marL="0" rtl="0" algn="just">
+              <a:spcBef>
+                <a:spcPts val="1200"/>
+              </a:spcBef>
+              <a:spcAft>
+                <a:spcPts val="0"/>
+              </a:spcAft>
+              <a:buNone/>
+            </a:pPr>
+            <a:r>
+              <a:t/>
+            </a:r>
+            <a:endParaRPr sz="5700">
+              <a:solidFill>
+                <a:schemeClr val="lt1"/>
+              </a:solidFill>
+            </a:endParaRPr>
+          </a:p>
+          <a:p>
+            <a:pPr indent="0" lvl="0" marL="0" rtl="0" algn="just">
+              <a:spcBef>
+                <a:spcPts val="1200"/>
+              </a:spcBef>
+              <a:spcAft>
+                <a:spcPts val="0"/>
+              </a:spcAft>
+              <a:buNone/>
+            </a:pPr>
+            <a:r>
+              <a:t/>
+            </a:r>
+            <a:endParaRPr sz="5700">
+              <a:solidFill>
+                <a:schemeClr val="lt1"/>
+              </a:solidFill>
+            </a:endParaRPr>
+          </a:p>
+          <a:p>
+            <a:pPr indent="0" lvl="0" marL="0" rtl="0" algn="just">
+              <a:spcBef>
+                <a:spcPts val="1200"/>
+              </a:spcBef>
+              <a:spcAft>
+                <a:spcPts val="0"/>
+              </a:spcAft>
+              <a:buNone/>
+            </a:pPr>
+            <a:r>
+              <a:t/>
+            </a:r>
+            <a:endParaRPr sz="5700">
+              <a:solidFill>
+                <a:schemeClr val="lt1"/>
+              </a:solidFill>
+            </a:endParaRPr>
+          </a:p>
+          <a:p>
+            <a:pPr indent="0" lvl="0" marL="0" rtl="0" algn="just">
+              <a:spcBef>
+                <a:spcPts val="1200"/>
+              </a:spcBef>
+              <a:spcAft>
+                <a:spcPts val="0"/>
+              </a:spcAft>
+              <a:buNone/>
+            </a:pPr>
+            <a:r>
+              <a:t/>
+            </a:r>
+            <a:endParaRPr sz="5700">
+              <a:solidFill>
+                <a:schemeClr val="lt1"/>
+              </a:solidFill>
+            </a:endParaRPr>
+          </a:p>
+          <a:p>
+            <a:pPr indent="0" lvl="0" marL="0" rtl="0" algn="just">
+              <a:spcBef>
+                <a:spcPts val="1200"/>
+              </a:spcBef>
+              <a:spcAft>
+                <a:spcPts val="0"/>
+              </a:spcAft>
+              <a:buNone/>
+            </a:pPr>
+            <a:r>
+              <a:t/>
+            </a:r>
+            <a:endParaRPr sz="5700">
+              <a:solidFill>
+                <a:schemeClr val="lt1"/>
+              </a:solidFill>
+            </a:endParaRPr>
+          </a:p>
+          <a:p>
+            <a:pPr indent="0" lvl="0" marL="0" rtl="0" algn="just">
+              <a:spcBef>
+                <a:spcPts val="1200"/>
+              </a:spcBef>
+              <a:spcAft>
+                <a:spcPts val="0"/>
+              </a:spcAft>
+              <a:buNone/>
+            </a:pPr>
+            <a:r>
+              <a:t/>
+            </a:r>
+            <a:endParaRPr sz="5700">
+              <a:solidFill>
+                <a:schemeClr val="lt1"/>
+              </a:solidFill>
+            </a:endParaRPr>
+          </a:p>
+          <a:p>
+            <a:pPr indent="0" lvl="0" marL="0" rtl="0" algn="just">
+              <a:spcBef>
+                <a:spcPts val="1200"/>
+              </a:spcBef>
+              <a:spcAft>
+                <a:spcPts val="1200"/>
+              </a:spcAft>
+              <a:buNone/>
+            </a:pPr>
+            <a:r>
+              <a:t/>
+            </a:r>
+            <a:endParaRPr sz="1400">
+              <a:solidFill>
+                <a:schemeClr val="lt1"/>
+              </a:solidFill>
+            </a:endParaRPr>
+          </a:p>
+        </p:txBody>
+      </p:sp>
+      <p:sp>
+        <p:nvSpPr>
+          <p:cNvPr id="171" name="Google Shape;171;p29"/>
+          <p:cNvSpPr txBox="1"/>
+          <p:nvPr/>
+        </p:nvSpPr>
+        <p:spPr>
+          <a:xfrm>
+            <a:off x="328650" y="276525"/>
+            <a:ext cx="6550200" cy="400200"/>
+          </a:xfrm>
+          <a:prstGeom prst="rect">
+            <a:avLst/>
+          </a:prstGeom>
+          <a:noFill/>
+          <a:ln>
+            <a:noFill/>
+          </a:ln>
+        </p:spPr>
+        <p:txBody>
+          <a:bodyPr anchorCtr="0" anchor="t" bIns="91425" lIns="91425" spcFirstLastPara="1" rIns="91425" wrap="square" tIns="91425">
+            <a:spAutoFit/>
+          </a:bodyPr>
+          <a:lstStyle/>
+          <a:p>
+            <a:pPr indent="0" lvl="0" marL="0" rtl="0" algn="l">
+              <a:spcBef>
+                <a:spcPts val="0"/>
+              </a:spcBef>
+              <a:spcAft>
+                <a:spcPts val="0"/>
+              </a:spcAft>
+              <a:buNone/>
+            </a:pPr>
+            <a:r>
+              <a:rPr b="1" lang="es">
+                <a:solidFill>
+                  <a:schemeClr val="accent1"/>
+                </a:solidFill>
+              </a:rPr>
+              <a:t>7</a:t>
+            </a:r>
+            <a:r>
+              <a:rPr b="1" lang="es">
+                <a:solidFill>
+                  <a:schemeClr val="accent1"/>
+                </a:solidFill>
+              </a:rPr>
+              <a:t>.- Conclusión</a:t>
+            </a:r>
+            <a:endParaRPr b="1">
+              <a:solidFill>
+                <a:schemeClr val="accent1"/>
+              </a:solidFill>
+            </a:endParaRPr>
+          </a:p>
+        </p:txBody>
+      </p:sp>
+    </p:spTree>
+  </p:cSld>
+  <p:clrMapOvr>
+    <a:masterClrMapping/>
+  </p:clrMapOvr>
+</p:sld>
+</file>
+
+<file path=ppt/slides/slide2.xml><?xml version="1.0" encoding="utf-8"?>
+<p:sld xmlns:a="http://schemas.openxmlformats.org/drawingml/2006/main" xmlns:r="http://schemas.openxmlformats.org/officeDocument/2006/relationships" xmlns:mc="http://schemas.openxmlformats.org/markup-compatibility/2006" xmlns:mv="urn:schemas-microsoft-com:mac:vml" xmlns:p="http://schemas.openxmlformats.org/presentationml/2006/main" xmlns:c="http://schemas.openxmlformats.org/drawingml/2006/chart" xmlns:dgm="http://schemas.openxmlformats.org/drawingml/2006/diagram" xmlns:o="urn:schemas-microsoft-com:office:office" xmlns:v="urn:schemas-microsoft-com:vml" xmlns:pvml="urn:schemas-microsoft-com:office:powerpoint" xmlns:com="http://schemas.openxmlformats.org/drawingml/2006/compatibility" xmlns:p14="http://schemas.microsoft.com/office/powerpoint/2010/main" xmlns:p15="http://schemas.microsoft.com/office/powerpoint/2012/main" xmlns:ahyp="http://schemas.microsoft.com/office/drawing/2018/hyperlinkcolor">
+  <p:cSld>
+    <p:bg>
+      <p:bgPr>
+        <a:solidFill>
+          <a:schemeClr val="dk1"/>
+        </a:solidFill>
+      </p:bgPr>
+    </p:bg>
+    <p:spTree>
+      <p:nvGrpSpPr>
+        <p:cNvPr id="62" name="Shape 62"/>
+        <p:cNvGrpSpPr/>
+        <p:nvPr/>
+      </p:nvGrpSpPr>
+      <p:grpSpPr>
+        <a:xfrm>
+          <a:off x="0" y="0"/>
+          <a:ext cx="0" cy="0"/>
+          <a:chOff x="0" y="0"/>
+          <a:chExt cx="0" cy="0"/>
+        </a:xfrm>
+      </p:grpSpPr>
+      <p:sp>
+        <p:nvSpPr>
+          <p:cNvPr id="63" name="Google Shape;63;p14"/>
           <p:cNvSpPr txBox="1"/>
           <p:nvPr>
             <p:ph type="title"/>
@@ -7222,7 +10997,7 @@
         </p:nvSpPr>
         <p:spPr>
           <a:xfrm>
-            <a:off x="311700" y="245000"/>
+            <a:off x="387900" y="359300"/>
             <a:ext cx="2081100" cy="378000"/>
           </a:xfrm>
           <a:prstGeom prst="rect">
@@ -7263,7 +11038,7 @@
       </p:sp>
       <p:sp>
         <p:nvSpPr>
-          <p:cNvPr id="63" name="Google Shape;63;p14"/>
+          <p:cNvPr id="64" name="Google Shape;64;p14"/>
           <p:cNvSpPr txBox="1"/>
           <p:nvPr>
             <p:ph idx="1" type="body"/>
@@ -7271,8 +11046,8 @@
         </p:nvSpPr>
         <p:spPr>
           <a:xfrm>
-            <a:off x="311700" y="718250"/>
-            <a:ext cx="8520600" cy="3416400"/>
+            <a:off x="311700" y="953550"/>
+            <a:ext cx="7233900" cy="3236400"/>
           </a:xfrm>
           <a:prstGeom prst="rect">
             <a:avLst/>
@@ -7280,11 +11055,296 @@
         </p:spPr>
         <p:txBody>
           <a:bodyPr anchorCtr="0" anchor="t" bIns="91425" lIns="91425" spcFirstLastPara="1" rIns="91425" wrap="square" tIns="91425">
-            <a:normAutofit/>
+            <a:normAutofit fontScale="25000" lnSpcReduction="20000"/>
           </a:bodyPr>
           <a:lstStyle/>
           <a:p>
             <a:pPr indent="0" lvl="0" marL="0" rtl="0" algn="l">
+              <a:lnSpc>
+                <a:spcPct val="200000"/>
+              </a:lnSpc>
+              <a:spcBef>
+                <a:spcPts val="0"/>
+              </a:spcBef>
+              <a:spcAft>
+                <a:spcPts val="0"/>
+              </a:spcAft>
+              <a:buNone/>
+            </a:pPr>
+            <a:r>
+              <a:rPr lang="es" sz="5636">
+                <a:solidFill>
+                  <a:schemeClr val="accent1"/>
+                </a:solidFill>
+              </a:rPr>
+              <a:t>1.- Descripción del caso de Negocio y Objetivos del modelo </a:t>
+            </a:r>
+            <a:endParaRPr sz="5636">
+              <a:solidFill>
+                <a:schemeClr val="accent1"/>
+              </a:solidFill>
+            </a:endParaRPr>
+          </a:p>
+          <a:p>
+            <a:pPr indent="0" lvl="0" marL="0" rtl="0" algn="l">
+              <a:lnSpc>
+                <a:spcPct val="200000"/>
+              </a:lnSpc>
+              <a:spcBef>
+                <a:spcPts val="0"/>
+              </a:spcBef>
+              <a:spcAft>
+                <a:spcPts val="0"/>
+              </a:spcAft>
+              <a:buNone/>
+            </a:pPr>
+            <a:r>
+              <a:rPr lang="es" sz="5636">
+                <a:solidFill>
+                  <a:schemeClr val="accent1"/>
+                </a:solidFill>
+              </a:rPr>
+              <a:t>2.- Tabla de versionado                                                                                                    </a:t>
+            </a:r>
+            <a:endParaRPr sz="5636">
+              <a:solidFill>
+                <a:schemeClr val="accent1"/>
+              </a:solidFill>
+            </a:endParaRPr>
+          </a:p>
+          <a:p>
+            <a:pPr indent="0" lvl="0" marL="0" rtl="0" algn="l">
+              <a:lnSpc>
+                <a:spcPct val="200000"/>
+              </a:lnSpc>
+              <a:spcBef>
+                <a:spcPts val="0"/>
+              </a:spcBef>
+              <a:spcAft>
+                <a:spcPts val="0"/>
+              </a:spcAft>
+              <a:buNone/>
+            </a:pPr>
+            <a:r>
+              <a:rPr lang="es" sz="5636">
+                <a:solidFill>
+                  <a:schemeClr val="accent1"/>
+                </a:solidFill>
+              </a:rPr>
+              <a:t>3.- </a:t>
+            </a:r>
+            <a:r>
+              <a:rPr lang="es" sz="5636">
+                <a:solidFill>
+                  <a:schemeClr val="accent1"/>
+                </a:solidFill>
+              </a:rPr>
+              <a:t>EDA: Exploratory Data Analysis</a:t>
+            </a:r>
+            <a:endParaRPr sz="5636">
+              <a:solidFill>
+                <a:schemeClr val="accent1"/>
+              </a:solidFill>
+            </a:endParaRPr>
+          </a:p>
+          <a:p>
+            <a:pPr indent="0" lvl="0" marL="0" rtl="0" algn="l">
+              <a:lnSpc>
+                <a:spcPct val="200000"/>
+              </a:lnSpc>
+              <a:spcBef>
+                <a:spcPts val="0"/>
+              </a:spcBef>
+              <a:spcAft>
+                <a:spcPts val="0"/>
+              </a:spcAft>
+              <a:buNone/>
+            </a:pPr>
+            <a:r>
+              <a:rPr lang="es" sz="5636">
+                <a:solidFill>
+                  <a:schemeClr val="accent1"/>
+                </a:solidFill>
+              </a:rPr>
+              <a:t>4.- Pie Charts</a:t>
+            </a:r>
+            <a:endParaRPr sz="5636">
+              <a:solidFill>
+                <a:schemeClr val="accent1"/>
+              </a:solidFill>
+            </a:endParaRPr>
+          </a:p>
+          <a:p>
+            <a:pPr indent="0" lvl="0" marL="0" rtl="0" algn="l">
+              <a:lnSpc>
+                <a:spcPct val="200000"/>
+              </a:lnSpc>
+              <a:spcBef>
+                <a:spcPts val="0"/>
+              </a:spcBef>
+              <a:spcAft>
+                <a:spcPts val="0"/>
+              </a:spcAft>
+              <a:buNone/>
+            </a:pPr>
+            <a:r>
+              <a:rPr lang="es" sz="5636">
+                <a:solidFill>
+                  <a:schemeClr val="accent1"/>
+                </a:solidFill>
+              </a:rPr>
+              <a:t>5.- Entrenamiento de Modelo</a:t>
+            </a:r>
+            <a:endParaRPr sz="5636">
+              <a:solidFill>
+                <a:schemeClr val="accent1"/>
+              </a:solidFill>
+            </a:endParaRPr>
+          </a:p>
+          <a:p>
+            <a:pPr indent="0" lvl="0" marL="0" rtl="0" algn="l">
+              <a:lnSpc>
+                <a:spcPct val="200000"/>
+              </a:lnSpc>
+              <a:spcBef>
+                <a:spcPts val="0"/>
+              </a:spcBef>
+              <a:spcAft>
+                <a:spcPts val="0"/>
+              </a:spcAft>
+              <a:buNone/>
+            </a:pPr>
+            <a:r>
+              <a:rPr lang="es" sz="5636">
+                <a:solidFill>
+                  <a:schemeClr val="accent1"/>
+                </a:solidFill>
+              </a:rPr>
+              <a:t>6.- Métricas de Desempeño y gráficos de Modelos aplicados</a:t>
+            </a:r>
+            <a:endParaRPr sz="5636">
+              <a:solidFill>
+                <a:schemeClr val="accent1"/>
+              </a:solidFill>
+            </a:endParaRPr>
+          </a:p>
+          <a:p>
+            <a:pPr indent="0" lvl="0" marL="0" rtl="0" algn="l">
+              <a:lnSpc>
+                <a:spcPct val="200000"/>
+              </a:lnSpc>
+              <a:spcBef>
+                <a:spcPts val="0"/>
+              </a:spcBef>
+              <a:spcAft>
+                <a:spcPts val="0"/>
+              </a:spcAft>
+              <a:buNone/>
+            </a:pPr>
+            <a:r>
+              <a:rPr lang="es" sz="5636">
+                <a:solidFill>
+                  <a:schemeClr val="accent1"/>
+                </a:solidFill>
+              </a:rPr>
+              <a:t>7.- Conclusión</a:t>
+            </a:r>
+            <a:endParaRPr sz="5636">
+              <a:solidFill>
+                <a:schemeClr val="accent1"/>
+              </a:solidFill>
+            </a:endParaRPr>
+          </a:p>
+          <a:p>
+            <a:pPr indent="0" lvl="0" marL="0" rtl="0" algn="l">
+              <a:lnSpc>
+                <a:spcPct val="200000"/>
+              </a:lnSpc>
+              <a:spcBef>
+                <a:spcPts val="0"/>
+              </a:spcBef>
+              <a:spcAft>
+                <a:spcPts val="0"/>
+              </a:spcAft>
+              <a:buNone/>
+            </a:pPr>
+            <a:r>
+              <a:t/>
+            </a:r>
+            <a:endParaRPr sz="1400">
+              <a:solidFill>
+                <a:schemeClr val="accent1"/>
+              </a:solidFill>
+            </a:endParaRPr>
+          </a:p>
+          <a:p>
+            <a:pPr indent="0" lvl="0" marL="0" rtl="0" algn="l">
+              <a:lnSpc>
+                <a:spcPct val="200000"/>
+              </a:lnSpc>
+              <a:spcBef>
+                <a:spcPts val="0"/>
+              </a:spcBef>
+              <a:spcAft>
+                <a:spcPts val="0"/>
+              </a:spcAft>
+              <a:buNone/>
+            </a:pPr>
+            <a:r>
+              <a:t/>
+            </a:r>
+            <a:endParaRPr sz="1400">
+              <a:solidFill>
+                <a:schemeClr val="accent1"/>
+              </a:solidFill>
+            </a:endParaRPr>
+          </a:p>
+          <a:p>
+            <a:pPr indent="0" lvl="0" marL="0" rtl="0" algn="l">
+              <a:lnSpc>
+                <a:spcPct val="100000"/>
+              </a:lnSpc>
+              <a:spcBef>
+                <a:spcPts val="0"/>
+              </a:spcBef>
+              <a:spcAft>
+                <a:spcPts val="0"/>
+              </a:spcAft>
+              <a:buNone/>
+            </a:pPr>
+            <a:r>
+              <a:t/>
+            </a:r>
+            <a:endParaRPr b="1" sz="1400">
+              <a:solidFill>
+                <a:schemeClr val="accent1"/>
+              </a:solidFill>
+            </a:endParaRPr>
+          </a:p>
+          <a:p>
+            <a:pPr indent="0" lvl="0" marL="0" rtl="0" algn="l">
+              <a:lnSpc>
+                <a:spcPct val="100000"/>
+              </a:lnSpc>
+              <a:spcBef>
+                <a:spcPts val="0"/>
+              </a:spcBef>
+              <a:spcAft>
+                <a:spcPts val="0"/>
+              </a:spcAft>
+              <a:buNone/>
+            </a:pPr>
+            <a:r>
+              <a:t/>
+            </a:r>
+            <a:endParaRPr b="1" sz="1400">
+              <a:solidFill>
+                <a:schemeClr val="accent1"/>
+              </a:solidFill>
+            </a:endParaRPr>
+          </a:p>
+          <a:p>
+            <a:pPr indent="0" lvl="0" marL="0" rtl="0" algn="l">
               <a:spcBef>
                 <a:spcPts val="0"/>
               </a:spcBef>
@@ -7294,7 +11354,13 @@
               <a:buNone/>
             </a:pPr>
             <a:r>
-              <a:t/>
+              <a:rPr lang="es" sz="1400">
+                <a:latin typeface="Times New Roman"/>
+                <a:ea typeface="Times New Roman"/>
+                <a:cs typeface="Times New Roman"/>
+                <a:sym typeface="Times New Roman"/>
+              </a:rPr>
+              <a:t> </a:t>
             </a:r>
             <a:endParaRPr sz="1400">
               <a:latin typeface="Times New Roman"/>
@@ -7325,7 +11391,7 @@
     </p:bg>
     <p:spTree>
       <p:nvGrpSpPr>
-        <p:cNvPr id="67" name="Shape 67"/>
+        <p:cNvPr id="68" name="Shape 68"/>
         <p:cNvGrpSpPr/>
         <p:nvPr/>
       </p:nvGrpSpPr>
@@ -7339,7 +11405,7 @@
       </p:grpSpPr>
       <p:sp>
         <p:nvSpPr>
-          <p:cNvPr id="68" name="Google Shape;68;p15"/>
+          <p:cNvPr id="69" name="Google Shape;69;p15"/>
           <p:cNvSpPr txBox="1"/>
           <p:nvPr>
             <p:ph idx="1" type="body"/>
@@ -7523,7 +11589,7 @@
       </p:sp>
       <p:sp>
         <p:nvSpPr>
-          <p:cNvPr id="69" name="Google Shape;69;p15"/>
+          <p:cNvPr id="70" name="Google Shape;70;p15"/>
           <p:cNvSpPr txBox="1"/>
           <p:nvPr/>
         </p:nvSpPr>
@@ -7573,7 +11639,7 @@
       </p:sp>
       <p:sp>
         <p:nvSpPr>
-          <p:cNvPr id="70" name="Google Shape;70;p15"/>
+          <p:cNvPr id="71" name="Google Shape;71;p15"/>
           <p:cNvSpPr txBox="1"/>
           <p:nvPr/>
         </p:nvSpPr>
@@ -7623,7 +11689,7 @@
       </p:sp>
       <p:sp>
         <p:nvSpPr>
-          <p:cNvPr id="71" name="Google Shape;71;p15"/>
+          <p:cNvPr id="72" name="Google Shape;72;p15"/>
           <p:cNvSpPr txBox="1"/>
           <p:nvPr/>
         </p:nvSpPr>
@@ -7675,7 +11741,7 @@
       </p:sp>
       <p:sp>
         <p:nvSpPr>
-          <p:cNvPr id="72" name="Google Shape;72;p15"/>
+          <p:cNvPr id="73" name="Google Shape;73;p15"/>
           <p:cNvSpPr txBox="1"/>
           <p:nvPr/>
         </p:nvSpPr>
@@ -7733,7 +11799,7 @@
       </p:sp>
       <p:sp>
         <p:nvSpPr>
-          <p:cNvPr id="73" name="Google Shape;73;p15"/>
+          <p:cNvPr id="74" name="Google Shape;74;p15"/>
           <p:cNvSpPr txBox="1"/>
           <p:nvPr/>
         </p:nvSpPr>
@@ -7926,7 +11992,7 @@
     </p:bg>
     <p:spTree>
       <p:nvGrpSpPr>
-        <p:cNvPr id="77" name="Shape 77"/>
+        <p:cNvPr id="78" name="Shape 78"/>
         <p:cNvGrpSpPr/>
         <p:nvPr/>
       </p:nvGrpSpPr>
@@ -7940,7 +12006,7 @@
       </p:grpSpPr>
       <p:sp>
         <p:nvSpPr>
-          <p:cNvPr id="78" name="Google Shape;78;p16"/>
+          <p:cNvPr id="79" name="Google Shape;79;p16"/>
           <p:cNvSpPr txBox="1"/>
           <p:nvPr>
             <p:ph idx="1" type="body"/>
@@ -9077,7 +13143,7 @@
       </p:sp>
       <p:pic>
         <p:nvPicPr>
-          <p:cNvPr id="79" name="Google Shape;79;p16"/>
+          <p:cNvPr id="80" name="Google Shape;80;p16"/>
           <p:cNvPicPr preferRelativeResize="0"/>
           <p:nvPr/>
         </p:nvPicPr>
@@ -9123,7 +13189,7 @@
     </p:bg>
     <p:spTree>
       <p:nvGrpSpPr>
-        <p:cNvPr id="83" name="Shape 83"/>
+        <p:cNvPr id="84" name="Shape 84"/>
         <p:cNvGrpSpPr/>
         <p:nvPr/>
       </p:nvGrpSpPr>
@@ -9137,7 +13203,7 @@
       </p:grpSpPr>
       <p:sp>
         <p:nvSpPr>
-          <p:cNvPr id="84" name="Google Shape;84;p17"/>
+          <p:cNvPr id="85" name="Google Shape;85;p17"/>
           <p:cNvSpPr txBox="1"/>
           <p:nvPr>
             <p:ph idx="1" type="body"/>
@@ -9224,7 +13290,7 @@
       </p:sp>
       <p:pic>
         <p:nvPicPr>
-          <p:cNvPr id="85" name="Google Shape;85;p17"/>
+          <p:cNvPr id="86" name="Google Shape;86;p17"/>
           <p:cNvPicPr preferRelativeResize="0"/>
           <p:nvPr/>
         </p:nvPicPr>
@@ -9269,7 +13335,7 @@
     </p:bg>
     <p:spTree>
       <p:nvGrpSpPr>
-        <p:cNvPr id="89" name="Shape 89"/>
+        <p:cNvPr id="90" name="Shape 90"/>
         <p:cNvGrpSpPr/>
         <p:nvPr/>
       </p:nvGrpSpPr>
@@ -9283,7 +13349,7 @@
       </p:grpSpPr>
       <p:sp>
         <p:nvSpPr>
-          <p:cNvPr id="90" name="Google Shape;90;p18"/>
+          <p:cNvPr id="91" name="Google Shape;91;p18"/>
           <p:cNvSpPr txBox="1"/>
           <p:nvPr>
             <p:ph idx="1" type="body"/>
@@ -9386,7 +13452,7 @@
       </p:sp>
       <p:pic>
         <p:nvPicPr>
-          <p:cNvPr id="91" name="Google Shape;91;p18"/>
+          <p:cNvPr id="92" name="Google Shape;92;p18"/>
           <p:cNvPicPr preferRelativeResize="0"/>
           <p:nvPr/>
         </p:nvPicPr>
@@ -9431,7 +13497,7 @@
     </p:bg>
     <p:spTree>
       <p:nvGrpSpPr>
-        <p:cNvPr id="95" name="Shape 95"/>
+        <p:cNvPr id="96" name="Shape 96"/>
         <p:cNvGrpSpPr/>
         <p:nvPr/>
       </p:nvGrpSpPr>
@@ -9445,7 +13511,7 @@
       </p:grpSpPr>
       <p:sp>
         <p:nvSpPr>
-          <p:cNvPr id="96" name="Google Shape;96;p19"/>
+          <p:cNvPr id="97" name="Google Shape;97;p19"/>
           <p:cNvSpPr txBox="1"/>
           <p:nvPr/>
         </p:nvSpPr>
@@ -9495,7 +13561,7 @@
       </p:sp>
       <p:sp>
         <p:nvSpPr>
-          <p:cNvPr id="97" name="Google Shape;97;p19"/>
+          <p:cNvPr id="98" name="Google Shape;98;p19"/>
           <p:cNvSpPr txBox="1"/>
           <p:nvPr>
             <p:ph idx="1" type="body"/>
@@ -9749,7 +13815,7 @@
       </p:sp>
       <p:pic>
         <p:nvPicPr>
-          <p:cNvPr id="98" name="Google Shape;98;p19"/>
+          <p:cNvPr id="99" name="Google Shape;99;p19"/>
           <p:cNvPicPr preferRelativeResize="0"/>
           <p:nvPr/>
         </p:nvPicPr>
@@ -9777,7 +13843,7 @@
       </p:pic>
       <p:sp>
         <p:nvSpPr>
-          <p:cNvPr id="99" name="Google Shape;99;p19"/>
+          <p:cNvPr id="100" name="Google Shape;100;p19"/>
           <p:cNvSpPr txBox="1"/>
           <p:nvPr/>
         </p:nvSpPr>
@@ -9916,7 +13982,7 @@
     </p:bg>
     <p:spTree>
       <p:nvGrpSpPr>
-        <p:cNvPr id="103" name="Shape 103"/>
+        <p:cNvPr id="104" name="Shape 104"/>
         <p:cNvGrpSpPr/>
         <p:nvPr/>
       </p:nvGrpSpPr>
@@ -9930,7 +13996,7 @@
       </p:grpSpPr>
       <p:sp>
         <p:nvSpPr>
-          <p:cNvPr id="104" name="Google Shape;104;p20"/>
+          <p:cNvPr id="105" name="Google Shape;105;p20"/>
           <p:cNvSpPr txBox="1"/>
           <p:nvPr>
             <p:ph idx="1" type="body"/>
@@ -10002,7 +14068,7 @@
       </p:sp>
       <p:sp>
         <p:nvSpPr>
-          <p:cNvPr id="105" name="Google Shape;105;p20"/>
+          <p:cNvPr id="106" name="Google Shape;106;p20"/>
           <p:cNvSpPr txBox="1"/>
           <p:nvPr/>
         </p:nvSpPr>
@@ -10467,7 +14533,7 @@
       </p:sp>
       <p:pic>
         <p:nvPicPr>
-          <p:cNvPr id="106" name="Google Shape;106;p20"/>
+          <p:cNvPr id="107" name="Google Shape;107;p20"/>
           <p:cNvPicPr preferRelativeResize="0"/>
           <p:nvPr/>
         </p:nvPicPr>
@@ -10513,7 +14579,7 @@
     </p:bg>
     <p:spTree>
       <p:nvGrpSpPr>
-        <p:cNvPr id="110" name="Shape 110"/>
+        <p:cNvPr id="111" name="Shape 111"/>
         <p:cNvGrpSpPr/>
         <p:nvPr/>
       </p:nvGrpSpPr>
@@ -10527,7 +14593,7 @@
       </p:grpSpPr>
       <p:sp>
         <p:nvSpPr>
-          <p:cNvPr id="111" name="Google Shape;111;p21"/>
+          <p:cNvPr id="112" name="Google Shape;112;p21"/>
           <p:cNvSpPr txBox="1"/>
           <p:nvPr>
             <p:ph idx="1" type="body"/>
@@ -10669,7 +14735,7 @@
       </p:sp>
       <p:sp>
         <p:nvSpPr>
-          <p:cNvPr id="112" name="Google Shape;112;p21"/>
+          <p:cNvPr id="113" name="Google Shape;113;p21"/>
           <p:cNvSpPr txBox="1"/>
           <p:nvPr/>
         </p:nvSpPr>
@@ -11225,7 +15291,7 @@
       </p:sp>
       <p:pic>
         <p:nvPicPr>
-          <p:cNvPr id="113" name="Google Shape;113;p21"/>
+          <p:cNvPr id="114" name="Google Shape;114;p21"/>
           <p:cNvPicPr preferRelativeResize="0"/>
           <p:nvPr/>
         </p:nvPicPr>
@@ -11260,6 +15326,285 @@
 </file>
 
 <file path=ppt/theme/theme1.xml><?xml version="1.0" encoding="utf-8"?>
+<a:theme xmlns:a="http://schemas.openxmlformats.org/drawingml/2006/main" xmlns:r="http://schemas.openxmlformats.org/officeDocument/2006/relationships">
+  <a:themeElements>
+    <a:clrScheme name="Default">
+      <a:dk1>
+        <a:srgbClr val="000000"/>
+      </a:dk1>
+      <a:lt1>
+        <a:srgbClr val="FFFFFF"/>
+      </a:lt1>
+      <a:dk2>
+        <a:srgbClr val="158158"/>
+      </a:dk2>
+      <a:lt2>
+        <a:srgbClr val="F3F3F3"/>
+      </a:lt2>
+      <a:accent1>
+        <a:srgbClr val="058DC7"/>
+      </a:accent1>
+      <a:accent2>
+        <a:srgbClr val="50B432"/>
+      </a:accent2>
+      <a:accent3>
+        <a:srgbClr val="ED561B"/>
+      </a:accent3>
+      <a:accent4>
+        <a:srgbClr val="EDEF00"/>
+      </a:accent4>
+      <a:accent5>
+        <a:srgbClr val="24CBE5"/>
+      </a:accent5>
+      <a:accent6>
+        <a:srgbClr val="64E572"/>
+      </a:accent6>
+      <a:hlink>
+        <a:srgbClr val="2200CC"/>
+      </a:hlink>
+      <a:folHlink>
+        <a:srgbClr val="551A8B"/>
+      </a:folHlink>
+    </a:clrScheme>
+    <a:fontScheme name="Office">
+      <a:majorFont>
+        <a:latin typeface="Arial"/>
+        <a:ea typeface=""/>
+        <a:cs typeface=""/>
+        <a:font script="Jpan" typeface="ＭＳ Ｐゴシック"/>
+        <a:font script="Hang" typeface="맑은 고딕"/>
+        <a:font script="Hans" typeface="宋体"/>
+        <a:font script="Hant" typeface="新細明體"/>
+        <a:font script="Arab" typeface="Times New Roman"/>
+        <a:font script="Hebr" typeface="Times New Roman"/>
+        <a:font script="Thai" typeface="Angsana New"/>
+        <a:font script="Ethi" typeface="Nyala"/>
+        <a:font script="Beng" typeface="Vrinda"/>
+        <a:font script="Gujr" typeface="Shruti"/>
+        <a:font script="Khmr" typeface="MoolBoran"/>
+        <a:font script="Knda" typeface="Tunga"/>
+        <a:font script="Guru" typeface="Raavi"/>
+        <a:font script="Cans" typeface="Euphemia"/>
+        <a:font script="Cher" typeface="Plantagenet Cherokee"/>
+        <a:font script="Yiii" typeface="Microsoft Yi Baiti"/>
+        <a:font script="Tibt" typeface="Microsoft Himalaya"/>
+        <a:font script="Thaa" typeface="MV Boli"/>
+        <a:font script="Deva" typeface="Mangal"/>
+        <a:font script="Telu" typeface="Gautami"/>
+        <a:font script="Taml" typeface="Latha"/>
+        <a:font script="Syrc" typeface="Estrangelo Edessa"/>
+        <a:font script="Orya" typeface="Kalinga"/>
+        <a:font script="Mlym" typeface="Kartika"/>
+        <a:font script="Laoo" typeface="DokChampa"/>
+        <a:font script="Sinh" typeface="Iskoola Pota"/>
+        <a:font script="Mong" typeface="Mongolian Baiti"/>
+        <a:font script="Viet" typeface="Times New Roman"/>
+        <a:font script="Uigh" typeface="Microsoft Uighur"/>
+        <a:font script="Geor" typeface="Sylfaen"/>
+      </a:majorFont>
+      <a:minorFont>
+        <a:latin typeface="Arial"/>
+        <a:ea typeface=""/>
+        <a:cs typeface=""/>
+        <a:font script="Jpan" typeface="ＭＳ Ｐゴシック"/>
+        <a:font script="Hang" typeface="맑은 고딕"/>
+        <a:font script="Hans" typeface="宋体"/>
+        <a:font script="Hant" typeface="新細明體"/>
+        <a:font script="Arab" typeface="Arial"/>
+        <a:font script="Hebr" typeface="Arial"/>
+        <a:font script="Thai" typeface="Cordia New"/>
+        <a:font script="Ethi" typeface="Nyala"/>
+        <a:font script="Beng" typeface="Vrinda"/>
+        <a:font script="Gujr" typeface="Shruti"/>
+        <a:font script="Khmr" typeface="DaunPenh"/>
+        <a:font script="Knda" typeface="Tunga"/>
+        <a:font script="Guru" typeface="Raavi"/>
+        <a:font script="Cans" typeface="Euphemia"/>
+        <a:font script="Cher" typeface="Plantagenet Cherokee"/>
+        <a:font script="Yiii" typeface="Microsoft Yi Baiti"/>
+        <a:font script="Tibt" typeface="Microsoft Himalaya"/>
+        <a:font script="Thaa" typeface="MV Boli"/>
+        <a:font script="Deva" typeface="Mangal"/>
+        <a:font script="Telu" typeface="Gautami"/>
+        <a:font script="Taml" typeface="Latha"/>
+        <a:font script="Syrc" typeface="Estrangelo Edessa"/>
+        <a:font script="Orya" typeface="Kalinga"/>
+        <a:font script="Mlym" typeface="Kartika"/>
+        <a:font script="Laoo" typeface="DokChampa"/>
+        <a:font script="Sinh" typeface="Iskoola Pota"/>
+        <a:font script="Mong" typeface="Mongolian Baiti"/>
+        <a:font script="Viet" typeface="Arial"/>
+        <a:font script="Uigh" typeface="Microsoft Uighur"/>
+        <a:font script="Geor" typeface="Sylfaen"/>
+      </a:minorFont>
+    </a:fontScheme>
+    <a:fmtScheme name="Office">
+      <a:fillStyleLst>
+        <a:solidFill>
+          <a:schemeClr val="phClr"/>
+        </a:solidFill>
+        <a:gradFill rotWithShape="1">
+          <a:gsLst>
+            <a:gs pos="0">
+              <a:schemeClr val="phClr">
+                <a:tint val="50000"/>
+                <a:satMod val="300000"/>
+              </a:schemeClr>
+            </a:gs>
+            <a:gs pos="35000">
+              <a:schemeClr val="phClr">
+                <a:tint val="37000"/>
+                <a:satMod val="300000"/>
+              </a:schemeClr>
+            </a:gs>
+            <a:gs pos="100000">
+              <a:schemeClr val="phClr">
+                <a:tint val="15000"/>
+                <a:satMod val="350000"/>
+              </a:schemeClr>
+            </a:gs>
+          </a:gsLst>
+          <a:lin ang="16200000" scaled="1"/>
+        </a:gradFill>
+        <a:gradFill rotWithShape="1">
+          <a:gsLst>
+            <a:gs pos="0">
+              <a:schemeClr val="phClr">
+                <a:tint val="100000"/>
+                <a:shade val="100000"/>
+                <a:satMod val="130000"/>
+              </a:schemeClr>
+            </a:gs>
+            <a:gs pos="100000">
+              <a:schemeClr val="phClr">
+                <a:tint val="50000"/>
+                <a:shade val="100000"/>
+                <a:satMod val="350000"/>
+              </a:schemeClr>
+            </a:gs>
+          </a:gsLst>
+          <a:lin ang="16200000" scaled="0"/>
+        </a:gradFill>
+      </a:fillStyleLst>
+      <a:lnStyleLst>
+        <a:ln w="9525" cap="flat" cmpd="sng" algn="ctr">
+          <a:solidFill>
+            <a:schemeClr val="phClr">
+              <a:shade val="95000"/>
+              <a:satMod val="105000"/>
+            </a:schemeClr>
+          </a:solidFill>
+          <a:prstDash val="solid"/>
+        </a:ln>
+        <a:ln w="25400" cap="flat" cmpd="sng" algn="ctr">
+          <a:solidFill>
+            <a:schemeClr val="phClr"/>
+          </a:solidFill>
+          <a:prstDash val="solid"/>
+        </a:ln>
+        <a:ln w="38100" cap="flat" cmpd="sng" algn="ctr">
+          <a:solidFill>
+            <a:schemeClr val="phClr"/>
+          </a:solidFill>
+          <a:prstDash val="solid"/>
+        </a:ln>
+      </a:lnStyleLst>
+      <a:effectStyleLst>
+        <a:effectStyle>
+          <a:effectLst>
+            <a:outerShdw blurRad="40000" dist="20000" dir="5400000" rotWithShape="0">
+              <a:srgbClr val="000000">
+                <a:alpha val="38000"/>
+              </a:srgbClr>
+            </a:outerShdw>
+          </a:effectLst>
+        </a:effectStyle>
+        <a:effectStyle>
+          <a:effectLst>
+            <a:outerShdw blurRad="40000" dist="23000" dir="5400000" rotWithShape="0">
+              <a:srgbClr val="000000">
+                <a:alpha val="35000"/>
+              </a:srgbClr>
+            </a:outerShdw>
+          </a:effectLst>
+        </a:effectStyle>
+        <a:effectStyle>
+          <a:effectLst>
+            <a:outerShdw blurRad="40000" dist="23000" dir="5400000" rotWithShape="0">
+              <a:srgbClr val="000000">
+                <a:alpha val="35000"/>
+              </a:srgbClr>
+            </a:outerShdw>
+          </a:effectLst>
+          <a:scene3d>
+            <a:camera prst="orthographicFront">
+              <a:rot lat="0" lon="0" rev="0"/>
+            </a:camera>
+            <a:lightRig rig="threePt" dir="t">
+              <a:rot lat="0" lon="0" rev="1200000"/>
+            </a:lightRig>
+          </a:scene3d>
+          <a:sp3d>
+            <a:bevelT w="63500" h="25400"/>
+          </a:sp3d>
+        </a:effectStyle>
+      </a:effectStyleLst>
+      <a:bgFillStyleLst>
+        <a:solidFill>
+          <a:schemeClr val="phClr"/>
+        </a:solidFill>
+        <a:gradFill rotWithShape="1">
+          <a:gsLst>
+            <a:gs pos="0">
+              <a:schemeClr val="phClr">
+                <a:tint val="40000"/>
+                <a:satMod val="350000"/>
+              </a:schemeClr>
+            </a:gs>
+            <a:gs pos="40000">
+              <a:schemeClr val="phClr">
+                <a:tint val="45000"/>
+                <a:shade val="99000"/>
+                <a:satMod val="350000"/>
+              </a:schemeClr>
+            </a:gs>
+            <a:gs pos="100000">
+              <a:schemeClr val="phClr">
+                <a:shade val="20000"/>
+                <a:satMod val="255000"/>
+              </a:schemeClr>
+            </a:gs>
+          </a:gsLst>
+          <a:path path="circle">
+            <a:fillToRect l="50000" t="-80000" r="50000" b="180000"/>
+          </a:path>
+        </a:gradFill>
+        <a:gradFill rotWithShape="1">
+          <a:gsLst>
+            <a:gs pos="0">
+              <a:schemeClr val="phClr">
+                <a:tint val="80000"/>
+                <a:satMod val="300000"/>
+              </a:schemeClr>
+            </a:gs>
+            <a:gs pos="100000">
+              <a:schemeClr val="phClr">
+                <a:shade val="30000"/>
+                <a:satMod val="200000"/>
+              </a:schemeClr>
+            </a:gs>
+          </a:gsLst>
+          <a:path path="circle">
+            <a:fillToRect l="50000" t="50000" r="50000" b="50000"/>
+          </a:path>
+        </a:gradFill>
+      </a:bgFillStyleLst>
+    </a:fmtScheme>
+  </a:themeElements>
+</a:theme>
+</file>
+
+<file path=ppt/theme/theme2.xml><?xml version="1.0" encoding="utf-8"?>
 <a:theme xmlns:a="http://schemas.openxmlformats.org/drawingml/2006/main" xmlns:r="http://schemas.openxmlformats.org/officeDocument/2006/relationships" name="Simple Dark">
   <a:themeElements>
     <a:clrScheme name="Simple Dark">
@@ -11536,283 +15881,4 @@
     </a:fmtScheme>
   </a:themeElements>
 </a:theme>
-</file>
-
-<file path=ppt/theme/theme2.xml><?xml version="1.0" encoding="utf-8"?>
-<a:theme xmlns:a="http://schemas.openxmlformats.org/drawingml/2006/main" xmlns:r="http://schemas.openxmlformats.org/officeDocument/2006/relationships">
-  <a:themeElements>
-    <a:clrScheme name="Default">
-      <a:dk1>
-        <a:srgbClr val="000000"/>
-      </a:dk1>
-      <a:lt1>
-        <a:srgbClr val="FFFFFF"/>
-      </a:lt1>
-      <a:dk2>
-        <a:srgbClr val="158158"/>
-      </a:dk2>
-      <a:lt2>
-        <a:srgbClr val="F3F3F3"/>
-      </a:lt2>
-      <a:accent1>
-        <a:srgbClr val="058DC7"/>
-      </a:accent1>
-      <a:accent2>
-        <a:srgbClr val="50B432"/>
-      </a:accent2>
-      <a:accent3>
-        <a:srgbClr val="ED561B"/>
-      </a:accent3>
-      <a:accent4>
-        <a:srgbClr val="EDEF00"/>
-      </a:accent4>
-      <a:accent5>
-        <a:srgbClr val="24CBE5"/>
-      </a:accent5>
-      <a:accent6>
-        <a:srgbClr val="64E572"/>
-      </a:accent6>
-      <a:hlink>
-        <a:srgbClr val="2200CC"/>
-      </a:hlink>
-      <a:folHlink>
-        <a:srgbClr val="551A8B"/>
-      </a:folHlink>
-    </a:clrScheme>
-    <a:fontScheme name="Office">
-      <a:majorFont>
-        <a:latin typeface="Arial"/>
-        <a:ea typeface=""/>
-        <a:cs typeface=""/>
-        <a:font script="Jpan" typeface="ＭＳ Ｐゴシック"/>
-        <a:font script="Hang" typeface="맑은 고딕"/>
-        <a:font script="Hans" typeface="宋体"/>
-        <a:font script="Hant" typeface="新細明體"/>
-        <a:font script="Arab" typeface="Times New Roman"/>
-        <a:font script="Hebr" typeface="Times New Roman"/>
-        <a:font script="Thai" typeface="Angsana New"/>
-        <a:font script="Ethi" typeface="Nyala"/>
-        <a:font script="Beng" typeface="Vrinda"/>
-        <a:font script="Gujr" typeface="Shruti"/>
-        <a:font script="Khmr" typeface="MoolBoran"/>
-        <a:font script="Knda" typeface="Tunga"/>
-        <a:font script="Guru" typeface="Raavi"/>
-        <a:font script="Cans" typeface="Euphemia"/>
-        <a:font script="Cher" typeface="Plantagenet Cherokee"/>
-        <a:font script="Yiii" typeface="Microsoft Yi Baiti"/>
-        <a:font script="Tibt" typeface="Microsoft Himalaya"/>
-        <a:font script="Thaa" typeface="MV Boli"/>
-        <a:font script="Deva" typeface="Mangal"/>
-        <a:font script="Telu" typeface="Gautami"/>
-        <a:font script="Taml" typeface="Latha"/>
-        <a:font script="Syrc" typeface="Estrangelo Edessa"/>
-        <a:font script="Orya" typeface="Kalinga"/>
-        <a:font script="Mlym" typeface="Kartika"/>
-        <a:font script="Laoo" typeface="DokChampa"/>
-        <a:font script="Sinh" typeface="Iskoola Pota"/>
-        <a:font script="Mong" typeface="Mongolian Baiti"/>
-        <a:font script="Viet" typeface="Times New Roman"/>
-        <a:font script="Uigh" typeface="Microsoft Uighur"/>
-        <a:font script="Geor" typeface="Sylfaen"/>
-      </a:majorFont>
-      <a:minorFont>
-        <a:latin typeface="Arial"/>
-        <a:ea typeface=""/>
-        <a:cs typeface=""/>
-        <a:font script="Jpan" typeface="ＭＳ Ｐゴシック"/>
-        <a:font script="Hang" typeface="맑은 고딕"/>
-        <a:font script="Hans" typeface="宋体"/>
-        <a:font script="Hant" typeface="新細明體"/>
-        <a:font script="Arab" typeface="Arial"/>
-        <a:font script="Hebr" typeface="Arial"/>
-        <a:font script="Thai" typeface="Cordia New"/>
-        <a:font script="Ethi" typeface="Nyala"/>
-        <a:font script="Beng" typeface="Vrinda"/>
-        <a:font script="Gujr" typeface="Shruti"/>
-        <a:font script="Khmr" typeface="DaunPenh"/>
-        <a:font script="Knda" typeface="Tunga"/>
-        <a:font script="Guru" typeface="Raavi"/>
-        <a:font script="Cans" typeface="Euphemia"/>
-        <a:font script="Cher" typeface="Plantagenet Cherokee"/>
-        <a:font script="Yiii" typeface="Microsoft Yi Baiti"/>
-        <a:font script="Tibt" typeface="Microsoft Himalaya"/>
-        <a:font script="Thaa" typeface="MV Boli"/>
-        <a:font script="Deva" typeface="Mangal"/>
-        <a:font script="Telu" typeface="Gautami"/>
-        <a:font script="Taml" typeface="Latha"/>
-        <a:font script="Syrc" typeface="Estrangelo Edessa"/>
-        <a:font script="Orya" typeface="Kalinga"/>
-        <a:font script="Mlym" typeface="Kartika"/>
-        <a:font script="Laoo" typeface="DokChampa"/>
-        <a:font script="Sinh" typeface="Iskoola Pota"/>
-        <a:font script="Mong" typeface="Mongolian Baiti"/>
-        <a:font script="Viet" typeface="Arial"/>
-        <a:font script="Uigh" typeface="Microsoft Uighur"/>
-        <a:font script="Geor" typeface="Sylfaen"/>
-      </a:minorFont>
-    </a:fontScheme>
-    <a:fmtScheme name="Office">
-      <a:fillStyleLst>
-        <a:solidFill>
-          <a:schemeClr val="phClr"/>
-        </a:solidFill>
-        <a:gradFill rotWithShape="1">
-          <a:gsLst>
-            <a:gs pos="0">
-              <a:schemeClr val="phClr">
-                <a:tint val="50000"/>
-                <a:satMod val="300000"/>
-              </a:schemeClr>
-            </a:gs>
-            <a:gs pos="35000">
-              <a:schemeClr val="phClr">
-                <a:tint val="37000"/>
-                <a:satMod val="300000"/>
-              </a:schemeClr>
-            </a:gs>
-            <a:gs pos="100000">
-              <a:schemeClr val="phClr">
-                <a:tint val="15000"/>
-                <a:satMod val="350000"/>
-              </a:schemeClr>
-            </a:gs>
-          </a:gsLst>
-          <a:lin ang="16200000" scaled="1"/>
-        </a:gradFill>
-        <a:gradFill rotWithShape="1">
-          <a:gsLst>
-            <a:gs pos="0">
-              <a:schemeClr val="phClr">
-                <a:tint val="100000"/>
-                <a:shade val="100000"/>
-                <a:satMod val="130000"/>
-              </a:schemeClr>
-            </a:gs>
-            <a:gs pos="100000">
-              <a:schemeClr val="phClr">
-                <a:tint val="50000"/>
-                <a:shade val="100000"/>
-                <a:satMod val="350000"/>
-              </a:schemeClr>
-            </a:gs>
-          </a:gsLst>
-          <a:lin ang="16200000" scaled="0"/>
-        </a:gradFill>
-      </a:fillStyleLst>
-      <a:lnStyleLst>
-        <a:ln w="9525" cap="flat" cmpd="sng" algn="ctr">
-          <a:solidFill>
-            <a:schemeClr val="phClr">
-              <a:shade val="95000"/>
-              <a:satMod val="105000"/>
-            </a:schemeClr>
-          </a:solidFill>
-          <a:prstDash val="solid"/>
-        </a:ln>
-        <a:ln w="25400" cap="flat" cmpd="sng" algn="ctr">
-          <a:solidFill>
-            <a:schemeClr val="phClr"/>
-          </a:solidFill>
-          <a:prstDash val="solid"/>
-        </a:ln>
-        <a:ln w="38100" cap="flat" cmpd="sng" algn="ctr">
-          <a:solidFill>
-            <a:schemeClr val="phClr"/>
-          </a:solidFill>
-          <a:prstDash val="solid"/>
-        </a:ln>
-      </a:lnStyleLst>
-      <a:effectStyleLst>
-        <a:effectStyle>
-          <a:effectLst>
-            <a:outerShdw blurRad="40000" dist="20000" dir="5400000" rotWithShape="0">
-              <a:srgbClr val="000000">
-                <a:alpha val="38000"/>
-              </a:srgbClr>
-            </a:outerShdw>
-          </a:effectLst>
-        </a:effectStyle>
-        <a:effectStyle>
-          <a:effectLst>
-            <a:outerShdw blurRad="40000" dist="23000" dir="5400000" rotWithShape="0">
-              <a:srgbClr val="000000">
-                <a:alpha val="35000"/>
-              </a:srgbClr>
-            </a:outerShdw>
-          </a:effectLst>
-        </a:effectStyle>
-        <a:effectStyle>
-          <a:effectLst>
-            <a:outerShdw blurRad="40000" dist="23000" dir="5400000" rotWithShape="0">
-              <a:srgbClr val="000000">
-                <a:alpha val="35000"/>
-              </a:srgbClr>
-            </a:outerShdw>
-          </a:effectLst>
-          <a:scene3d>
-            <a:camera prst="orthographicFront">
-              <a:rot lat="0" lon="0" rev="0"/>
-            </a:camera>
-            <a:lightRig rig="threePt" dir="t">
-              <a:rot lat="0" lon="0" rev="1200000"/>
-            </a:lightRig>
-          </a:scene3d>
-          <a:sp3d>
-            <a:bevelT w="63500" h="25400"/>
-          </a:sp3d>
-        </a:effectStyle>
-      </a:effectStyleLst>
-      <a:bgFillStyleLst>
-        <a:solidFill>
-          <a:schemeClr val="phClr"/>
-        </a:solidFill>
-        <a:gradFill rotWithShape="1">
-          <a:gsLst>
-            <a:gs pos="0">
-              <a:schemeClr val="phClr">
-                <a:tint val="40000"/>
-                <a:satMod val="350000"/>
-              </a:schemeClr>
-            </a:gs>
-            <a:gs pos="40000">
-              <a:schemeClr val="phClr">
-                <a:tint val="45000"/>
-                <a:shade val="99000"/>
-                <a:satMod val="350000"/>
-              </a:schemeClr>
-            </a:gs>
-            <a:gs pos="100000">
-              <a:schemeClr val="phClr">
-                <a:shade val="20000"/>
-                <a:satMod val="255000"/>
-              </a:schemeClr>
-            </a:gs>
-          </a:gsLst>
-          <a:path path="circle">
-            <a:fillToRect l="50000" t="-80000" r="50000" b="180000"/>
-          </a:path>
-        </a:gradFill>
-        <a:gradFill rotWithShape="1">
-          <a:gsLst>
-            <a:gs pos="0">
-              <a:schemeClr val="phClr">
-                <a:tint val="80000"/>
-                <a:satMod val="300000"/>
-              </a:schemeClr>
-            </a:gs>
-            <a:gs pos="100000">
-              <a:schemeClr val="phClr">
-                <a:shade val="30000"/>
-                <a:satMod val="200000"/>
-              </a:schemeClr>
-            </a:gs>
-          </a:gsLst>
-          <a:path path="circle">
-            <a:fillToRect l="50000" t="50000" r="50000" b="50000"/>
-          </a:path>
-        </a:gradFill>
-      </a:bgFillStyleLst>
-    </a:fmtScheme>
-  </a:themeElements>
-</a:theme>
 </file>